--- a/企业实训答辩.pptx
+++ b/企业实训答辩.pptx
@@ -5,37 +5,37 @@
     <p:sldMasterId id="2147483648" r:id="rId1"/>
   </p:sldMasterIdLst>
   <p:notesMasterIdLst>
-    <p:notesMasterId r:id="rId27"/>
+    <p:notesMasterId r:id="rId4"/>
   </p:notesMasterIdLst>
   <p:handoutMasterIdLst>
-    <p:handoutMasterId r:id="rId28"/>
+    <p:handoutMasterId r:id="rId29"/>
   </p:handoutMasterIdLst>
   <p:sldIdLst>
-    <p:sldId id="1895" r:id="rId2"/>
-    <p:sldId id="1938" r:id="rId3"/>
-    <p:sldId id="1876" r:id="rId4"/>
-    <p:sldId id="1930" r:id="rId5"/>
-    <p:sldId id="1932" r:id="rId6"/>
-    <p:sldId id="1929" r:id="rId7"/>
-    <p:sldId id="1912" r:id="rId8"/>
-    <p:sldId id="1847" r:id="rId9"/>
-    <p:sldId id="1898" r:id="rId10"/>
-    <p:sldId id="1925" r:id="rId11"/>
-    <p:sldId id="1939" r:id="rId12"/>
-    <p:sldId id="1940" r:id="rId13"/>
-    <p:sldId id="1883" r:id="rId14"/>
-    <p:sldId id="1791" r:id="rId15"/>
-    <p:sldId id="1927" r:id="rId16"/>
-    <p:sldId id="1884" r:id="rId17"/>
-    <p:sldId id="1900" r:id="rId18"/>
-    <p:sldId id="1906" r:id="rId19"/>
-    <p:sldId id="385" r:id="rId20"/>
-    <p:sldId id="1935" r:id="rId21"/>
-    <p:sldId id="1941" r:id="rId22"/>
-    <p:sldId id="1942" r:id="rId23"/>
-    <p:sldId id="391" r:id="rId24"/>
-    <p:sldId id="1943" r:id="rId25"/>
-    <p:sldId id="1910" r:id="rId26"/>
+    <p:sldId id="1895" r:id="rId3"/>
+    <p:sldId id="1938" r:id="rId5"/>
+    <p:sldId id="1876" r:id="rId6"/>
+    <p:sldId id="1930" r:id="rId7"/>
+    <p:sldId id="1932" r:id="rId8"/>
+    <p:sldId id="1929" r:id="rId9"/>
+    <p:sldId id="1912" r:id="rId10"/>
+    <p:sldId id="1847" r:id="rId11"/>
+    <p:sldId id="1898" r:id="rId12"/>
+    <p:sldId id="1925" r:id="rId13"/>
+    <p:sldId id="1939" r:id="rId14"/>
+    <p:sldId id="1940" r:id="rId15"/>
+    <p:sldId id="1883" r:id="rId16"/>
+    <p:sldId id="1791" r:id="rId17"/>
+    <p:sldId id="1927" r:id="rId18"/>
+    <p:sldId id="1884" r:id="rId19"/>
+    <p:sldId id="1900" r:id="rId20"/>
+    <p:sldId id="1906" r:id="rId21"/>
+    <p:sldId id="385" r:id="rId22"/>
+    <p:sldId id="1935" r:id="rId23"/>
+    <p:sldId id="1941" r:id="rId24"/>
+    <p:sldId id="1942" r:id="rId25"/>
+    <p:sldId id="391" r:id="rId26"/>
+    <p:sldId id="1943" r:id="rId27"/>
+    <p:sldId id="1910" r:id="rId28"/>
   </p:sldIdLst>
   <p:sldSz cx="12192000" cy="6858000"/>
   <p:notesSz cx="6858000" cy="9144000"/>
@@ -134,22 +134,6 @@
       </a:defRPr>
     </a:lvl9pPr>
   </p:defaultTextStyle>
-  <p:extLst>
-    <p:ext uri="{EFAFB233-063F-42B5-8137-9DF3F51BA10A}">
-      <p15:sldGuideLst xmlns:p15="http://schemas.microsoft.com/office/powerpoint/2012/main">
-        <p15:guide id="1" orient="horz" pos="2205">
-          <p15:clr>
-            <a:srgbClr val="A4A3A4"/>
-          </p15:clr>
-        </p15:guide>
-        <p15:guide id="2" pos="3840">
-          <p15:clr>
-            <a:srgbClr val="A4A3A4"/>
-          </p15:clr>
-        </p15:guide>
-      </p15:sldGuideLst>
-    </p:ext>
-  </p:extLst>
 </p:presentation>
 </file>
 
@@ -241,7 +225,6 @@
           <a:p>
             <a:fld id="{0F9B84EA-7D68-4D60-9CB1-D50884785D1C}" type="datetimeFigureOut">
               <a:rPr lang="zh-CN" altLang="en-US" smtClean="0"/>
-              <a:t>2022/3/4</a:t>
             </a:fld>
             <a:endParaRPr lang="zh-CN" altLang="en-US"/>
           </a:p>
@@ -307,18 +290,12 @@
           <a:p>
             <a:fld id="{8D4E0FC9-F1F8-4FAE-9988-3BA365CFD46F}" type="slidenum">
               <a:rPr lang="zh-CN" altLang="en-US" smtClean="0"/>
-              <a:t>‹#›</a:t>
             </a:fld>
             <a:endParaRPr lang="zh-CN" altLang="en-US"/>
           </a:p>
         </p:txBody>
       </p:sp>
     </p:spTree>
-    <p:extLst>
-      <p:ext uri="{BB962C8B-B14F-4D97-AF65-F5344CB8AC3E}">
-        <p14:creationId xmlns:p14="http://schemas.microsoft.com/office/powerpoint/2010/main" val="575995744"/>
-      </p:ext>
-    </p:extLst>
   </p:cSld>
   <p:clrMap bg1="lt1" tx1="dk1" bg2="lt2" tx2="dk2" accent1="accent1" accent2="accent2" accent3="accent3" accent4="accent4" accent5="accent5" accent6="accent6" hlink="hlink" folHlink="folHlink"/>
 </p:handoutMaster>
@@ -406,7 +383,6 @@
           <a:p>
             <a:fld id="{CA71216A-7A78-4F6E-AA82-29CFEC344375}" type="datetimeFigureOut">
               <a:rPr lang="zh-CN" altLang="en-US" smtClean="0"/>
-              <a:t>2022/3/4</a:t>
             </a:fld>
             <a:endParaRPr lang="zh-CN" altLang="en-US"/>
           </a:p>
@@ -475,6 +451,7 @@
               <a:rPr lang="zh-CN" altLang="en-US"/>
               <a:t>单击此处编辑母版文本样式</a:t>
             </a:r>
+            <a:endParaRPr lang="zh-CN" altLang="en-US"/>
           </a:p>
           <a:p>
             <a:pPr lvl="1"/>
@@ -482,6 +459,7 @@
               <a:rPr lang="zh-CN" altLang="en-US"/>
               <a:t>第二级</a:t>
             </a:r>
+            <a:endParaRPr lang="zh-CN" altLang="en-US"/>
           </a:p>
           <a:p>
             <a:pPr lvl="2"/>
@@ -489,6 +467,7 @@
               <a:rPr lang="zh-CN" altLang="en-US"/>
               <a:t>第三级</a:t>
             </a:r>
+            <a:endParaRPr lang="zh-CN" altLang="en-US"/>
           </a:p>
           <a:p>
             <a:pPr lvl="3"/>
@@ -496,6 +475,7 @@
               <a:rPr lang="zh-CN" altLang="en-US"/>
               <a:t>第四级</a:t>
             </a:r>
+            <a:endParaRPr lang="zh-CN" altLang="en-US"/>
           </a:p>
           <a:p>
             <a:pPr lvl="4"/>
@@ -503,6 +483,7 @@
               <a:rPr lang="zh-CN" altLang="en-US"/>
               <a:t>第五级</a:t>
             </a:r>
+            <a:endParaRPr lang="zh-CN" altLang="en-US"/>
           </a:p>
         </p:txBody>
       </p:sp>
@@ -566,18 +547,12 @@
           <a:p>
             <a:fld id="{F2ADDCEE-B938-4AE8-98CF-EB91900D4C25}" type="slidenum">
               <a:rPr lang="zh-CN" altLang="en-US" smtClean="0"/>
-              <a:t>‹#›</a:t>
             </a:fld>
             <a:endParaRPr lang="zh-CN" altLang="en-US"/>
           </a:p>
         </p:txBody>
       </p:sp>
     </p:spTree>
-    <p:extLst>
-      <p:ext uri="{BB962C8B-B14F-4D97-AF65-F5344CB8AC3E}">
-        <p14:creationId xmlns:p14="http://schemas.microsoft.com/office/powerpoint/2010/main" val="775150652"/>
-      </p:ext>
-    </p:extLst>
   </p:cSld>
   <p:clrMap bg1="lt1" tx1="dk1" bg2="lt2" tx2="dk2" accent1="accent1" accent2="accent2" accent3="accent3" accent4="accent4" accent5="accent5" accent6="accent6" hlink="hlink" folHlink="folHlink"/>
   <p:notesStyle>
@@ -751,7 +726,6 @@
                   <a:prstClr val="black"/>
                 </a:solidFill>
               </a:rPr>
-              <a:t>1</a:t>
             </a:fld>
             <a:endParaRPr lang="zh-CN" altLang="en-US">
               <a:solidFill>
@@ -762,11 +736,6 @@
         </p:txBody>
       </p:sp>
     </p:spTree>
-    <p:extLst>
-      <p:ext uri="{BB962C8B-B14F-4D97-AF65-F5344CB8AC3E}">
-        <p14:creationId xmlns:p14="http://schemas.microsoft.com/office/powerpoint/2010/main" val="3991156910"/>
-      </p:ext>
-    </p:extLst>
   </p:cSld>
   <p:clrMapOvr>
     <a:masterClrMapping/>
@@ -839,18 +808,12 @@
           <a:p>
             <a:fld id="{F2ADDCEE-B938-4AE8-98CF-EB91900D4C25}" type="slidenum">
               <a:rPr lang="zh-CN" altLang="en-US" smtClean="0"/>
-              <a:t>10</a:t>
             </a:fld>
             <a:endParaRPr lang="zh-CN" altLang="en-US"/>
           </a:p>
         </p:txBody>
       </p:sp>
     </p:spTree>
-    <p:extLst>
-      <p:ext uri="{BB962C8B-B14F-4D97-AF65-F5344CB8AC3E}">
-        <p14:creationId xmlns:p14="http://schemas.microsoft.com/office/powerpoint/2010/main" val="4065067524"/>
-      </p:ext>
-    </p:extLst>
   </p:cSld>
   <p:clrMapOvr>
     <a:masterClrMapping/>
@@ -923,18 +886,12 @@
           <a:p>
             <a:fld id="{F2ADDCEE-B938-4AE8-98CF-EB91900D4C25}" type="slidenum">
               <a:rPr lang="zh-CN" altLang="en-US" smtClean="0"/>
-              <a:t>11</a:t>
             </a:fld>
             <a:endParaRPr lang="zh-CN" altLang="en-US"/>
           </a:p>
         </p:txBody>
       </p:sp>
     </p:spTree>
-    <p:extLst>
-      <p:ext uri="{BB962C8B-B14F-4D97-AF65-F5344CB8AC3E}">
-        <p14:creationId xmlns:p14="http://schemas.microsoft.com/office/powerpoint/2010/main" val="4084270684"/>
-      </p:ext>
-    </p:extLst>
   </p:cSld>
   <p:clrMapOvr>
     <a:masterClrMapping/>
@@ -1007,18 +964,12 @@
           <a:p>
             <a:fld id="{F2ADDCEE-B938-4AE8-98CF-EB91900D4C25}" type="slidenum">
               <a:rPr lang="zh-CN" altLang="en-US" smtClean="0"/>
-              <a:t>12</a:t>
             </a:fld>
             <a:endParaRPr lang="zh-CN" altLang="en-US"/>
           </a:p>
         </p:txBody>
       </p:sp>
     </p:spTree>
-    <p:extLst>
-      <p:ext uri="{BB962C8B-B14F-4D97-AF65-F5344CB8AC3E}">
-        <p14:creationId xmlns:p14="http://schemas.microsoft.com/office/powerpoint/2010/main" val="3959042635"/>
-      </p:ext>
-    </p:extLst>
   </p:cSld>
   <p:clrMapOvr>
     <a:masterClrMapping/>
@@ -1102,7 +1053,6 @@
                   <a:prstClr val="black"/>
                 </a:solidFill>
               </a:rPr>
-              <a:t>13</a:t>
             </a:fld>
             <a:endParaRPr lang="zh-CN" altLang="en-US">
               <a:solidFill>
@@ -1113,11 +1063,6 @@
         </p:txBody>
       </p:sp>
     </p:spTree>
-    <p:extLst>
-      <p:ext uri="{BB962C8B-B14F-4D97-AF65-F5344CB8AC3E}">
-        <p14:creationId xmlns:p14="http://schemas.microsoft.com/office/powerpoint/2010/main" val="1067104358"/>
-      </p:ext>
-    </p:extLst>
   </p:cSld>
   <p:clrMapOvr>
     <a:masterClrMapping/>
@@ -1173,6 +1118,7 @@
               <a:rPr lang="zh-CN" altLang="en-US" dirty="0"/>
               <a:t>文中提到在分布式环境中对强化学习智能体进行异步训练</a:t>
             </a:r>
+            <a:endParaRPr lang="zh-CN" altLang="en-US" dirty="0"/>
           </a:p>
           <a:p>
             <a:r>
@@ -1187,6 +1133,7 @@
               <a:rPr lang="zh-CN" altLang="en-US" dirty="0"/>
               <a:t>要更强</a:t>
             </a:r>
+            <a:endParaRPr lang="zh-CN" altLang="en-US" dirty="0"/>
           </a:p>
         </p:txBody>
       </p:sp>
@@ -1207,18 +1154,12 @@
           <a:p>
             <a:fld id="{F2ADDCEE-B938-4AE8-98CF-EB91900D4C25}" type="slidenum">
               <a:rPr lang="zh-CN" altLang="en-US" smtClean="0"/>
-              <a:t>14</a:t>
             </a:fld>
             <a:endParaRPr lang="zh-CN" altLang="en-US"/>
           </a:p>
         </p:txBody>
       </p:sp>
     </p:spTree>
-    <p:extLst>
-      <p:ext uri="{BB962C8B-B14F-4D97-AF65-F5344CB8AC3E}">
-        <p14:creationId xmlns:p14="http://schemas.microsoft.com/office/powerpoint/2010/main" val="83100983"/>
-      </p:ext>
-    </p:extLst>
   </p:cSld>
   <p:clrMapOvr>
     <a:masterClrMapping/>
@@ -1274,6 +1215,7 @@
               <a:rPr lang="zh-CN" altLang="en-US" dirty="0"/>
               <a:t>文中提到在分布式环境中对强化学习智能体进行异步训练</a:t>
             </a:r>
+            <a:endParaRPr lang="zh-CN" altLang="en-US" dirty="0"/>
           </a:p>
           <a:p>
             <a:r>
@@ -1288,6 +1230,7 @@
               <a:rPr lang="zh-CN" altLang="en-US" dirty="0"/>
               <a:t>要更强</a:t>
             </a:r>
+            <a:endParaRPr lang="zh-CN" altLang="en-US" dirty="0"/>
           </a:p>
         </p:txBody>
       </p:sp>
@@ -1308,18 +1251,12 @@
           <a:p>
             <a:fld id="{F2ADDCEE-B938-4AE8-98CF-EB91900D4C25}" type="slidenum">
               <a:rPr lang="zh-CN" altLang="en-US" smtClean="0"/>
-              <a:t>15</a:t>
             </a:fld>
             <a:endParaRPr lang="zh-CN" altLang="en-US"/>
           </a:p>
         </p:txBody>
       </p:sp>
     </p:spTree>
-    <p:extLst>
-      <p:ext uri="{BB962C8B-B14F-4D97-AF65-F5344CB8AC3E}">
-        <p14:creationId xmlns:p14="http://schemas.microsoft.com/office/powerpoint/2010/main" val="1737142258"/>
-      </p:ext>
-    </p:extLst>
   </p:cSld>
   <p:clrMapOvr>
     <a:masterClrMapping/>
@@ -1403,7 +1340,6 @@
                   <a:prstClr val="black"/>
                 </a:solidFill>
               </a:rPr>
-              <a:t>16</a:t>
             </a:fld>
             <a:endParaRPr lang="zh-CN" altLang="en-US">
               <a:solidFill>
@@ -1414,11 +1350,6 @@
         </p:txBody>
       </p:sp>
     </p:spTree>
-    <p:extLst>
-      <p:ext uri="{BB962C8B-B14F-4D97-AF65-F5344CB8AC3E}">
-        <p14:creationId xmlns:p14="http://schemas.microsoft.com/office/powerpoint/2010/main" val="1954694555"/>
-      </p:ext>
-    </p:extLst>
   </p:cSld>
   <p:clrMapOvr>
     <a:masterClrMapping/>
@@ -1502,7 +1433,6 @@
                   <a:prstClr val="black"/>
                 </a:solidFill>
               </a:rPr>
-              <a:t>18</a:t>
             </a:fld>
             <a:endParaRPr lang="zh-CN" altLang="en-US">
               <a:solidFill>
@@ -1513,11 +1443,6 @@
         </p:txBody>
       </p:sp>
     </p:spTree>
-    <p:extLst>
-      <p:ext uri="{BB962C8B-B14F-4D97-AF65-F5344CB8AC3E}">
-        <p14:creationId xmlns:p14="http://schemas.microsoft.com/office/powerpoint/2010/main" val="3741786234"/>
-      </p:ext>
-    </p:extLst>
   </p:cSld>
   <p:clrMapOvr>
     <a:masterClrMapping/>
@@ -1590,7 +1515,6 @@
           <a:p>
             <a:fld id="{8CE537F3-7F9D-4182-8C2D-F2D36A9B177C}" type="slidenum">
               <a:rPr lang="zh-CN" altLang="en-US" smtClean="0"/>
-              <a:t>19</a:t>
             </a:fld>
             <a:endParaRPr lang="zh-CN" altLang="en-US"/>
           </a:p>
@@ -1669,18 +1593,12 @@
           <a:p>
             <a:fld id="{8CE537F3-7F9D-4182-8C2D-F2D36A9B177C}" type="slidenum">
               <a:rPr lang="zh-CN" altLang="en-US" smtClean="0"/>
-              <a:t>20</a:t>
             </a:fld>
             <a:endParaRPr lang="zh-CN" altLang="en-US"/>
           </a:p>
         </p:txBody>
       </p:sp>
     </p:spTree>
-    <p:extLst>
-      <p:ext uri="{BB962C8B-B14F-4D97-AF65-F5344CB8AC3E}">
-        <p14:creationId xmlns:p14="http://schemas.microsoft.com/office/powerpoint/2010/main" val="568227880"/>
-      </p:ext>
-    </p:extLst>
   </p:cSld>
   <p:clrMapOvr>
     <a:masterClrMapping/>
@@ -1764,7 +1682,6 @@
                   <a:prstClr val="black"/>
                 </a:solidFill>
               </a:rPr>
-              <a:t>2</a:t>
             </a:fld>
             <a:endParaRPr lang="zh-CN" altLang="en-US">
               <a:solidFill>
@@ -1775,11 +1692,6 @@
         </p:txBody>
       </p:sp>
     </p:spTree>
-    <p:extLst>
-      <p:ext uri="{BB962C8B-B14F-4D97-AF65-F5344CB8AC3E}">
-        <p14:creationId xmlns:p14="http://schemas.microsoft.com/office/powerpoint/2010/main" val="3703358533"/>
-      </p:ext>
-    </p:extLst>
   </p:cSld>
   <p:clrMapOvr>
     <a:masterClrMapping/>
@@ -1852,18 +1764,12 @@
           <a:p>
             <a:fld id="{8CE537F3-7F9D-4182-8C2D-F2D36A9B177C}" type="slidenum">
               <a:rPr lang="zh-CN" altLang="en-US" smtClean="0"/>
-              <a:t>21</a:t>
             </a:fld>
             <a:endParaRPr lang="zh-CN" altLang="en-US"/>
           </a:p>
         </p:txBody>
       </p:sp>
     </p:spTree>
-    <p:extLst>
-      <p:ext uri="{BB962C8B-B14F-4D97-AF65-F5344CB8AC3E}">
-        <p14:creationId xmlns:p14="http://schemas.microsoft.com/office/powerpoint/2010/main" val="3293946181"/>
-      </p:ext>
-    </p:extLst>
   </p:cSld>
   <p:clrMapOvr>
     <a:masterClrMapping/>
@@ -1936,18 +1842,12 @@
           <a:p>
             <a:fld id="{8CE537F3-7F9D-4182-8C2D-F2D36A9B177C}" type="slidenum">
               <a:rPr lang="zh-CN" altLang="en-US" smtClean="0"/>
-              <a:t>22</a:t>
             </a:fld>
             <a:endParaRPr lang="zh-CN" altLang="en-US"/>
           </a:p>
         </p:txBody>
       </p:sp>
     </p:spTree>
-    <p:extLst>
-      <p:ext uri="{BB962C8B-B14F-4D97-AF65-F5344CB8AC3E}">
-        <p14:creationId xmlns:p14="http://schemas.microsoft.com/office/powerpoint/2010/main" val="1407864108"/>
-      </p:ext>
-    </p:extLst>
   </p:cSld>
   <p:clrMapOvr>
     <a:masterClrMapping/>
@@ -2020,7 +1920,6 @@
           <a:p>
             <a:fld id="{8CE537F3-7F9D-4182-8C2D-F2D36A9B177C}" type="slidenum">
               <a:rPr lang="zh-CN" altLang="en-US" smtClean="0"/>
-              <a:t>23</a:t>
             </a:fld>
             <a:endParaRPr lang="zh-CN" altLang="en-US"/>
           </a:p>
@@ -2099,18 +1998,12 @@
           <a:p>
             <a:fld id="{8CE537F3-7F9D-4182-8C2D-F2D36A9B177C}" type="slidenum">
               <a:rPr lang="zh-CN" altLang="en-US" smtClean="0"/>
-              <a:t>24</a:t>
             </a:fld>
             <a:endParaRPr lang="zh-CN" altLang="en-US"/>
           </a:p>
         </p:txBody>
       </p:sp>
     </p:spTree>
-    <p:extLst>
-      <p:ext uri="{BB962C8B-B14F-4D97-AF65-F5344CB8AC3E}">
-        <p14:creationId xmlns:p14="http://schemas.microsoft.com/office/powerpoint/2010/main" val="2626685867"/>
-      </p:ext>
-    </p:extLst>
   </p:cSld>
   <p:clrMapOvr>
     <a:masterClrMapping/>
@@ -2194,7 +2087,6 @@
                   <a:prstClr val="black"/>
                 </a:solidFill>
               </a:rPr>
-              <a:t>3</a:t>
             </a:fld>
             <a:endParaRPr lang="zh-CN" altLang="en-US">
               <a:solidFill>
@@ -2205,11 +2097,6 @@
         </p:txBody>
       </p:sp>
     </p:spTree>
-    <p:extLst>
-      <p:ext uri="{BB962C8B-B14F-4D97-AF65-F5344CB8AC3E}">
-        <p14:creationId xmlns:p14="http://schemas.microsoft.com/office/powerpoint/2010/main" val="1204508219"/>
-      </p:ext>
-    </p:extLst>
   </p:cSld>
   <p:clrMapOvr>
     <a:masterClrMapping/>
@@ -2282,18 +2169,12 @@
           <a:p>
             <a:fld id="{F2ADDCEE-B938-4AE8-98CF-EB91900D4C25}" type="slidenum">
               <a:rPr lang="zh-CN" altLang="en-US" smtClean="0"/>
-              <a:t>4</a:t>
             </a:fld>
             <a:endParaRPr lang="zh-CN" altLang="en-US"/>
           </a:p>
         </p:txBody>
       </p:sp>
     </p:spTree>
-    <p:extLst>
-      <p:ext uri="{BB962C8B-B14F-4D97-AF65-F5344CB8AC3E}">
-        <p14:creationId xmlns:p14="http://schemas.microsoft.com/office/powerpoint/2010/main" val="1302356213"/>
-      </p:ext>
-    </p:extLst>
   </p:cSld>
   <p:clrMapOvr>
     <a:masterClrMapping/>
@@ -2366,18 +2247,12 @@
           <a:p>
             <a:fld id="{F2ADDCEE-B938-4AE8-98CF-EB91900D4C25}" type="slidenum">
               <a:rPr lang="zh-CN" altLang="en-US" smtClean="0"/>
-              <a:t>5</a:t>
             </a:fld>
             <a:endParaRPr lang="zh-CN" altLang="en-US"/>
           </a:p>
         </p:txBody>
       </p:sp>
     </p:spTree>
-    <p:extLst>
-      <p:ext uri="{BB962C8B-B14F-4D97-AF65-F5344CB8AC3E}">
-        <p14:creationId xmlns:p14="http://schemas.microsoft.com/office/powerpoint/2010/main" val="3085741081"/>
-      </p:ext>
-    </p:extLst>
   </p:cSld>
   <p:clrMapOvr>
     <a:masterClrMapping/>
@@ -2461,7 +2336,6 @@
                   <a:prstClr val="black"/>
                 </a:solidFill>
               </a:rPr>
-              <a:t>6</a:t>
             </a:fld>
             <a:endParaRPr lang="zh-CN" altLang="en-US">
               <a:solidFill>
@@ -2472,11 +2346,6 @@
         </p:txBody>
       </p:sp>
     </p:spTree>
-    <p:extLst>
-      <p:ext uri="{BB962C8B-B14F-4D97-AF65-F5344CB8AC3E}">
-        <p14:creationId xmlns:p14="http://schemas.microsoft.com/office/powerpoint/2010/main" val="3205455445"/>
-      </p:ext>
-    </p:extLst>
   </p:cSld>
   <p:clrMapOvr>
     <a:masterClrMapping/>
@@ -2549,18 +2418,12 @@
           <a:p>
             <a:fld id="{F2ADDCEE-B938-4AE8-98CF-EB91900D4C25}" type="slidenum">
               <a:rPr lang="zh-CN" altLang="en-US" smtClean="0"/>
-              <a:t>7</a:t>
             </a:fld>
             <a:endParaRPr lang="zh-CN" altLang="en-US"/>
           </a:p>
         </p:txBody>
       </p:sp>
     </p:spTree>
-    <p:extLst>
-      <p:ext uri="{BB962C8B-B14F-4D97-AF65-F5344CB8AC3E}">
-        <p14:creationId xmlns:p14="http://schemas.microsoft.com/office/powerpoint/2010/main" val="697228042"/>
-      </p:ext>
-    </p:extLst>
   </p:cSld>
   <p:clrMapOvr>
     <a:masterClrMapping/>
@@ -2644,7 +2507,6 @@
                   <a:prstClr val="black"/>
                 </a:solidFill>
               </a:rPr>
-              <a:t>8</a:t>
             </a:fld>
             <a:endParaRPr lang="zh-CN" altLang="en-US">
               <a:solidFill>
@@ -2655,11 +2517,6 @@
         </p:txBody>
       </p:sp>
     </p:spTree>
-    <p:extLst>
-      <p:ext uri="{BB962C8B-B14F-4D97-AF65-F5344CB8AC3E}">
-        <p14:creationId xmlns:p14="http://schemas.microsoft.com/office/powerpoint/2010/main" val="1114770212"/>
-      </p:ext>
-    </p:extLst>
   </p:cSld>
   <p:clrMapOvr>
     <a:masterClrMapping/>
@@ -2732,18 +2589,12 @@
           <a:p>
             <a:fld id="{F2ADDCEE-B938-4AE8-98CF-EB91900D4C25}" type="slidenum">
               <a:rPr lang="zh-CN" altLang="en-US" smtClean="0"/>
-              <a:t>9</a:t>
             </a:fld>
             <a:endParaRPr lang="zh-CN" altLang="en-US"/>
           </a:p>
         </p:txBody>
       </p:sp>
     </p:spTree>
-    <p:extLst>
-      <p:ext uri="{BB962C8B-B14F-4D97-AF65-F5344CB8AC3E}">
-        <p14:creationId xmlns:p14="http://schemas.microsoft.com/office/powerpoint/2010/main" val="276693990"/>
-      </p:ext>
-    </p:extLst>
   </p:cSld>
   <p:clrMapOvr>
     <a:masterClrMapping/>
@@ -2870,11 +2721,6 @@
         </p:txBody>
       </p:sp>
     </p:spTree>
-    <p:extLst>
-      <p:ext uri="{BB962C8B-B14F-4D97-AF65-F5344CB8AC3E}">
-        <p14:creationId xmlns:p14="http://schemas.microsoft.com/office/powerpoint/2010/main" val="2875553361"/>
-      </p:ext>
-    </p:extLst>
   </p:cSld>
   <p:clrMapOvr>
     <a:masterClrMapping/>
@@ -3026,11 +2872,6 @@
         </a:xfrm>
       </p:grpSpPr>
     </p:spTree>
-    <p:extLst>
-      <p:ext uri="{BB962C8B-B14F-4D97-AF65-F5344CB8AC3E}">
-        <p14:creationId xmlns:p14="http://schemas.microsoft.com/office/powerpoint/2010/main" val="585300193"/>
-      </p:ext>
-    </p:extLst>
   </p:cSld>
   <p:clrMapOvr>
     <a:masterClrMapping/>
@@ -3058,9 +2899,7 @@
       <p:sp>
         <p:nvSpPr>
           <p:cNvPr id="2" name="Freeform 5"/>
-          <p:cNvSpPr>
-            <a:spLocks/>
-          </p:cNvSpPr>
+          <p:cNvSpPr/>
           <p:nvPr userDrawn="1"/>
         </p:nvSpPr>
         <p:spPr bwMode="auto">
@@ -3127,18 +2966,12 @@
                   <a:srgbClr val="000000"/>
                 </a:solidFill>
                 <a:round/>
-                <a:headEnd/>
-                <a:tailEnd/>
               </a14:hiddenLine>
             </a:ext>
           </a:extLst>
         </p:spPr>
         <p:txBody>
-          <a:bodyPr vert="horz" wrap="square" lIns="91440" tIns="45720" rIns="91440" bIns="45720" numCol="1" anchor="t" anchorCtr="0" compatLnSpc="1">
-            <a:prstTxWarp prst="textNoShape">
-              <a:avLst/>
-            </a:prstTxWarp>
-          </a:bodyPr>
+          <a:bodyPr vert="horz" wrap="square" lIns="91440" tIns="45720" rIns="91440" bIns="45720" numCol="1" anchor="t" anchorCtr="0" compatLnSpc="1"/>
           <a:lstStyle/>
           <a:p>
             <a:endParaRPr lang="zh-CN" altLang="en-US"/>
@@ -3148,9 +2981,7 @@
       <p:sp>
         <p:nvSpPr>
           <p:cNvPr id="3" name="任意多边形 2"/>
-          <p:cNvSpPr>
-            <a:spLocks/>
-          </p:cNvSpPr>
+          <p:cNvSpPr/>
           <p:nvPr userDrawn="1"/>
         </p:nvSpPr>
         <p:spPr bwMode="auto">
@@ -3233,17 +3064,12 @@
                   <a:srgbClr val="000000"/>
                 </a:solidFill>
                 <a:round/>
-                <a:headEnd/>
-                <a:tailEnd/>
               </a14:hiddenLine>
             </a:ext>
           </a:extLst>
         </p:spPr>
         <p:txBody>
           <a:bodyPr vert="horz" wrap="square" lIns="91440" tIns="45720" rIns="91440" bIns="45720" numCol="1" anchor="t" anchorCtr="0" compatLnSpc="1">
-            <a:prstTxWarp prst="textNoShape">
-              <a:avLst/>
-            </a:prstTxWarp>
             <a:noAutofit/>
           </a:bodyPr>
           <a:lstStyle/>
@@ -3255,9 +3081,7 @@
       <p:sp>
         <p:nvSpPr>
           <p:cNvPr id="4" name="任意多边形 3"/>
-          <p:cNvSpPr>
-            <a:spLocks/>
-          </p:cNvSpPr>
+          <p:cNvSpPr/>
           <p:nvPr userDrawn="1"/>
         </p:nvSpPr>
         <p:spPr bwMode="auto">
@@ -3340,17 +3164,12 @@
                   <a:srgbClr val="000000"/>
                 </a:solidFill>
                 <a:round/>
-                <a:headEnd/>
-                <a:tailEnd/>
               </a14:hiddenLine>
             </a:ext>
           </a:extLst>
         </p:spPr>
         <p:txBody>
           <a:bodyPr vert="horz" wrap="square" lIns="91440" tIns="45720" rIns="91440" bIns="45720" numCol="1" anchor="t" anchorCtr="0" compatLnSpc="1">
-            <a:prstTxWarp prst="textNoShape">
-              <a:avLst/>
-            </a:prstTxWarp>
             <a:noAutofit/>
           </a:bodyPr>
           <a:lstStyle/>
@@ -3362,9 +3181,7 @@
       <p:sp>
         <p:nvSpPr>
           <p:cNvPr id="5" name="任意多边形 4"/>
-          <p:cNvSpPr>
-            <a:spLocks/>
-          </p:cNvSpPr>
+          <p:cNvSpPr/>
           <p:nvPr userDrawn="1"/>
         </p:nvSpPr>
         <p:spPr bwMode="auto">
@@ -3447,17 +3264,12 @@
                   <a:srgbClr val="000000"/>
                 </a:solidFill>
                 <a:round/>
-                <a:headEnd/>
-                <a:tailEnd/>
               </a14:hiddenLine>
             </a:ext>
           </a:extLst>
         </p:spPr>
         <p:txBody>
           <a:bodyPr vert="horz" wrap="square" lIns="91440" tIns="45720" rIns="91440" bIns="45720" numCol="1" anchor="t" anchorCtr="0" compatLnSpc="1">
-            <a:prstTxWarp prst="textNoShape">
-              <a:avLst/>
-            </a:prstTxWarp>
             <a:noAutofit/>
           </a:bodyPr>
           <a:lstStyle/>
@@ -3469,9 +3281,7 @@
       <p:sp>
         <p:nvSpPr>
           <p:cNvPr id="6" name="任意多边形 5"/>
-          <p:cNvSpPr>
-            <a:spLocks/>
-          </p:cNvSpPr>
+          <p:cNvSpPr/>
           <p:nvPr userDrawn="1"/>
         </p:nvSpPr>
         <p:spPr bwMode="auto">
@@ -3554,17 +3364,12 @@
                   <a:srgbClr val="000000"/>
                 </a:solidFill>
                 <a:round/>
-                <a:headEnd/>
-                <a:tailEnd/>
               </a14:hiddenLine>
             </a:ext>
           </a:extLst>
         </p:spPr>
         <p:txBody>
           <a:bodyPr vert="horz" wrap="square" lIns="91440" tIns="45720" rIns="91440" bIns="45720" numCol="1" anchor="t" anchorCtr="0" compatLnSpc="1">
-            <a:prstTxWarp prst="textNoShape">
-              <a:avLst/>
-            </a:prstTxWarp>
             <a:noAutofit/>
           </a:bodyPr>
           <a:lstStyle/>
@@ -3576,9 +3381,7 @@
       <p:sp>
         <p:nvSpPr>
           <p:cNvPr id="7" name="任意多边形 6"/>
-          <p:cNvSpPr>
-            <a:spLocks/>
-          </p:cNvSpPr>
+          <p:cNvSpPr/>
           <p:nvPr userDrawn="1"/>
         </p:nvSpPr>
         <p:spPr bwMode="auto">
@@ -3653,17 +3456,12 @@
                   <a:srgbClr val="000000"/>
                 </a:solidFill>
                 <a:round/>
-                <a:headEnd/>
-                <a:tailEnd/>
               </a14:hiddenLine>
             </a:ext>
           </a:extLst>
         </p:spPr>
         <p:txBody>
           <a:bodyPr vert="horz" wrap="square" lIns="91440" tIns="45720" rIns="91440" bIns="45720" numCol="1" anchor="t" anchorCtr="0" compatLnSpc="1">
-            <a:prstTxWarp prst="textNoShape">
-              <a:avLst/>
-            </a:prstTxWarp>
             <a:noAutofit/>
           </a:bodyPr>
           <a:lstStyle/>
@@ -3689,9 +3487,7 @@
         <p:sp>
           <p:nvSpPr>
             <p:cNvPr id="9" name="Freeform 9"/>
-            <p:cNvSpPr>
-              <a:spLocks/>
-            </p:cNvSpPr>
+            <p:cNvSpPr/>
             <p:nvPr/>
           </p:nvSpPr>
           <p:spPr bwMode="auto">
@@ -3774,18 +3570,12 @@
                     <a:srgbClr val="000000"/>
                   </a:solidFill>
                   <a:round/>
-                  <a:headEnd/>
-                  <a:tailEnd/>
                 </a14:hiddenLine>
               </a:ext>
             </a:extLst>
           </p:spPr>
           <p:txBody>
-            <a:bodyPr vert="horz" wrap="square" lIns="91440" tIns="45720" rIns="91440" bIns="45720" numCol="1" anchor="t" anchorCtr="0" compatLnSpc="1">
-              <a:prstTxWarp prst="textNoShape">
-                <a:avLst/>
-              </a:prstTxWarp>
-            </a:bodyPr>
+            <a:bodyPr vert="horz" wrap="square" lIns="91440" tIns="45720" rIns="91440" bIns="45720" numCol="1" anchor="t" anchorCtr="0" compatLnSpc="1"/>
             <a:lstStyle/>
             <a:p>
               <a:endParaRPr lang="zh-CN" altLang="en-US"/>
@@ -3795,9 +3585,7 @@
         <p:sp>
           <p:nvSpPr>
             <p:cNvPr id="10" name="Freeform 14"/>
-            <p:cNvSpPr>
-              <a:spLocks/>
-            </p:cNvSpPr>
+            <p:cNvSpPr/>
             <p:nvPr/>
           </p:nvSpPr>
           <p:spPr bwMode="auto">
@@ -3896,18 +3684,12 @@
                     <a:srgbClr val="000000"/>
                   </a:solidFill>
                   <a:round/>
-                  <a:headEnd/>
-                  <a:tailEnd/>
                 </a14:hiddenLine>
               </a:ext>
             </a:extLst>
           </p:spPr>
           <p:txBody>
-            <a:bodyPr vert="horz" wrap="square" lIns="91440" tIns="45720" rIns="91440" bIns="45720" numCol="1" anchor="t" anchorCtr="0" compatLnSpc="1">
-              <a:prstTxWarp prst="textNoShape">
-                <a:avLst/>
-              </a:prstTxWarp>
-            </a:bodyPr>
+            <a:bodyPr vert="horz" wrap="square" lIns="91440" tIns="45720" rIns="91440" bIns="45720" numCol="1" anchor="t" anchorCtr="0" compatLnSpc="1"/>
             <a:lstStyle/>
             <a:p>
               <a:endParaRPr lang="zh-CN" altLang="en-US"/>
@@ -3918,9 +3700,7 @@
       <p:sp>
         <p:nvSpPr>
           <p:cNvPr id="11" name="任意多边形 10"/>
-          <p:cNvSpPr>
-            <a:spLocks/>
-          </p:cNvSpPr>
+          <p:cNvSpPr/>
           <p:nvPr userDrawn="1"/>
         </p:nvSpPr>
         <p:spPr bwMode="auto">
@@ -3995,17 +3775,12 @@
                   <a:srgbClr val="000000"/>
                 </a:solidFill>
                 <a:round/>
-                <a:headEnd/>
-                <a:tailEnd/>
               </a14:hiddenLine>
             </a:ext>
           </a:extLst>
         </p:spPr>
         <p:txBody>
           <a:bodyPr vert="horz" wrap="square" lIns="91440" tIns="45720" rIns="91440" bIns="45720" numCol="1" anchor="t" anchorCtr="0" compatLnSpc="1">
-            <a:prstTxWarp prst="textNoShape">
-              <a:avLst/>
-            </a:prstTxWarp>
             <a:noAutofit/>
           </a:bodyPr>
           <a:lstStyle/>
@@ -4017,9 +3792,7 @@
       <p:sp>
         <p:nvSpPr>
           <p:cNvPr id="12" name="任意多边形 11"/>
-          <p:cNvSpPr>
-            <a:spLocks/>
-          </p:cNvSpPr>
+          <p:cNvSpPr/>
           <p:nvPr userDrawn="1"/>
         </p:nvSpPr>
         <p:spPr bwMode="auto">
@@ -4102,17 +3875,12 @@
                   <a:srgbClr val="000000"/>
                 </a:solidFill>
                 <a:round/>
-                <a:headEnd/>
-                <a:tailEnd/>
               </a14:hiddenLine>
             </a:ext>
           </a:extLst>
         </p:spPr>
         <p:txBody>
           <a:bodyPr vert="horz" wrap="square" lIns="91440" tIns="45720" rIns="91440" bIns="45720" numCol="1" anchor="t" anchorCtr="0" compatLnSpc="1">
-            <a:prstTxWarp prst="textNoShape">
-              <a:avLst/>
-            </a:prstTxWarp>
             <a:noAutofit/>
           </a:bodyPr>
           <a:lstStyle/>
@@ -4124,9 +3892,7 @@
       <p:sp>
         <p:nvSpPr>
           <p:cNvPr id="13" name="任意多边形 12"/>
-          <p:cNvSpPr>
-            <a:spLocks/>
-          </p:cNvSpPr>
+          <p:cNvSpPr/>
           <p:nvPr userDrawn="1"/>
         </p:nvSpPr>
         <p:spPr bwMode="auto">
@@ -4209,17 +3975,12 @@
                   <a:srgbClr val="000000"/>
                 </a:solidFill>
                 <a:round/>
-                <a:headEnd/>
-                <a:tailEnd/>
               </a14:hiddenLine>
             </a:ext>
           </a:extLst>
         </p:spPr>
         <p:txBody>
           <a:bodyPr vert="horz" wrap="square" lIns="91440" tIns="45720" rIns="91440" bIns="45720" numCol="1" anchor="t" anchorCtr="0" compatLnSpc="1">
-            <a:prstTxWarp prst="textNoShape">
-              <a:avLst/>
-            </a:prstTxWarp>
             <a:noAutofit/>
           </a:bodyPr>
           <a:lstStyle/>
@@ -4231,9 +3992,7 @@
       <p:sp>
         <p:nvSpPr>
           <p:cNvPr id="14" name="任意多边形 13"/>
-          <p:cNvSpPr>
-            <a:spLocks/>
-          </p:cNvSpPr>
+          <p:cNvSpPr/>
           <p:nvPr userDrawn="1"/>
         </p:nvSpPr>
         <p:spPr bwMode="auto">
@@ -4316,17 +4075,12 @@
                   <a:srgbClr val="000000"/>
                 </a:solidFill>
                 <a:round/>
-                <a:headEnd/>
-                <a:tailEnd/>
               </a14:hiddenLine>
             </a:ext>
           </a:extLst>
         </p:spPr>
         <p:txBody>
           <a:bodyPr vert="horz" wrap="square" lIns="91440" tIns="45720" rIns="91440" bIns="45720" numCol="1" anchor="t" anchorCtr="0" compatLnSpc="1">
-            <a:prstTxWarp prst="textNoShape">
-              <a:avLst/>
-            </a:prstTxWarp>
             <a:noAutofit/>
           </a:bodyPr>
           <a:lstStyle/>
@@ -4338,9 +4092,7 @@
       <p:sp>
         <p:nvSpPr>
           <p:cNvPr id="15" name="任意多边形 14"/>
-          <p:cNvSpPr>
-            <a:spLocks/>
-          </p:cNvSpPr>
+          <p:cNvSpPr/>
           <p:nvPr userDrawn="1"/>
         </p:nvSpPr>
         <p:spPr bwMode="auto">
@@ -4423,17 +4175,12 @@
                   <a:srgbClr val="000000"/>
                 </a:solidFill>
                 <a:round/>
-                <a:headEnd/>
-                <a:tailEnd/>
               </a14:hiddenLine>
             </a:ext>
           </a:extLst>
         </p:spPr>
         <p:txBody>
           <a:bodyPr vert="horz" wrap="square" lIns="91440" tIns="45720" rIns="91440" bIns="45720" numCol="1" anchor="t" anchorCtr="0" compatLnSpc="1">
-            <a:prstTxWarp prst="textNoShape">
-              <a:avLst/>
-            </a:prstTxWarp>
             <a:noAutofit/>
           </a:bodyPr>
           <a:lstStyle/>
@@ -4445,9 +4192,7 @@
       <p:sp>
         <p:nvSpPr>
           <p:cNvPr id="16" name="任意多边形 15"/>
-          <p:cNvSpPr>
-            <a:spLocks/>
-          </p:cNvSpPr>
+          <p:cNvSpPr/>
           <p:nvPr userDrawn="1"/>
         </p:nvSpPr>
         <p:spPr bwMode="auto">
@@ -4530,17 +4275,12 @@
                   <a:srgbClr val="000000"/>
                 </a:solidFill>
                 <a:round/>
-                <a:headEnd/>
-                <a:tailEnd/>
               </a14:hiddenLine>
             </a:ext>
           </a:extLst>
         </p:spPr>
         <p:txBody>
           <a:bodyPr vert="horz" wrap="square" lIns="91440" tIns="45720" rIns="91440" bIns="45720" numCol="1" anchor="t" anchorCtr="0" compatLnSpc="1">
-            <a:prstTxWarp prst="textNoShape">
-              <a:avLst/>
-            </a:prstTxWarp>
             <a:noAutofit/>
           </a:bodyPr>
           <a:lstStyle/>
@@ -4643,11 +4383,6 @@
         </p:txBody>
       </p:sp>
     </p:spTree>
-    <p:extLst>
-      <p:ext uri="{BB962C8B-B14F-4D97-AF65-F5344CB8AC3E}">
-        <p14:creationId xmlns:p14="http://schemas.microsoft.com/office/powerpoint/2010/main" val="325791579"/>
-      </p:ext>
-    </p:extLst>
   </p:cSld>
   <p:clrMapOvr>
     <a:masterClrMapping/>
@@ -5441,11 +5176,6 @@
         </p:sp>
       </p:grpSp>
     </p:spTree>
-    <p:extLst>
-      <p:ext uri="{BB962C8B-B14F-4D97-AF65-F5344CB8AC3E}">
-        <p14:creationId xmlns:p14="http://schemas.microsoft.com/office/powerpoint/2010/main" val="2770133800"/>
-      </p:ext>
-    </p:extLst>
   </p:cSld>
   <p:clrMapOvr>
     <a:masterClrMapping/>
@@ -6224,11 +5954,6 @@
         </p:sp>
       </p:grpSp>
     </p:spTree>
-    <p:extLst>
-      <p:ext uri="{BB962C8B-B14F-4D97-AF65-F5344CB8AC3E}">
-        <p14:creationId xmlns:p14="http://schemas.microsoft.com/office/powerpoint/2010/main" val="940369072"/>
-      </p:ext>
-    </p:extLst>
   </p:cSld>
   <p:clrMapOvr>
     <a:masterClrMapping/>
@@ -6254,20 +5979,15 @@
         </a:xfrm>
       </p:grpSpPr>
     </p:spTree>
-    <p:extLst>
-      <p:ext uri="{BB962C8B-B14F-4D97-AF65-F5344CB8AC3E}">
-        <p14:creationId xmlns:p14="http://schemas.microsoft.com/office/powerpoint/2010/main" val="2641027347"/>
-      </p:ext>
-    </p:extLst>
   </p:cSld>
   <p:clrMapOvr>
     <a:masterClrMapping/>
   </p:clrMapOvr>
-  <mc:AlternateContent xmlns:mc="http://schemas.openxmlformats.org/markup-compatibility/2006" xmlns:p14="http://schemas.microsoft.com/office/powerpoint/2010/main">
-    <mc:Choice Requires="p14">
+  <mc:AlternateContent xmlns:mc="http://schemas.openxmlformats.org/markup-compatibility/2006">
+    <mc:Choice xmlns:p14="http://schemas.microsoft.com/office/powerpoint/2010/main" Requires="p14">
       <p:transition spd="slow" p14:dur="2000" advTm="3000"/>
     </mc:Choice>
-    <mc:Fallback xmlns="">
+    <mc:Fallback>
       <p:transition spd="slow" advTm="3000"/>
     </mc:Fallback>
   </mc:AlternateContent>
@@ -6320,11 +6040,7 @@
           </a:ln>
         </p:spPr>
         <p:txBody>
-          <a:bodyPr vert="horz" wrap="square" lIns="91440" tIns="45720" rIns="91440" bIns="45720" numCol="1" anchor="t" anchorCtr="0" compatLnSpc="1">
-            <a:prstTxWarp prst="textNoShape">
-              <a:avLst/>
-            </a:prstTxWarp>
-          </a:bodyPr>
+          <a:bodyPr vert="horz" wrap="square" lIns="91440" tIns="45720" rIns="91440" bIns="45720" numCol="1" anchor="t" anchorCtr="0" compatLnSpc="1"/>
           <a:lstStyle/>
           <a:p>
             <a:endParaRPr lang="zh-CN" altLang="en-US"/>
@@ -6431,13 +6147,13 @@
   </p:cSld>
   <p:clrMap bg1="lt1" tx1="dk1" bg2="lt2" tx2="dk2" accent1="accent1" accent2="accent2" accent3="accent3" accent4="accent4" accent5="accent5" accent6="accent6" hlink="hlink" folHlink="folHlink"/>
   <p:sldLayoutIdLst>
-    <p:sldLayoutId id="2147483673" r:id="rId1"/>
-    <p:sldLayoutId id="2147483651" r:id="rId2"/>
-    <p:sldLayoutId id="2147483676" r:id="rId3"/>
-    <p:sldLayoutId id="2147483674" r:id="rId4"/>
-    <p:sldLayoutId id="2147483672" r:id="rId5"/>
-    <p:sldLayoutId id="2147483671" r:id="rId6"/>
-    <p:sldLayoutId id="2147483677" r:id="rId7"/>
+    <p:sldLayoutId id="2147483649" r:id="rId1"/>
+    <p:sldLayoutId id="2147483650" r:id="rId2"/>
+    <p:sldLayoutId id="2147483651" r:id="rId3"/>
+    <p:sldLayoutId id="2147483652" r:id="rId4"/>
+    <p:sldLayoutId id="2147483653" r:id="rId5"/>
+    <p:sldLayoutId id="2147483654" r:id="rId6"/>
+    <p:sldLayoutId id="2147483655" r:id="rId7"/>
   </p:sldLayoutIdLst>
   <p:hf hdr="0" ftr="0" dt="0"/>
   <p:txStyles>
@@ -6468,7 +6184,7 @@
         <a:spcBef>
           <a:spcPts val="1000"/>
         </a:spcBef>
-        <a:buFont typeface="Arial" panose="020B0604020202020204" pitchFamily="34" charset="0"/>
+        <a:buFont typeface="Arial" panose="020B0604020202090204" pitchFamily="34" charset="0"/>
         <a:buChar char="•"/>
         <a:defRPr sz="2800" kern="1200">
           <a:solidFill>
@@ -6486,7 +6202,7 @@
         <a:spcBef>
           <a:spcPts val="500"/>
         </a:spcBef>
-        <a:buFont typeface="Arial" panose="020B0604020202020204" pitchFamily="34" charset="0"/>
+        <a:buFont typeface="Arial" panose="020B0604020202090204" pitchFamily="34" charset="0"/>
         <a:buChar char="•"/>
         <a:defRPr sz="2400" kern="1200">
           <a:solidFill>
@@ -6504,7 +6220,7 @@
         <a:spcBef>
           <a:spcPts val="500"/>
         </a:spcBef>
-        <a:buFont typeface="Arial" panose="020B0604020202020204" pitchFamily="34" charset="0"/>
+        <a:buFont typeface="Arial" panose="020B0604020202090204" pitchFamily="34" charset="0"/>
         <a:buChar char="•"/>
         <a:defRPr sz="2000" kern="1200">
           <a:solidFill>
@@ -6522,7 +6238,7 @@
         <a:spcBef>
           <a:spcPts val="500"/>
         </a:spcBef>
-        <a:buFont typeface="Arial" panose="020B0604020202020204" pitchFamily="34" charset="0"/>
+        <a:buFont typeface="Arial" panose="020B0604020202090204" pitchFamily="34" charset="0"/>
         <a:buChar char="•"/>
         <a:defRPr sz="1800" kern="1200">
           <a:solidFill>
@@ -6540,7 +6256,7 @@
         <a:spcBef>
           <a:spcPts val="500"/>
         </a:spcBef>
-        <a:buFont typeface="Arial" panose="020B0604020202020204" pitchFamily="34" charset="0"/>
+        <a:buFont typeface="Arial" panose="020B0604020202090204" pitchFamily="34" charset="0"/>
         <a:buChar char="•"/>
         <a:defRPr sz="1800" kern="1200">
           <a:solidFill>
@@ -6558,7 +6274,7 @@
         <a:spcBef>
           <a:spcPts val="500"/>
         </a:spcBef>
-        <a:buFont typeface="Arial" panose="020B0604020202020204" pitchFamily="34" charset="0"/>
+        <a:buFont typeface="Arial" panose="020B0604020202090204" pitchFamily="34" charset="0"/>
         <a:buChar char="•"/>
         <a:defRPr sz="1800" kern="1200">
           <a:solidFill>
@@ -6576,7 +6292,7 @@
         <a:spcBef>
           <a:spcPts val="500"/>
         </a:spcBef>
-        <a:buFont typeface="Arial" panose="020B0604020202020204" pitchFamily="34" charset="0"/>
+        <a:buFont typeface="Arial" panose="020B0604020202090204" pitchFamily="34" charset="0"/>
         <a:buChar char="•"/>
         <a:defRPr sz="1800" kern="1200">
           <a:solidFill>
@@ -6594,7 +6310,7 @@
         <a:spcBef>
           <a:spcPts val="500"/>
         </a:spcBef>
-        <a:buFont typeface="Arial" panose="020B0604020202020204" pitchFamily="34" charset="0"/>
+        <a:buFont typeface="Arial" panose="020B0604020202090204" pitchFamily="34" charset="0"/>
         <a:buChar char="•"/>
         <a:defRPr sz="1800" kern="1200">
           <a:solidFill>
@@ -6612,7 +6328,7 @@
         <a:spcBef>
           <a:spcPts val="500"/>
         </a:spcBef>
-        <a:buFont typeface="Arial" panose="020B0604020202020204" pitchFamily="34" charset="0"/>
+        <a:buFont typeface="Arial" panose="020B0604020202090204" pitchFamily="34" charset="0"/>
         <a:buChar char="•"/>
         <a:defRPr sz="1800" kern="1200">
           <a:solidFill>
@@ -6815,11 +6531,7 @@
           </a:ln>
         </p:spPr>
         <p:txBody>
-          <a:bodyPr vert="horz" wrap="square" lIns="91440" tIns="45720" rIns="91440" bIns="45720" numCol="1" anchor="ctr" anchorCtr="0" compatLnSpc="1">
-            <a:prstTxWarp prst="textNoShape">
-              <a:avLst/>
-            </a:prstTxWarp>
-          </a:bodyPr>
+          <a:bodyPr vert="horz" wrap="square" lIns="91440" tIns="45720" rIns="91440" bIns="45720" numCol="1" anchor="ctr" anchorCtr="0" compatLnSpc="1"/>
           <a:lstStyle/>
           <a:p>
             <a:pPr algn="ctr"/>
@@ -6833,6 +6545,13 @@
               </a:rPr>
               <a:t>企业实训答辩</a:t>
             </a:r>
+            <a:endParaRPr lang="zh-CN" altLang="en-US" sz="2000" dirty="0">
+              <a:solidFill>
+                <a:schemeClr val="bg1"/>
+              </a:solidFill>
+              <a:latin typeface="+mj-ea"/>
+              <a:ea typeface="+mj-ea"/>
+            </a:endParaRPr>
           </a:p>
         </p:txBody>
       </p:sp>
@@ -6860,11 +6579,7 @@
           </a:ln>
         </p:spPr>
         <p:txBody>
-          <a:bodyPr vert="horz" wrap="square" lIns="91440" tIns="45720" rIns="91440" bIns="45720" numCol="1" anchor="t" anchorCtr="0" compatLnSpc="1">
-            <a:prstTxWarp prst="textNoShape">
-              <a:avLst/>
-            </a:prstTxWarp>
-          </a:bodyPr>
+          <a:bodyPr vert="horz" wrap="square" lIns="91440" tIns="45720" rIns="91440" bIns="45720" numCol="1" anchor="t" anchorCtr="0" compatLnSpc="1"/>
           <a:lstStyle/>
           <a:p>
             <a:endParaRPr lang="zh-CN" altLang="en-US"/>
@@ -6931,6 +6646,12 @@
               </a:rPr>
               <a:t>数据爬取及分析</a:t>
             </a:r>
+            <a:endParaRPr lang="zh-CN" altLang="en-US" sz="3600" dirty="0">
+              <a:solidFill>
+                <a:srgbClr val="3E919C"/>
+              </a:solidFill>
+              <a:effectLst/>
+            </a:endParaRPr>
           </a:p>
         </p:txBody>
       </p:sp>
@@ -6988,15 +6709,18 @@
               </a:rPr>
               <a:t>李林峰，李唯聪，张越，张轶博</a:t>
             </a:r>
+            <a:endParaRPr lang="zh-CN" altLang="en-US" sz="1800" dirty="0">
+              <a:solidFill>
+                <a:srgbClr val="3E919C"/>
+              </a:solidFill>
+              <a:effectLst/>
+              <a:latin typeface="+mn-ea"/>
+              <a:ea typeface="+mn-ea"/>
+            </a:endParaRPr>
           </a:p>
         </p:txBody>
       </p:sp>
     </p:spTree>
-    <p:extLst>
-      <p:ext uri="{BB962C8B-B14F-4D97-AF65-F5344CB8AC3E}">
-        <p14:creationId xmlns:p14="http://schemas.microsoft.com/office/powerpoint/2010/main" val="305697813"/>
-      </p:ext>
-    </p:extLst>
   </p:cSld>
   <p:clrMapOvr>
     <a:masterClrMapping/>
@@ -7024,20 +6748,14 @@
       </p:grpSpPr>
       <p:pic>
         <p:nvPicPr>
-          <p:cNvPr id="10" name="图片 9">
-            <a:extLst>
-              <a:ext uri="{FF2B5EF4-FFF2-40B4-BE49-F238E27FC236}">
-                <a16:creationId xmlns:a16="http://schemas.microsoft.com/office/drawing/2014/main" id="{896362BA-1549-5B4B-8AB4-1E16E39D9C8E}"/>
-              </a:ext>
-            </a:extLst>
-          </p:cNvPr>
+          <p:cNvPr id="10" name="图片 9"/>
           <p:cNvPicPr>
             <a:picLocks noChangeAspect="1"/>
           </p:cNvPicPr>
           <p:nvPr/>
         </p:nvPicPr>
         <p:blipFill>
-          <a:blip r:embed="rId3"/>
+          <a:blip r:embed="rId1"/>
           <a:stretch>
             <a:fillRect/>
           </a:stretch>
@@ -7054,20 +6772,14 @@
       </p:pic>
       <p:pic>
         <p:nvPicPr>
-          <p:cNvPr id="11" name="图片 10">
-            <a:extLst>
-              <a:ext uri="{FF2B5EF4-FFF2-40B4-BE49-F238E27FC236}">
-                <a16:creationId xmlns:a16="http://schemas.microsoft.com/office/drawing/2014/main" id="{AB68F20A-1BF6-4046-BC0A-A5C7770C4287}"/>
-              </a:ext>
-            </a:extLst>
-          </p:cNvPr>
+          <p:cNvPr id="11" name="图片 10"/>
           <p:cNvPicPr>
             <a:picLocks noChangeAspect="1"/>
           </p:cNvPicPr>
           <p:nvPr/>
         </p:nvPicPr>
         <p:blipFill>
-          <a:blip r:embed="rId4"/>
+          <a:blip r:embed="rId2"/>
           <a:stretch>
             <a:fillRect/>
           </a:stretch>
@@ -7083,11 +6795,6 @@
         </p:spPr>
       </p:pic>
     </p:spTree>
-    <p:extLst>
-      <p:ext uri="{BB962C8B-B14F-4D97-AF65-F5344CB8AC3E}">
-        <p14:creationId xmlns:p14="http://schemas.microsoft.com/office/powerpoint/2010/main" val="3385367351"/>
-      </p:ext>
-    </p:extLst>
   </p:cSld>
   <p:clrMapOvr>
     <a:masterClrMapping/>
@@ -7114,20 +6821,14 @@
       </p:grpSpPr>
       <p:pic>
         <p:nvPicPr>
-          <p:cNvPr id="2" name="图片 1">
-            <a:extLst>
-              <a:ext uri="{FF2B5EF4-FFF2-40B4-BE49-F238E27FC236}">
-                <a16:creationId xmlns:a16="http://schemas.microsoft.com/office/drawing/2014/main" id="{75288FB6-917B-6D49-BD38-EF444F63D63A}"/>
-              </a:ext>
-            </a:extLst>
-          </p:cNvPr>
+          <p:cNvPr id="2" name="图片 1"/>
           <p:cNvPicPr>
             <a:picLocks noChangeAspect="1"/>
           </p:cNvPicPr>
           <p:nvPr/>
         </p:nvPicPr>
         <p:blipFill>
-          <a:blip r:embed="rId3"/>
+          <a:blip r:embed="rId1"/>
           <a:stretch>
             <a:fillRect/>
           </a:stretch>
@@ -7144,20 +6845,14 @@
       </p:pic>
       <p:pic>
         <p:nvPicPr>
-          <p:cNvPr id="3" name="图片 2">
-            <a:extLst>
-              <a:ext uri="{FF2B5EF4-FFF2-40B4-BE49-F238E27FC236}">
-                <a16:creationId xmlns:a16="http://schemas.microsoft.com/office/drawing/2014/main" id="{3F0EB9B7-3C7E-294F-A80F-99D5FE79E6EF}"/>
-              </a:ext>
-            </a:extLst>
-          </p:cNvPr>
+          <p:cNvPr id="3" name="图片 2"/>
           <p:cNvPicPr>
             <a:picLocks noChangeAspect="1"/>
           </p:cNvPicPr>
           <p:nvPr/>
         </p:nvPicPr>
         <p:blipFill>
-          <a:blip r:embed="rId4"/>
+          <a:blip r:embed="rId2"/>
           <a:stretch>
             <a:fillRect/>
           </a:stretch>
@@ -7173,11 +6868,6 @@
         </p:spPr>
       </p:pic>
     </p:spTree>
-    <p:extLst>
-      <p:ext uri="{BB962C8B-B14F-4D97-AF65-F5344CB8AC3E}">
-        <p14:creationId xmlns:p14="http://schemas.microsoft.com/office/powerpoint/2010/main" val="1032880997"/>
-      </p:ext>
-    </p:extLst>
   </p:cSld>
   <p:clrMapOvr>
     <a:masterClrMapping/>
@@ -7204,20 +6894,14 @@
       </p:grpSpPr>
       <p:pic>
         <p:nvPicPr>
-          <p:cNvPr id="2" name="图片 1">
-            <a:extLst>
-              <a:ext uri="{FF2B5EF4-FFF2-40B4-BE49-F238E27FC236}">
-                <a16:creationId xmlns:a16="http://schemas.microsoft.com/office/drawing/2014/main" id="{47F99602-AEAB-8E4E-8F5C-CFE2F6D0E79A}"/>
-              </a:ext>
-            </a:extLst>
-          </p:cNvPr>
+          <p:cNvPr id="2" name="图片 1"/>
           <p:cNvPicPr>
             <a:picLocks noChangeAspect="1"/>
           </p:cNvPicPr>
           <p:nvPr/>
         </p:nvPicPr>
         <p:blipFill>
-          <a:blip r:embed="rId3"/>
+          <a:blip r:embed="rId1"/>
           <a:stretch>
             <a:fillRect/>
           </a:stretch>
@@ -7234,20 +6918,14 @@
       </p:pic>
       <p:pic>
         <p:nvPicPr>
-          <p:cNvPr id="3" name="图片 2">
-            <a:extLst>
-              <a:ext uri="{FF2B5EF4-FFF2-40B4-BE49-F238E27FC236}">
-                <a16:creationId xmlns:a16="http://schemas.microsoft.com/office/drawing/2014/main" id="{151D9831-5983-5E45-B003-82DE15C5377F}"/>
-              </a:ext>
-            </a:extLst>
-          </p:cNvPr>
+          <p:cNvPr id="3" name="图片 2"/>
           <p:cNvPicPr>
             <a:picLocks noChangeAspect="1"/>
           </p:cNvPicPr>
           <p:nvPr/>
         </p:nvPicPr>
         <p:blipFill>
-          <a:blip r:embed="rId4"/>
+          <a:blip r:embed="rId2"/>
           <a:stretch>
             <a:fillRect/>
           </a:stretch>
@@ -7263,11 +6941,6 @@
         </p:spPr>
       </p:pic>
     </p:spTree>
-    <p:extLst>
-      <p:ext uri="{BB962C8B-B14F-4D97-AF65-F5344CB8AC3E}">
-        <p14:creationId xmlns:p14="http://schemas.microsoft.com/office/powerpoint/2010/main" val="3121686510"/>
-      </p:ext>
-    </p:extLst>
   </p:cSld>
   <p:clrMapOvr>
     <a:masterClrMapping/>
@@ -7294,16 +6967,8 @@
       </p:grpSpPr>
       <p:sp>
         <p:nvSpPr>
-          <p:cNvPr id="55" name="文本占位符 24">
-            <a:extLst>
-              <a:ext uri="{FF2B5EF4-FFF2-40B4-BE49-F238E27FC236}">
-                <a16:creationId xmlns:a16="http://schemas.microsoft.com/office/drawing/2014/main" id="{CD455566-3954-4AC5-9889-41073E773D9D}"/>
-              </a:ext>
-            </a:extLst>
-          </p:cNvPr>
-          <p:cNvSpPr txBox="1">
-            <a:spLocks/>
-          </p:cNvSpPr>
+          <p:cNvPr id="55" name="文本占位符 24"/>
+          <p:cNvSpPr txBox="1"/>
           <p:nvPr/>
         </p:nvSpPr>
         <p:spPr>
@@ -7351,18 +7016,18 @@
               </a:rPr>
               <a:t>分区热播统计</a:t>
             </a:r>
+            <a:endParaRPr lang="zh-CN" altLang="en-US" sz="5400" dirty="0">
+              <a:solidFill>
+                <a:schemeClr val="tx2"/>
+              </a:solidFill>
+              <a:effectLst/>
+            </a:endParaRPr>
           </a:p>
         </p:txBody>
       </p:sp>
       <p:sp>
         <p:nvSpPr>
-          <p:cNvPr id="42" name="文本框 41">
-            <a:extLst>
-              <a:ext uri="{FF2B5EF4-FFF2-40B4-BE49-F238E27FC236}">
-                <a16:creationId xmlns:a16="http://schemas.microsoft.com/office/drawing/2014/main" id="{D866A5C0-5EEA-4C2D-A12C-0192BE9FC82D}"/>
-              </a:ext>
-            </a:extLst>
-          </p:cNvPr>
+          <p:cNvPr id="42" name="文本框 41"/>
           <p:cNvSpPr txBox="1"/>
           <p:nvPr/>
         </p:nvSpPr>
@@ -7407,16 +7072,8 @@
       </p:sp>
       <p:sp>
         <p:nvSpPr>
-          <p:cNvPr id="8" name="文本占位符 51">
-            <a:extLst>
-              <a:ext uri="{FF2B5EF4-FFF2-40B4-BE49-F238E27FC236}">
-                <a16:creationId xmlns:a16="http://schemas.microsoft.com/office/drawing/2014/main" id="{AB68936D-40B7-448F-A5B0-1FFCC95446AF}"/>
-              </a:ext>
-            </a:extLst>
-          </p:cNvPr>
-          <p:cNvSpPr txBox="1">
-            <a:spLocks/>
-          </p:cNvSpPr>
+          <p:cNvPr id="8" name="文本占位符 51"/>
+          <p:cNvSpPr txBox="1"/>
           <p:nvPr/>
         </p:nvSpPr>
         <p:spPr>
@@ -7446,7 +7103,7 @@
               <a:spcBef>
                 <a:spcPts val="1000"/>
               </a:spcBef>
-              <a:buFont typeface="Arial" panose="020B0604020202020204" pitchFamily="34" charset="0"/>
+              <a:buFont typeface="Arial" panose="020B0604020202090204" pitchFamily="34" charset="0"/>
               <a:buNone/>
               <a:defRPr lang="zh-CN" altLang="en-US" sz="3600" b="0" kern="1200" baseline="0" dirty="0">
                 <a:solidFill>
@@ -7464,7 +7121,7 @@
               <a:spcBef>
                 <a:spcPts val="500"/>
               </a:spcBef>
-              <a:buFont typeface="Arial" panose="020B0604020202020204" pitchFamily="34" charset="0"/>
+              <a:buFont typeface="Arial" panose="020B0604020202090204" pitchFamily="34" charset="0"/>
               <a:buNone/>
               <a:defRPr sz="2400" kern="1200">
                 <a:solidFill>
@@ -7482,7 +7139,7 @@
               <a:spcBef>
                 <a:spcPts val="500"/>
               </a:spcBef>
-              <a:buFont typeface="Arial" panose="020B0604020202020204" pitchFamily="34" charset="0"/>
+              <a:buFont typeface="Arial" panose="020B0604020202090204" pitchFamily="34" charset="0"/>
               <a:buChar char="•"/>
               <a:defRPr sz="2000" kern="1200">
                 <a:solidFill>
@@ -7500,7 +7157,7 @@
               <a:spcBef>
                 <a:spcPts val="500"/>
               </a:spcBef>
-              <a:buFont typeface="Arial" panose="020B0604020202020204" pitchFamily="34" charset="0"/>
+              <a:buFont typeface="Arial" panose="020B0604020202090204" pitchFamily="34" charset="0"/>
               <a:buChar char="•"/>
               <a:defRPr sz="1800" kern="1200">
                 <a:solidFill>
@@ -7518,7 +7175,7 @@
               <a:spcBef>
                 <a:spcPts val="500"/>
               </a:spcBef>
-              <a:buFont typeface="Arial" panose="020B0604020202020204" pitchFamily="34" charset="0"/>
+              <a:buFont typeface="Arial" panose="020B0604020202090204" pitchFamily="34" charset="0"/>
               <a:buChar char="•"/>
               <a:defRPr sz="1800" kern="1200">
                 <a:solidFill>
@@ -7536,7 +7193,7 @@
               <a:spcBef>
                 <a:spcPts val="500"/>
               </a:spcBef>
-              <a:buFont typeface="Arial" panose="020B0604020202020204" pitchFamily="34" charset="0"/>
+              <a:buFont typeface="Arial" panose="020B0604020202090204" pitchFamily="34" charset="0"/>
               <a:buChar char="•"/>
               <a:defRPr sz="1800" kern="1200">
                 <a:solidFill>
@@ -7554,7 +7211,7 @@
               <a:spcBef>
                 <a:spcPts val="500"/>
               </a:spcBef>
-              <a:buFont typeface="Arial" panose="020B0604020202020204" pitchFamily="34" charset="0"/>
+              <a:buFont typeface="Arial" panose="020B0604020202090204" pitchFamily="34" charset="0"/>
               <a:buChar char="•"/>
               <a:defRPr sz="1800" kern="1200">
                 <a:solidFill>
@@ -7572,7 +7229,7 @@
               <a:spcBef>
                 <a:spcPts val="500"/>
               </a:spcBef>
-              <a:buFont typeface="Arial" panose="020B0604020202020204" pitchFamily="34" charset="0"/>
+              <a:buFont typeface="Arial" panose="020B0604020202090204" pitchFamily="34" charset="0"/>
               <a:buChar char="•"/>
               <a:defRPr sz="1800" kern="1200">
                 <a:solidFill>
@@ -7590,7 +7247,7 @@
               <a:spcBef>
                 <a:spcPts val="500"/>
               </a:spcBef>
-              <a:buFont typeface="Arial" panose="020B0604020202020204" pitchFamily="34" charset="0"/>
+              <a:buFont typeface="Arial" panose="020B0604020202090204" pitchFamily="34" charset="0"/>
               <a:buChar char="•"/>
               <a:defRPr sz="1800" kern="1200">
                 <a:solidFill>
@@ -7651,11 +7308,6 @@
         </p:style>
       </p:cxnSp>
     </p:spTree>
-    <p:extLst>
-      <p:ext uri="{BB962C8B-B14F-4D97-AF65-F5344CB8AC3E}">
-        <p14:creationId xmlns:p14="http://schemas.microsoft.com/office/powerpoint/2010/main" val="3526829885"/>
-      </p:ext>
-    </p:extLst>
   </p:cSld>
   <p:clrMapOvr>
     <a:masterClrMapping/>
@@ -7728,6 +7380,7 @@
               <a:rPr lang="zh-CN" altLang="en-US" sz="2800" dirty="0"/>
               <a:t>数据</a:t>
             </a:r>
+            <a:endParaRPr lang="zh-CN" altLang="en-US" sz="2800" dirty="0"/>
           </a:p>
         </p:txBody>
       </p:sp>
@@ -7768,16 +7421,8 @@
       </p:cxnSp>
       <p:sp>
         <p:nvSpPr>
-          <p:cNvPr id="9" name="内容占位符 2">
-            <a:extLst>
-              <a:ext uri="{FF2B5EF4-FFF2-40B4-BE49-F238E27FC236}">
-                <a16:creationId xmlns:a16="http://schemas.microsoft.com/office/drawing/2014/main" id="{CC6BC1A2-9C05-4407-8ED5-EBF347074B6F}"/>
-              </a:ext>
-            </a:extLst>
-          </p:cNvPr>
-          <p:cNvSpPr txBox="1">
-            <a:spLocks/>
-          </p:cNvSpPr>
+          <p:cNvPr id="9" name="内容占位符 2"/>
+          <p:cNvSpPr txBox="1"/>
           <p:nvPr/>
         </p:nvSpPr>
         <p:spPr>
@@ -7799,7 +7444,7 @@
               <a:spcBef>
                 <a:spcPts val="1000"/>
               </a:spcBef>
-              <a:buFont typeface="Arial" panose="020B0604020202020204" pitchFamily="34" charset="0"/>
+              <a:buFont typeface="Arial" panose="020B0604020202090204" pitchFamily="34" charset="0"/>
               <a:buChar char="•"/>
               <a:defRPr sz="2800" kern="1200">
                 <a:solidFill>
@@ -7817,7 +7462,7 @@
               <a:spcBef>
                 <a:spcPts val="500"/>
               </a:spcBef>
-              <a:buFont typeface="Arial" panose="020B0604020202020204" pitchFamily="34" charset="0"/>
+              <a:buFont typeface="Arial" panose="020B0604020202090204" pitchFamily="34" charset="0"/>
               <a:buChar char="•"/>
               <a:defRPr sz="2400" kern="1200">
                 <a:solidFill>
@@ -7835,7 +7480,7 @@
               <a:spcBef>
                 <a:spcPts val="500"/>
               </a:spcBef>
-              <a:buFont typeface="Arial" panose="020B0604020202020204" pitchFamily="34" charset="0"/>
+              <a:buFont typeface="Arial" panose="020B0604020202090204" pitchFamily="34" charset="0"/>
               <a:buChar char="•"/>
               <a:defRPr sz="2000" kern="1200">
                 <a:solidFill>
@@ -7853,7 +7498,7 @@
               <a:spcBef>
                 <a:spcPts val="500"/>
               </a:spcBef>
-              <a:buFont typeface="Arial" panose="020B0604020202020204" pitchFamily="34" charset="0"/>
+              <a:buFont typeface="Arial" panose="020B0604020202090204" pitchFamily="34" charset="0"/>
               <a:buChar char="•"/>
               <a:defRPr sz="1800" kern="1200">
                 <a:solidFill>
@@ -7871,7 +7516,7 @@
               <a:spcBef>
                 <a:spcPts val="500"/>
               </a:spcBef>
-              <a:buFont typeface="Arial" panose="020B0604020202020204" pitchFamily="34" charset="0"/>
+              <a:buFont typeface="Arial" panose="020B0604020202090204" pitchFamily="34" charset="0"/>
               <a:buChar char="•"/>
               <a:defRPr sz="1800" kern="1200">
                 <a:solidFill>
@@ -7889,7 +7534,7 @@
               <a:spcBef>
                 <a:spcPts val="500"/>
               </a:spcBef>
-              <a:buFont typeface="Arial" panose="020B0604020202020204" pitchFamily="34" charset="0"/>
+              <a:buFont typeface="Arial" panose="020B0604020202090204" pitchFamily="34" charset="0"/>
               <a:buChar char="•"/>
               <a:defRPr sz="1800" kern="1200">
                 <a:solidFill>
@@ -7907,7 +7552,7 @@
               <a:spcBef>
                 <a:spcPts val="500"/>
               </a:spcBef>
-              <a:buFont typeface="Arial" panose="020B0604020202020204" pitchFamily="34" charset="0"/>
+              <a:buFont typeface="Arial" panose="020B0604020202090204" pitchFamily="34" charset="0"/>
               <a:buChar char="•"/>
               <a:defRPr sz="1800" kern="1200">
                 <a:solidFill>
@@ -7925,7 +7570,7 @@
               <a:spcBef>
                 <a:spcPts val="500"/>
               </a:spcBef>
-              <a:buFont typeface="Arial" panose="020B0604020202020204" pitchFamily="34" charset="0"/>
+              <a:buFont typeface="Arial" panose="020B0604020202090204" pitchFamily="34" charset="0"/>
               <a:buChar char="•"/>
               <a:defRPr sz="1800" kern="1200">
                 <a:solidFill>
@@ -7943,7 +7588,7 @@
               <a:spcBef>
                 <a:spcPts val="500"/>
               </a:spcBef>
-              <a:buFont typeface="Arial" panose="020B0604020202020204" pitchFamily="34" charset="0"/>
+              <a:buFont typeface="Arial" panose="020B0604020202090204" pitchFamily="34" charset="0"/>
               <a:buChar char="•"/>
               <a:defRPr sz="1800" kern="1200">
                 <a:solidFill>
@@ -7972,6 +7617,7 @@
               <a:rPr kumimoji="1" lang="en-US" altLang="zh-CN" dirty="0"/>
               <a:t>20220302</a:t>
             </a:r>
+            <a:endParaRPr kumimoji="1" lang="en-US" altLang="zh-CN" dirty="0"/>
           </a:p>
           <a:p>
             <a:r>
@@ -7986,6 +7632,7 @@
               <a:rPr kumimoji="1" lang="zh-CN" altLang="en-US" dirty="0"/>
               <a:t>的视频</a:t>
             </a:r>
+            <a:endParaRPr kumimoji="1" lang="zh-CN" altLang="en-US" dirty="0"/>
           </a:p>
         </p:txBody>
       </p:sp>
@@ -8061,6 +7708,7 @@
               <a:rPr lang="zh-CN" altLang="en-US" sz="2800" dirty="0"/>
               <a:t>可视化</a:t>
             </a:r>
+            <a:endParaRPr lang="zh-CN" altLang="en-US" sz="2800" dirty="0"/>
           </a:p>
           <a:p>
             <a:endParaRPr lang="zh-CN" altLang="en-US" sz="2800" dirty="0"/>
@@ -8103,11 +7751,6 @@
         </p:style>
       </p:cxnSp>
     </p:spTree>
-    <p:extLst>
-      <p:ext uri="{BB962C8B-B14F-4D97-AF65-F5344CB8AC3E}">
-        <p14:creationId xmlns:p14="http://schemas.microsoft.com/office/powerpoint/2010/main" val="2379225575"/>
-      </p:ext>
-    </p:extLst>
   </p:cSld>
   <p:clrMapOvr>
     <a:masterClrMapping/>
@@ -8134,16 +7777,8 @@
       </p:grpSpPr>
       <p:sp>
         <p:nvSpPr>
-          <p:cNvPr id="55" name="文本占位符 24">
-            <a:extLst>
-              <a:ext uri="{FF2B5EF4-FFF2-40B4-BE49-F238E27FC236}">
-                <a16:creationId xmlns:a16="http://schemas.microsoft.com/office/drawing/2014/main" id="{CD455566-3954-4AC5-9889-41073E773D9D}"/>
-              </a:ext>
-            </a:extLst>
-          </p:cNvPr>
-          <p:cNvSpPr txBox="1">
-            <a:spLocks/>
-          </p:cNvSpPr>
+          <p:cNvPr id="55" name="文本占位符 24"/>
+          <p:cNvSpPr txBox="1"/>
           <p:nvPr/>
         </p:nvSpPr>
         <p:spPr>
@@ -8191,21 +7826,19 @@
               </a:rPr>
               <a:t>全站视频实时排行榜可视化</a:t>
             </a:r>
+            <a:endParaRPr lang="zh-CN" altLang="en-US" sz="5400" dirty="0">
+              <a:solidFill>
+                <a:schemeClr val="tx2"/>
+              </a:solidFill>
+              <a:effectLst/>
+            </a:endParaRPr>
           </a:p>
         </p:txBody>
       </p:sp>
       <p:sp>
         <p:nvSpPr>
-          <p:cNvPr id="8" name="文本占位符 51">
-            <a:extLst>
-              <a:ext uri="{FF2B5EF4-FFF2-40B4-BE49-F238E27FC236}">
-                <a16:creationId xmlns:a16="http://schemas.microsoft.com/office/drawing/2014/main" id="{AB68936D-40B7-448F-A5B0-1FFCC95446AF}"/>
-              </a:ext>
-            </a:extLst>
-          </p:cNvPr>
-          <p:cNvSpPr txBox="1">
-            <a:spLocks/>
-          </p:cNvSpPr>
+          <p:cNvPr id="8" name="文本占位符 51"/>
+          <p:cNvSpPr txBox="1"/>
           <p:nvPr/>
         </p:nvSpPr>
         <p:spPr>
@@ -8235,7 +7868,7 @@
               <a:spcBef>
                 <a:spcPts val="1000"/>
               </a:spcBef>
-              <a:buFont typeface="Arial" panose="020B0604020202020204" pitchFamily="34" charset="0"/>
+              <a:buFont typeface="Arial" panose="020B0604020202090204" pitchFamily="34" charset="0"/>
               <a:buNone/>
               <a:defRPr lang="zh-CN" altLang="en-US" sz="3600" b="0" kern="1200" baseline="0" dirty="0">
                 <a:solidFill>
@@ -8253,7 +7886,7 @@
               <a:spcBef>
                 <a:spcPts val="500"/>
               </a:spcBef>
-              <a:buFont typeface="Arial" panose="020B0604020202020204" pitchFamily="34" charset="0"/>
+              <a:buFont typeface="Arial" panose="020B0604020202090204" pitchFamily="34" charset="0"/>
               <a:buNone/>
               <a:defRPr sz="2400" kern="1200">
                 <a:solidFill>
@@ -8271,7 +7904,7 @@
               <a:spcBef>
                 <a:spcPts val="500"/>
               </a:spcBef>
-              <a:buFont typeface="Arial" panose="020B0604020202020204" pitchFamily="34" charset="0"/>
+              <a:buFont typeface="Arial" panose="020B0604020202090204" pitchFamily="34" charset="0"/>
               <a:buChar char="•"/>
               <a:defRPr sz="2000" kern="1200">
                 <a:solidFill>
@@ -8289,7 +7922,7 @@
               <a:spcBef>
                 <a:spcPts val="500"/>
               </a:spcBef>
-              <a:buFont typeface="Arial" panose="020B0604020202020204" pitchFamily="34" charset="0"/>
+              <a:buFont typeface="Arial" panose="020B0604020202090204" pitchFamily="34" charset="0"/>
               <a:buChar char="•"/>
               <a:defRPr sz="1800" kern="1200">
                 <a:solidFill>
@@ -8307,7 +7940,7 @@
               <a:spcBef>
                 <a:spcPts val="500"/>
               </a:spcBef>
-              <a:buFont typeface="Arial" panose="020B0604020202020204" pitchFamily="34" charset="0"/>
+              <a:buFont typeface="Arial" panose="020B0604020202090204" pitchFamily="34" charset="0"/>
               <a:buChar char="•"/>
               <a:defRPr sz="1800" kern="1200">
                 <a:solidFill>
@@ -8325,7 +7958,7 @@
               <a:spcBef>
                 <a:spcPts val="500"/>
               </a:spcBef>
-              <a:buFont typeface="Arial" panose="020B0604020202020204" pitchFamily="34" charset="0"/>
+              <a:buFont typeface="Arial" panose="020B0604020202090204" pitchFamily="34" charset="0"/>
               <a:buChar char="•"/>
               <a:defRPr sz="1800" kern="1200">
                 <a:solidFill>
@@ -8343,7 +7976,7 @@
               <a:spcBef>
                 <a:spcPts val="500"/>
               </a:spcBef>
-              <a:buFont typeface="Arial" panose="020B0604020202020204" pitchFamily="34" charset="0"/>
+              <a:buFont typeface="Arial" panose="020B0604020202090204" pitchFamily="34" charset="0"/>
               <a:buChar char="•"/>
               <a:defRPr sz="1800" kern="1200">
                 <a:solidFill>
@@ -8361,7 +7994,7 @@
               <a:spcBef>
                 <a:spcPts val="500"/>
               </a:spcBef>
-              <a:buFont typeface="Arial" panose="020B0604020202020204" pitchFamily="34" charset="0"/>
+              <a:buFont typeface="Arial" panose="020B0604020202090204" pitchFamily="34" charset="0"/>
               <a:buChar char="•"/>
               <a:defRPr sz="1800" kern="1200">
                 <a:solidFill>
@@ -8379,7 +8012,7 @@
               <a:spcBef>
                 <a:spcPts val="500"/>
               </a:spcBef>
-              <a:buFont typeface="Arial" panose="020B0604020202020204" pitchFamily="34" charset="0"/>
+              <a:buFont typeface="Arial" panose="020B0604020202090204" pitchFamily="34" charset="0"/>
               <a:buChar char="•"/>
               <a:defRPr sz="1800" kern="1200">
                 <a:solidFill>
@@ -8440,11 +8073,6 @@
         </p:style>
       </p:cxnSp>
     </p:spTree>
-    <p:extLst>
-      <p:ext uri="{BB962C8B-B14F-4D97-AF65-F5344CB8AC3E}">
-        <p14:creationId xmlns:p14="http://schemas.microsoft.com/office/powerpoint/2010/main" val="2544512210"/>
-      </p:ext>
-    </p:extLst>
   </p:cSld>
   <p:clrMapOvr>
     <a:masterClrMapping/>
@@ -8472,13 +8100,7 @@
       </p:grpSpPr>
       <p:sp>
         <p:nvSpPr>
-          <p:cNvPr id="7" name="文本框 6">
-            <a:extLst>
-              <a:ext uri="{FF2B5EF4-FFF2-40B4-BE49-F238E27FC236}">
-                <a16:creationId xmlns:a16="http://schemas.microsoft.com/office/drawing/2014/main" id="{A7AC0578-8249-49E7-AC43-3CC40FD08F94}"/>
-              </a:ext>
-            </a:extLst>
-          </p:cNvPr>
+          <p:cNvPr id="7" name="文本框 6"/>
           <p:cNvSpPr txBox="1"/>
           <p:nvPr/>
         </p:nvSpPr>
@@ -8515,18 +8137,151 @@
               <a:rPr lang="zh-CN" altLang="en-US" sz="2800" dirty="0"/>
               <a:t>全站视频实时排行榜可视化</a:t>
             </a:r>
+            <a:endParaRPr lang="zh-CN" altLang="en-US" sz="2800" dirty="0"/>
           </a:p>
           <a:p>
             <a:endParaRPr lang="zh-CN" altLang="en-US" sz="2800" dirty="0"/>
           </a:p>
         </p:txBody>
       </p:sp>
+      <p:sp>
+        <p:nvSpPr>
+          <p:cNvPr id="2" name="Text Box 1"/>
+          <p:cNvSpPr txBox="1"/>
+          <p:nvPr/>
+        </p:nvSpPr>
+        <p:spPr>
+          <a:xfrm>
+            <a:off x="1103630" y="1383665"/>
+            <a:ext cx="9984740" cy="1476375"/>
+          </a:xfrm>
+          <a:prstGeom prst="rect">
+            <a:avLst/>
+          </a:prstGeom>
+          <a:noFill/>
+        </p:spPr>
+        <p:txBody>
+          <a:bodyPr wrap="square" rtlCol="0">
+            <a:spAutoFit/>
+          </a:bodyPr>
+          <a:p>
+            <a:pPr marL="285750" indent="-285750">
+              <a:buFont typeface="Arial" panose="020B0604020202090204" pitchFamily="34" charset="0"/>
+              <a:buChar char="•"/>
+            </a:pPr>
+            <a:r>
+              <a:rPr lang="zh-CN" altLang="en-US"/>
+              <a:t>从全站热播定时爬取热播视频列表</a:t>
+            </a:r>
+            <a:endParaRPr lang="zh-CN" altLang="en-US"/>
+          </a:p>
+          <a:p>
+            <a:pPr marL="285750" indent="-285750">
+              <a:buFont typeface="Arial" panose="020B0604020202090204" pitchFamily="34" charset="0"/>
+              <a:buChar char="•"/>
+            </a:pPr>
+            <a:r>
+              <a:rPr lang="zh-CN" altLang="en-US"/>
+              <a:t>爬取时长间隔为五分钟，从</a:t>
+            </a:r>
+            <a:r>
+              <a:rPr lang="en-US" altLang="zh-CN"/>
+              <a:t>20220303</a:t>
+            </a:r>
+            <a:r>
+              <a:rPr lang="zh-CN" altLang="en-US"/>
+              <a:t>到</a:t>
+            </a:r>
+            <a:r>
+              <a:rPr lang="en-US" altLang="zh-CN"/>
+              <a:t>20220304</a:t>
+            </a:r>
+            <a:endParaRPr lang="en-US" altLang="zh-CN"/>
+          </a:p>
+          <a:p>
+            <a:pPr marL="285750" indent="-285750">
+              <a:buFont typeface="Arial" panose="020B0604020202090204" pitchFamily="34" charset="0"/>
+              <a:buChar char="•"/>
+            </a:pPr>
+            <a:r>
+              <a:rPr lang="zh-CN" altLang="en-US"/>
+              <a:t>对于热播视频列表，重点关注其中“视频所处分区占比”和“热播推荐标签”</a:t>
+            </a:r>
+            <a:endParaRPr lang="zh-CN" altLang="en-US"/>
+          </a:p>
+          <a:p>
+            <a:pPr marL="285750" indent="-285750">
+              <a:buFont typeface="Arial" panose="020B0604020202090204" pitchFamily="34" charset="0"/>
+              <a:buChar char="•"/>
+            </a:pPr>
+            <a:r>
+              <a:rPr lang="zh-CN" altLang="en-US"/>
+              <a:t>通过折线图展示以上两组数据在时间上的变化</a:t>
+            </a:r>
+            <a:endParaRPr lang="zh-CN" altLang="en-US"/>
+          </a:p>
+          <a:p>
+            <a:pPr marL="285750" indent="-285750">
+              <a:buFont typeface="Arial" panose="020B0604020202090204" pitchFamily="34" charset="0"/>
+              <a:buChar char="•"/>
+            </a:pPr>
+            <a:r>
+              <a:rPr lang="zh-CN" altLang="en-US"/>
+              <a:t>以饼图的形式展示指定时间点的比例情况</a:t>
+            </a:r>
+            <a:endParaRPr lang="en-US" altLang="zh-CN"/>
+          </a:p>
+        </p:txBody>
+      </p:sp>
+      <p:pic>
+        <p:nvPicPr>
+          <p:cNvPr id="6" name="Picture 5"/>
+          <p:cNvPicPr>
+            <a:picLocks noChangeAspect="1"/>
+          </p:cNvPicPr>
+          <p:nvPr/>
+        </p:nvPicPr>
+        <p:blipFill>
+          <a:blip r:embed="rId1"/>
+          <a:stretch>
+            <a:fillRect/>
+          </a:stretch>
+        </p:blipFill>
+        <p:spPr>
+          <a:xfrm>
+            <a:off x="731520" y="3345815"/>
+            <a:ext cx="5300345" cy="2912745"/>
+          </a:xfrm>
+          <a:prstGeom prst="rect">
+            <a:avLst/>
+          </a:prstGeom>
+        </p:spPr>
+      </p:pic>
+      <p:pic>
+        <p:nvPicPr>
+          <p:cNvPr id="8" name="Picture 7" descr="81BF3918DFE11BEB079719EFAE66EF05"/>
+          <p:cNvPicPr>
+            <a:picLocks noChangeAspect="1"/>
+          </p:cNvPicPr>
+          <p:nvPr/>
+        </p:nvPicPr>
+        <p:blipFill>
+          <a:blip r:embed="rId2"/>
+          <a:stretch>
+            <a:fillRect/>
+          </a:stretch>
+        </p:blipFill>
+        <p:spPr>
+          <a:xfrm>
+            <a:off x="6031865" y="3345815"/>
+            <a:ext cx="5299710" cy="2912110"/>
+          </a:xfrm>
+          <a:prstGeom prst="rect">
+            <a:avLst/>
+          </a:prstGeom>
+        </p:spPr>
+      </p:pic>
     </p:spTree>
-    <p:extLst>
-      <p:ext uri="{BB962C8B-B14F-4D97-AF65-F5344CB8AC3E}">
-        <p14:creationId xmlns:p14="http://schemas.microsoft.com/office/powerpoint/2010/main" val="4266618509"/>
-      </p:ext>
-    </p:extLst>
   </p:cSld>
   <p:clrMapOvr>
     <a:masterClrMapping/>
@@ -8553,16 +8308,8 @@
       </p:grpSpPr>
       <p:sp>
         <p:nvSpPr>
-          <p:cNvPr id="8" name="文本占位符 24">
-            <a:extLst>
-              <a:ext uri="{FF2B5EF4-FFF2-40B4-BE49-F238E27FC236}">
-                <a16:creationId xmlns:a16="http://schemas.microsoft.com/office/drawing/2014/main" id="{CD455566-3954-4AC5-9889-41073E773D9D}"/>
-              </a:ext>
-            </a:extLst>
-          </p:cNvPr>
-          <p:cNvSpPr txBox="1">
-            <a:spLocks/>
-          </p:cNvSpPr>
+          <p:cNvPr id="8" name="文本占位符 24"/>
+          <p:cNvSpPr txBox="1"/>
           <p:nvPr/>
         </p:nvSpPr>
         <p:spPr>
@@ -8610,21 +8357,19 @@
               </a:rPr>
               <a:t>热点：俄乌冲突</a:t>
             </a:r>
+            <a:endParaRPr lang="zh-CN" altLang="en-US" sz="5400" dirty="0">
+              <a:solidFill>
+                <a:schemeClr val="tx2"/>
+              </a:solidFill>
+              <a:effectLst/>
+            </a:endParaRPr>
           </a:p>
         </p:txBody>
       </p:sp>
       <p:sp>
         <p:nvSpPr>
-          <p:cNvPr id="10" name="文本占位符 51">
-            <a:extLst>
-              <a:ext uri="{FF2B5EF4-FFF2-40B4-BE49-F238E27FC236}">
-                <a16:creationId xmlns:a16="http://schemas.microsoft.com/office/drawing/2014/main" id="{AB68936D-40B7-448F-A5B0-1FFCC95446AF}"/>
-              </a:ext>
-            </a:extLst>
-          </p:cNvPr>
-          <p:cNvSpPr txBox="1">
-            <a:spLocks/>
-          </p:cNvSpPr>
+          <p:cNvPr id="10" name="文本占位符 51"/>
+          <p:cNvSpPr txBox="1"/>
           <p:nvPr/>
         </p:nvSpPr>
         <p:spPr>
@@ -8654,7 +8399,7 @@
               <a:spcBef>
                 <a:spcPts val="1000"/>
               </a:spcBef>
-              <a:buFont typeface="Arial" panose="020B0604020202020204" pitchFamily="34" charset="0"/>
+              <a:buFont typeface="Arial" panose="020B0604020202090204" pitchFamily="34" charset="0"/>
               <a:buNone/>
               <a:defRPr lang="zh-CN" altLang="en-US" sz="3600" b="0" kern="1200" baseline="0" dirty="0">
                 <a:solidFill>
@@ -8672,7 +8417,7 @@
               <a:spcBef>
                 <a:spcPts val="500"/>
               </a:spcBef>
-              <a:buFont typeface="Arial" panose="020B0604020202020204" pitchFamily="34" charset="0"/>
+              <a:buFont typeface="Arial" panose="020B0604020202090204" pitchFamily="34" charset="0"/>
               <a:buNone/>
               <a:defRPr sz="2400" kern="1200">
                 <a:solidFill>
@@ -8690,7 +8435,7 @@
               <a:spcBef>
                 <a:spcPts val="500"/>
               </a:spcBef>
-              <a:buFont typeface="Arial" panose="020B0604020202020204" pitchFamily="34" charset="0"/>
+              <a:buFont typeface="Arial" panose="020B0604020202090204" pitchFamily="34" charset="0"/>
               <a:buChar char="•"/>
               <a:defRPr sz="2000" kern="1200">
                 <a:solidFill>
@@ -8708,7 +8453,7 @@
               <a:spcBef>
                 <a:spcPts val="500"/>
               </a:spcBef>
-              <a:buFont typeface="Arial" panose="020B0604020202020204" pitchFamily="34" charset="0"/>
+              <a:buFont typeface="Arial" panose="020B0604020202090204" pitchFamily="34" charset="0"/>
               <a:buChar char="•"/>
               <a:defRPr sz="1800" kern="1200">
                 <a:solidFill>
@@ -8726,7 +8471,7 @@
               <a:spcBef>
                 <a:spcPts val="500"/>
               </a:spcBef>
-              <a:buFont typeface="Arial" panose="020B0604020202020204" pitchFamily="34" charset="0"/>
+              <a:buFont typeface="Arial" panose="020B0604020202090204" pitchFamily="34" charset="0"/>
               <a:buChar char="•"/>
               <a:defRPr sz="1800" kern="1200">
                 <a:solidFill>
@@ -8744,7 +8489,7 @@
               <a:spcBef>
                 <a:spcPts val="500"/>
               </a:spcBef>
-              <a:buFont typeface="Arial" panose="020B0604020202020204" pitchFamily="34" charset="0"/>
+              <a:buFont typeface="Arial" panose="020B0604020202090204" pitchFamily="34" charset="0"/>
               <a:buChar char="•"/>
               <a:defRPr sz="1800" kern="1200">
                 <a:solidFill>
@@ -8762,7 +8507,7 @@
               <a:spcBef>
                 <a:spcPts val="500"/>
               </a:spcBef>
-              <a:buFont typeface="Arial" panose="020B0604020202020204" pitchFamily="34" charset="0"/>
+              <a:buFont typeface="Arial" panose="020B0604020202090204" pitchFamily="34" charset="0"/>
               <a:buChar char="•"/>
               <a:defRPr sz="1800" kern="1200">
                 <a:solidFill>
@@ -8780,7 +8525,7 @@
               <a:spcBef>
                 <a:spcPts val="500"/>
               </a:spcBef>
-              <a:buFont typeface="Arial" panose="020B0604020202020204" pitchFamily="34" charset="0"/>
+              <a:buFont typeface="Arial" panose="020B0604020202090204" pitchFamily="34" charset="0"/>
               <a:buChar char="•"/>
               <a:defRPr sz="1800" kern="1200">
                 <a:solidFill>
@@ -8798,7 +8543,7 @@
               <a:spcBef>
                 <a:spcPts val="500"/>
               </a:spcBef>
-              <a:buFont typeface="Arial" panose="020B0604020202020204" pitchFamily="34" charset="0"/>
+              <a:buFont typeface="Arial" panose="020B0604020202090204" pitchFamily="34" charset="0"/>
               <a:buChar char="•"/>
               <a:defRPr sz="1800" kern="1200">
                 <a:solidFill>
@@ -8859,11 +8604,6 @@
         </p:style>
       </p:cxnSp>
     </p:spTree>
-    <p:extLst>
-      <p:ext uri="{BB962C8B-B14F-4D97-AF65-F5344CB8AC3E}">
-        <p14:creationId xmlns:p14="http://schemas.microsoft.com/office/powerpoint/2010/main" val="2853438316"/>
-      </p:ext>
-    </p:extLst>
   </p:cSld>
   <p:clrMapOvr>
     <a:masterClrMapping/>
@@ -8891,20 +8631,14 @@
       </p:grpSpPr>
       <p:pic>
         <p:nvPicPr>
-          <p:cNvPr id="3" name="图片 2">
-            <a:extLst>
-              <a:ext uri="{FF2B5EF4-FFF2-40B4-BE49-F238E27FC236}">
-                <a16:creationId xmlns:a16="http://schemas.microsoft.com/office/drawing/2014/main" id="{82EC4EFB-2623-461C-8937-F1183896BBA3}"/>
-              </a:ext>
-            </a:extLst>
-          </p:cNvPr>
+          <p:cNvPr id="3" name="图片 2"/>
           <p:cNvPicPr>
             <a:picLocks noChangeAspect="1"/>
           </p:cNvPicPr>
           <p:nvPr/>
         </p:nvPicPr>
         <p:blipFill>
-          <a:blip r:embed="rId3"/>
+          <a:blip r:embed="rId1"/>
           <a:stretch>
             <a:fillRect/>
           </a:stretch>
@@ -9027,6 +8761,10 @@
               </a:rPr>
               <a:t>热点：俄乌冲突</a:t>
             </a:r>
+            <a:endParaRPr lang="zh-CN" altLang="en-US" sz="3200" dirty="0">
+              <a:ea typeface="字魂58号-创中黑" panose="00000500000000000000" pitchFamily="2" charset="-122"/>
+              <a:sym typeface="字魂58号-创中黑" panose="00000500000000000000" pitchFamily="2" charset="-122"/>
+            </a:endParaRPr>
           </a:p>
         </p:txBody>
       </p:sp>
@@ -10800,20 +10538,14 @@
       </p:grpSp>
       <p:pic>
         <p:nvPicPr>
-          <p:cNvPr id="4" name="图片 3">
-            <a:extLst>
-              <a:ext uri="{FF2B5EF4-FFF2-40B4-BE49-F238E27FC236}">
-                <a16:creationId xmlns:a16="http://schemas.microsoft.com/office/drawing/2014/main" id="{3EC54938-0711-46F5-AA9B-FB8921482AC1}"/>
-              </a:ext>
-            </a:extLst>
-          </p:cNvPr>
+          <p:cNvPr id="4" name="图片 3"/>
           <p:cNvPicPr>
             <a:picLocks noChangeAspect="1"/>
           </p:cNvPicPr>
           <p:nvPr/>
         </p:nvPicPr>
         <p:blipFill>
-          <a:blip r:embed="rId4"/>
+          <a:blip r:embed="rId2"/>
           <a:stretch>
             <a:fillRect/>
           </a:stretch>
@@ -10830,13 +10562,7 @@
       </p:pic>
       <p:sp>
         <p:nvSpPr>
-          <p:cNvPr id="13" name="文本框 12">
-            <a:extLst>
-              <a:ext uri="{FF2B5EF4-FFF2-40B4-BE49-F238E27FC236}">
-                <a16:creationId xmlns:a16="http://schemas.microsoft.com/office/drawing/2014/main" id="{D8CA93BB-8B23-4634-BD31-07E23C2BA308}"/>
-              </a:ext>
-            </a:extLst>
-          </p:cNvPr>
+          <p:cNvPr id="13" name="文本框 12"/>
           <p:cNvSpPr txBox="1"/>
           <p:nvPr/>
         </p:nvSpPr>
@@ -10917,7 +10643,7 @@
             <a:r>
               <a:rPr lang="en-US" altLang="zh-CN" sz="1600" dirty="0">
                 <a:sym typeface="+mn-lt"/>
-                <a:hlinkClick r:id="rId5"/>
+                <a:hlinkClick r:id="rId3"/>
               </a:rPr>
               <a:t>https://search.bilibili.com/all?keyword=</a:t>
             </a:r>
@@ -11072,13 +10798,13 @@
   <p:clrMapOvr>
     <a:masterClrMapping/>
   </p:clrMapOvr>
-  <mc:AlternateContent xmlns:mc="http://schemas.openxmlformats.org/markup-compatibility/2006" xmlns:p14="http://schemas.microsoft.com/office/powerpoint/2010/main">
-    <mc:Choice Requires="p14">
+  <mc:AlternateContent xmlns:mc="http://schemas.openxmlformats.org/markup-compatibility/2006">
+    <mc:Choice xmlns:p14="http://schemas.microsoft.com/office/powerpoint/2010/main" Requires="p14">
       <p:transition spd="slow" p14:dur="1500" advTm="3000">
         <p:split orient="vert"/>
       </p:transition>
     </mc:Choice>
-    <mc:Fallback xmlns="">
+    <mc:Fallback>
       <p:transition spd="slow" advTm="3000">
         <p:split orient="vert"/>
       </p:transition>
@@ -11238,16 +10964,8 @@
       </p:grpSpPr>
       <p:sp>
         <p:nvSpPr>
-          <p:cNvPr id="42" name="文本占位符 17">
-            <a:extLst>
-              <a:ext uri="{FF2B5EF4-FFF2-40B4-BE49-F238E27FC236}">
-                <a16:creationId xmlns:a16="http://schemas.microsoft.com/office/drawing/2014/main" id="{C73C918A-C35C-4DBD-9097-07144D33CB00}"/>
-              </a:ext>
-            </a:extLst>
-          </p:cNvPr>
-          <p:cNvSpPr txBox="1">
-            <a:spLocks/>
-          </p:cNvSpPr>
+          <p:cNvPr id="42" name="文本占位符 17"/>
+          <p:cNvSpPr txBox="1"/>
           <p:nvPr/>
         </p:nvSpPr>
         <p:spPr>
@@ -11284,21 +11002,14 @@
               <a:rPr lang="zh-CN" altLang="en-US" dirty="0"/>
               <a:t>项目简介</a:t>
             </a:r>
+            <a:endParaRPr lang="zh-CN" altLang="en-US" dirty="0"/>
           </a:p>
         </p:txBody>
       </p:sp>
       <p:sp>
         <p:nvSpPr>
-          <p:cNvPr id="44" name="文本占位符 17">
-            <a:extLst>
-              <a:ext uri="{FF2B5EF4-FFF2-40B4-BE49-F238E27FC236}">
-                <a16:creationId xmlns:a16="http://schemas.microsoft.com/office/drawing/2014/main" id="{E3E7A2D5-E546-42EF-8B24-28D9B51F3D63}"/>
-              </a:ext>
-            </a:extLst>
-          </p:cNvPr>
-          <p:cNvSpPr txBox="1">
-            <a:spLocks/>
-          </p:cNvSpPr>
+          <p:cNvPr id="44" name="文本占位符 17"/>
+          <p:cNvSpPr txBox="1"/>
           <p:nvPr/>
         </p:nvSpPr>
         <p:spPr>
@@ -11335,21 +11046,14 @@
               <a:rPr lang="zh-CN" altLang="en-US" dirty="0"/>
               <a:t>项目分工</a:t>
             </a:r>
+            <a:endParaRPr lang="zh-CN" altLang="en-US" dirty="0"/>
           </a:p>
         </p:txBody>
       </p:sp>
       <p:sp>
         <p:nvSpPr>
-          <p:cNvPr id="46" name="文本占位符 17">
-            <a:extLst>
-              <a:ext uri="{FF2B5EF4-FFF2-40B4-BE49-F238E27FC236}">
-                <a16:creationId xmlns:a16="http://schemas.microsoft.com/office/drawing/2014/main" id="{92C8D714-DA0A-42AF-9AEB-408B59B3170A}"/>
-              </a:ext>
-            </a:extLst>
-          </p:cNvPr>
-          <p:cNvSpPr txBox="1">
-            <a:spLocks/>
-          </p:cNvSpPr>
+          <p:cNvPr id="46" name="文本占位符 17"/>
+          <p:cNvSpPr txBox="1"/>
           <p:nvPr/>
         </p:nvSpPr>
         <p:spPr>
@@ -11386,21 +11090,14 @@
               <a:rPr lang="zh-CN" altLang="en-US" dirty="0"/>
               <a:t>每周必看榜单统计</a:t>
             </a:r>
+            <a:endParaRPr lang="zh-CN" altLang="en-US" dirty="0"/>
           </a:p>
         </p:txBody>
       </p:sp>
       <p:sp>
         <p:nvSpPr>
-          <p:cNvPr id="48" name="文本占位符 17">
-            <a:extLst>
-              <a:ext uri="{FF2B5EF4-FFF2-40B4-BE49-F238E27FC236}">
-                <a16:creationId xmlns:a16="http://schemas.microsoft.com/office/drawing/2014/main" id="{094A045B-464D-4DF7-B9BF-2F74E634F78D}"/>
-              </a:ext>
-            </a:extLst>
-          </p:cNvPr>
-          <p:cNvSpPr txBox="1">
-            <a:spLocks/>
-          </p:cNvSpPr>
+          <p:cNvPr id="48" name="文本占位符 17"/>
+          <p:cNvSpPr txBox="1"/>
           <p:nvPr/>
         </p:nvSpPr>
         <p:spPr>
@@ -11442,21 +11139,19 @@
               </a:rPr>
               <a:t>分区热播统计</a:t>
             </a:r>
+            <a:endParaRPr lang="zh-CN" altLang="en-US" sz="2800" dirty="0">
+              <a:solidFill>
+                <a:schemeClr val="tx2"/>
+              </a:solidFill>
+              <a:effectLst/>
+            </a:endParaRPr>
           </a:p>
         </p:txBody>
       </p:sp>
       <p:sp>
         <p:nvSpPr>
-          <p:cNvPr id="54" name="文本占位符 51">
-            <a:extLst>
-              <a:ext uri="{FF2B5EF4-FFF2-40B4-BE49-F238E27FC236}">
-                <a16:creationId xmlns:a16="http://schemas.microsoft.com/office/drawing/2014/main" id="{AB68936D-40B7-448F-A5B0-1FFCC95446AF}"/>
-              </a:ext>
-            </a:extLst>
-          </p:cNvPr>
-          <p:cNvSpPr txBox="1">
-            <a:spLocks/>
-          </p:cNvSpPr>
+          <p:cNvPr id="54" name="文本占位符 51"/>
+          <p:cNvSpPr txBox="1"/>
           <p:nvPr/>
         </p:nvSpPr>
         <p:spPr>
@@ -11486,7 +11181,7 @@
               <a:spcBef>
                 <a:spcPts val="1000"/>
               </a:spcBef>
-              <a:buFont typeface="Arial" panose="020B0604020202020204" pitchFamily="34" charset="0"/>
+              <a:buFont typeface="Arial" panose="020B0604020202090204" pitchFamily="34" charset="0"/>
               <a:buNone/>
               <a:defRPr lang="zh-CN" altLang="en-US" sz="3600" b="0" kern="1200" baseline="0" dirty="0">
                 <a:solidFill>
@@ -11504,7 +11199,7 @@
               <a:spcBef>
                 <a:spcPts val="500"/>
               </a:spcBef>
-              <a:buFont typeface="Arial" panose="020B0604020202020204" pitchFamily="34" charset="0"/>
+              <a:buFont typeface="Arial" panose="020B0604020202090204" pitchFamily="34" charset="0"/>
               <a:buNone/>
               <a:defRPr sz="2400" kern="1200">
                 <a:solidFill>
@@ -11522,7 +11217,7 @@
               <a:spcBef>
                 <a:spcPts val="500"/>
               </a:spcBef>
-              <a:buFont typeface="Arial" panose="020B0604020202020204" pitchFamily="34" charset="0"/>
+              <a:buFont typeface="Arial" panose="020B0604020202090204" pitchFamily="34" charset="0"/>
               <a:buChar char="•"/>
               <a:defRPr sz="2000" kern="1200">
                 <a:solidFill>
@@ -11540,7 +11235,7 @@
               <a:spcBef>
                 <a:spcPts val="500"/>
               </a:spcBef>
-              <a:buFont typeface="Arial" panose="020B0604020202020204" pitchFamily="34" charset="0"/>
+              <a:buFont typeface="Arial" panose="020B0604020202090204" pitchFamily="34" charset="0"/>
               <a:buChar char="•"/>
               <a:defRPr sz="1800" kern="1200">
                 <a:solidFill>
@@ -11558,7 +11253,7 @@
               <a:spcBef>
                 <a:spcPts val="500"/>
               </a:spcBef>
-              <a:buFont typeface="Arial" panose="020B0604020202020204" pitchFamily="34" charset="0"/>
+              <a:buFont typeface="Arial" panose="020B0604020202090204" pitchFamily="34" charset="0"/>
               <a:buChar char="•"/>
               <a:defRPr sz="1800" kern="1200">
                 <a:solidFill>
@@ -11576,7 +11271,7 @@
               <a:spcBef>
                 <a:spcPts val="500"/>
               </a:spcBef>
-              <a:buFont typeface="Arial" panose="020B0604020202020204" pitchFamily="34" charset="0"/>
+              <a:buFont typeface="Arial" panose="020B0604020202090204" pitchFamily="34" charset="0"/>
               <a:buChar char="•"/>
               <a:defRPr sz="1800" kern="1200">
                 <a:solidFill>
@@ -11594,7 +11289,7 @@
               <a:spcBef>
                 <a:spcPts val="500"/>
               </a:spcBef>
-              <a:buFont typeface="Arial" panose="020B0604020202020204" pitchFamily="34" charset="0"/>
+              <a:buFont typeface="Arial" panose="020B0604020202090204" pitchFamily="34" charset="0"/>
               <a:buChar char="•"/>
               <a:defRPr sz="1800" kern="1200">
                 <a:solidFill>
@@ -11612,7 +11307,7 @@
               <a:spcBef>
                 <a:spcPts val="500"/>
               </a:spcBef>
-              <a:buFont typeface="Arial" panose="020B0604020202020204" pitchFamily="34" charset="0"/>
+              <a:buFont typeface="Arial" panose="020B0604020202090204" pitchFamily="34" charset="0"/>
               <a:buChar char="•"/>
               <a:defRPr sz="1800" kern="1200">
                 <a:solidFill>
@@ -11630,7 +11325,7 @@
               <a:spcBef>
                 <a:spcPts val="500"/>
               </a:spcBef>
-              <a:buFont typeface="Arial" panose="020B0604020202020204" pitchFamily="34" charset="0"/>
+              <a:buFont typeface="Arial" panose="020B0604020202090204" pitchFamily="34" charset="0"/>
               <a:buChar char="•"/>
               <a:defRPr sz="1800" kern="1200">
                 <a:solidFill>
@@ -11657,16 +11352,8 @@
       </p:sp>
       <p:sp>
         <p:nvSpPr>
-          <p:cNvPr id="55" name="文本占位符 51">
-            <a:extLst>
-              <a:ext uri="{FF2B5EF4-FFF2-40B4-BE49-F238E27FC236}">
-                <a16:creationId xmlns:a16="http://schemas.microsoft.com/office/drawing/2014/main" id="{6DA3D8CD-850A-4608-845A-4D41E939B79E}"/>
-              </a:ext>
-            </a:extLst>
-          </p:cNvPr>
-          <p:cNvSpPr txBox="1">
-            <a:spLocks/>
-          </p:cNvSpPr>
+          <p:cNvPr id="55" name="文本占位符 51"/>
+          <p:cNvSpPr txBox="1"/>
           <p:nvPr/>
         </p:nvSpPr>
         <p:spPr>
@@ -11696,7 +11383,7 @@
               <a:spcBef>
                 <a:spcPts val="1000"/>
               </a:spcBef>
-              <a:buFont typeface="Arial" panose="020B0604020202020204" pitchFamily="34" charset="0"/>
+              <a:buFont typeface="Arial" panose="020B0604020202090204" pitchFamily="34" charset="0"/>
               <a:buNone/>
               <a:defRPr lang="zh-CN" altLang="en-US" sz="3600" b="0" kern="1200" baseline="0" dirty="0">
                 <a:solidFill>
@@ -11714,7 +11401,7 @@
               <a:spcBef>
                 <a:spcPts val="500"/>
               </a:spcBef>
-              <a:buFont typeface="Arial" panose="020B0604020202020204" pitchFamily="34" charset="0"/>
+              <a:buFont typeface="Arial" panose="020B0604020202090204" pitchFamily="34" charset="0"/>
               <a:buNone/>
               <a:defRPr sz="2400" kern="1200">
                 <a:solidFill>
@@ -11732,7 +11419,7 @@
               <a:spcBef>
                 <a:spcPts val="500"/>
               </a:spcBef>
-              <a:buFont typeface="Arial" panose="020B0604020202020204" pitchFamily="34" charset="0"/>
+              <a:buFont typeface="Arial" panose="020B0604020202090204" pitchFamily="34" charset="0"/>
               <a:buChar char="•"/>
               <a:defRPr sz="2000" kern="1200">
                 <a:solidFill>
@@ -11750,7 +11437,7 @@
               <a:spcBef>
                 <a:spcPts val="500"/>
               </a:spcBef>
-              <a:buFont typeface="Arial" panose="020B0604020202020204" pitchFamily="34" charset="0"/>
+              <a:buFont typeface="Arial" panose="020B0604020202090204" pitchFamily="34" charset="0"/>
               <a:buChar char="•"/>
               <a:defRPr sz="1800" kern="1200">
                 <a:solidFill>
@@ -11768,7 +11455,7 @@
               <a:spcBef>
                 <a:spcPts val="500"/>
               </a:spcBef>
-              <a:buFont typeface="Arial" panose="020B0604020202020204" pitchFamily="34" charset="0"/>
+              <a:buFont typeface="Arial" panose="020B0604020202090204" pitchFamily="34" charset="0"/>
               <a:buChar char="•"/>
               <a:defRPr sz="1800" kern="1200">
                 <a:solidFill>
@@ -11786,7 +11473,7 @@
               <a:spcBef>
                 <a:spcPts val="500"/>
               </a:spcBef>
-              <a:buFont typeface="Arial" panose="020B0604020202020204" pitchFamily="34" charset="0"/>
+              <a:buFont typeface="Arial" panose="020B0604020202090204" pitchFamily="34" charset="0"/>
               <a:buChar char="•"/>
               <a:defRPr sz="1800" kern="1200">
                 <a:solidFill>
@@ -11804,7 +11491,7 @@
               <a:spcBef>
                 <a:spcPts val="500"/>
               </a:spcBef>
-              <a:buFont typeface="Arial" panose="020B0604020202020204" pitchFamily="34" charset="0"/>
+              <a:buFont typeface="Arial" panose="020B0604020202090204" pitchFamily="34" charset="0"/>
               <a:buChar char="•"/>
               <a:defRPr sz="1800" kern="1200">
                 <a:solidFill>
@@ -11822,7 +11509,7 @@
               <a:spcBef>
                 <a:spcPts val="500"/>
               </a:spcBef>
-              <a:buFont typeface="Arial" panose="020B0604020202020204" pitchFamily="34" charset="0"/>
+              <a:buFont typeface="Arial" panose="020B0604020202090204" pitchFamily="34" charset="0"/>
               <a:buChar char="•"/>
               <a:defRPr sz="1800" kern="1200">
                 <a:solidFill>
@@ -11840,7 +11527,7 @@
               <a:spcBef>
                 <a:spcPts val="500"/>
               </a:spcBef>
-              <a:buFont typeface="Arial" panose="020B0604020202020204" pitchFamily="34" charset="0"/>
+              <a:buFont typeface="Arial" panose="020B0604020202090204" pitchFamily="34" charset="0"/>
               <a:buChar char="•"/>
               <a:defRPr sz="1800" kern="1200">
                 <a:solidFill>
@@ -11867,16 +11554,8 @@
       </p:sp>
       <p:sp>
         <p:nvSpPr>
-          <p:cNvPr id="58" name="文本占位符 51">
-            <a:extLst>
-              <a:ext uri="{FF2B5EF4-FFF2-40B4-BE49-F238E27FC236}">
-                <a16:creationId xmlns:a16="http://schemas.microsoft.com/office/drawing/2014/main" id="{3DB4F64D-2F10-480C-B470-4C070035DF9B}"/>
-              </a:ext>
-            </a:extLst>
-          </p:cNvPr>
-          <p:cNvSpPr txBox="1">
-            <a:spLocks/>
-          </p:cNvSpPr>
+          <p:cNvPr id="58" name="文本占位符 51"/>
+          <p:cNvSpPr txBox="1"/>
           <p:nvPr/>
         </p:nvSpPr>
         <p:spPr>
@@ -11906,7 +11585,7 @@
               <a:spcBef>
                 <a:spcPts val="1000"/>
               </a:spcBef>
-              <a:buFont typeface="Arial" panose="020B0604020202020204" pitchFamily="34" charset="0"/>
+              <a:buFont typeface="Arial" panose="020B0604020202090204" pitchFamily="34" charset="0"/>
               <a:buNone/>
               <a:defRPr lang="zh-CN" altLang="en-US" sz="3600" b="0" kern="1200" baseline="0" dirty="0">
                 <a:solidFill>
@@ -11924,7 +11603,7 @@
               <a:spcBef>
                 <a:spcPts val="500"/>
               </a:spcBef>
-              <a:buFont typeface="Arial" panose="020B0604020202020204" pitchFamily="34" charset="0"/>
+              <a:buFont typeface="Arial" panose="020B0604020202090204" pitchFamily="34" charset="0"/>
               <a:buNone/>
               <a:defRPr sz="2400" kern="1200">
                 <a:solidFill>
@@ -11942,7 +11621,7 @@
               <a:spcBef>
                 <a:spcPts val="500"/>
               </a:spcBef>
-              <a:buFont typeface="Arial" panose="020B0604020202020204" pitchFamily="34" charset="0"/>
+              <a:buFont typeface="Arial" panose="020B0604020202090204" pitchFamily="34" charset="0"/>
               <a:buChar char="•"/>
               <a:defRPr sz="2000" kern="1200">
                 <a:solidFill>
@@ -11960,7 +11639,7 @@
               <a:spcBef>
                 <a:spcPts val="500"/>
               </a:spcBef>
-              <a:buFont typeface="Arial" panose="020B0604020202020204" pitchFamily="34" charset="0"/>
+              <a:buFont typeface="Arial" panose="020B0604020202090204" pitchFamily="34" charset="0"/>
               <a:buChar char="•"/>
               <a:defRPr sz="1800" kern="1200">
                 <a:solidFill>
@@ -11978,7 +11657,7 @@
               <a:spcBef>
                 <a:spcPts val="500"/>
               </a:spcBef>
-              <a:buFont typeface="Arial" panose="020B0604020202020204" pitchFamily="34" charset="0"/>
+              <a:buFont typeface="Arial" panose="020B0604020202090204" pitchFamily="34" charset="0"/>
               <a:buChar char="•"/>
               <a:defRPr sz="1800" kern="1200">
                 <a:solidFill>
@@ -11996,7 +11675,7 @@
               <a:spcBef>
                 <a:spcPts val="500"/>
               </a:spcBef>
-              <a:buFont typeface="Arial" panose="020B0604020202020204" pitchFamily="34" charset="0"/>
+              <a:buFont typeface="Arial" panose="020B0604020202090204" pitchFamily="34" charset="0"/>
               <a:buChar char="•"/>
               <a:defRPr sz="1800" kern="1200">
                 <a:solidFill>
@@ -12014,7 +11693,7 @@
               <a:spcBef>
                 <a:spcPts val="500"/>
               </a:spcBef>
-              <a:buFont typeface="Arial" panose="020B0604020202020204" pitchFamily="34" charset="0"/>
+              <a:buFont typeface="Arial" panose="020B0604020202090204" pitchFamily="34" charset="0"/>
               <a:buChar char="•"/>
               <a:defRPr sz="1800" kern="1200">
                 <a:solidFill>
@@ -12032,7 +11711,7 @@
               <a:spcBef>
                 <a:spcPts val="500"/>
               </a:spcBef>
-              <a:buFont typeface="Arial" panose="020B0604020202020204" pitchFamily="34" charset="0"/>
+              <a:buFont typeface="Arial" panose="020B0604020202090204" pitchFamily="34" charset="0"/>
               <a:buChar char="•"/>
               <a:defRPr sz="1800" kern="1200">
                 <a:solidFill>
@@ -12050,7 +11729,7 @@
               <a:spcBef>
                 <a:spcPts val="500"/>
               </a:spcBef>
-              <a:buFont typeface="Arial" panose="020B0604020202020204" pitchFamily="34" charset="0"/>
+              <a:buFont typeface="Arial" panose="020B0604020202090204" pitchFamily="34" charset="0"/>
               <a:buChar char="•"/>
               <a:defRPr sz="1800" kern="1200">
                 <a:solidFill>
@@ -12077,16 +11756,8 @@
       </p:sp>
       <p:sp>
         <p:nvSpPr>
-          <p:cNvPr id="59" name="文本占位符 51">
-            <a:extLst>
-              <a:ext uri="{FF2B5EF4-FFF2-40B4-BE49-F238E27FC236}">
-                <a16:creationId xmlns:a16="http://schemas.microsoft.com/office/drawing/2014/main" id="{60AB3A18-7A2F-4FD4-ABB3-1CDE67DF88E1}"/>
-              </a:ext>
-            </a:extLst>
-          </p:cNvPr>
-          <p:cNvSpPr txBox="1">
-            <a:spLocks/>
-          </p:cNvSpPr>
+          <p:cNvPr id="59" name="文本占位符 51"/>
+          <p:cNvSpPr txBox="1"/>
           <p:nvPr/>
         </p:nvSpPr>
         <p:spPr>
@@ -12116,7 +11787,7 @@
               <a:spcBef>
                 <a:spcPts val="1000"/>
               </a:spcBef>
-              <a:buFont typeface="Arial" panose="020B0604020202020204" pitchFamily="34" charset="0"/>
+              <a:buFont typeface="Arial" panose="020B0604020202090204" pitchFamily="34" charset="0"/>
               <a:buNone/>
               <a:defRPr lang="zh-CN" altLang="en-US" sz="3600" b="0" kern="1200" baseline="0" dirty="0">
                 <a:solidFill>
@@ -12134,7 +11805,7 @@
               <a:spcBef>
                 <a:spcPts val="500"/>
               </a:spcBef>
-              <a:buFont typeface="Arial" panose="020B0604020202020204" pitchFamily="34" charset="0"/>
+              <a:buFont typeface="Arial" panose="020B0604020202090204" pitchFamily="34" charset="0"/>
               <a:buNone/>
               <a:defRPr sz="2400" kern="1200">
                 <a:solidFill>
@@ -12152,7 +11823,7 @@
               <a:spcBef>
                 <a:spcPts val="500"/>
               </a:spcBef>
-              <a:buFont typeface="Arial" panose="020B0604020202020204" pitchFamily="34" charset="0"/>
+              <a:buFont typeface="Arial" panose="020B0604020202090204" pitchFamily="34" charset="0"/>
               <a:buChar char="•"/>
               <a:defRPr sz="2000" kern="1200">
                 <a:solidFill>
@@ -12170,7 +11841,7 @@
               <a:spcBef>
                 <a:spcPts val="500"/>
               </a:spcBef>
-              <a:buFont typeface="Arial" panose="020B0604020202020204" pitchFamily="34" charset="0"/>
+              <a:buFont typeface="Arial" panose="020B0604020202090204" pitchFamily="34" charset="0"/>
               <a:buChar char="•"/>
               <a:defRPr sz="1800" kern="1200">
                 <a:solidFill>
@@ -12188,7 +11859,7 @@
               <a:spcBef>
                 <a:spcPts val="500"/>
               </a:spcBef>
-              <a:buFont typeface="Arial" panose="020B0604020202020204" pitchFamily="34" charset="0"/>
+              <a:buFont typeface="Arial" panose="020B0604020202090204" pitchFamily="34" charset="0"/>
               <a:buChar char="•"/>
               <a:defRPr sz="1800" kern="1200">
                 <a:solidFill>
@@ -12206,7 +11877,7 @@
               <a:spcBef>
                 <a:spcPts val="500"/>
               </a:spcBef>
-              <a:buFont typeface="Arial" panose="020B0604020202020204" pitchFamily="34" charset="0"/>
+              <a:buFont typeface="Arial" panose="020B0604020202090204" pitchFamily="34" charset="0"/>
               <a:buChar char="•"/>
               <a:defRPr sz="1800" kern="1200">
                 <a:solidFill>
@@ -12224,7 +11895,7 @@
               <a:spcBef>
                 <a:spcPts val="500"/>
               </a:spcBef>
-              <a:buFont typeface="Arial" panose="020B0604020202020204" pitchFamily="34" charset="0"/>
+              <a:buFont typeface="Arial" panose="020B0604020202090204" pitchFamily="34" charset="0"/>
               <a:buChar char="•"/>
               <a:defRPr sz="1800" kern="1200">
                 <a:solidFill>
@@ -12242,7 +11913,7 @@
               <a:spcBef>
                 <a:spcPts val="500"/>
               </a:spcBef>
-              <a:buFont typeface="Arial" panose="020B0604020202020204" pitchFamily="34" charset="0"/>
+              <a:buFont typeface="Arial" panose="020B0604020202090204" pitchFamily="34" charset="0"/>
               <a:buChar char="•"/>
               <a:defRPr sz="1800" kern="1200">
                 <a:solidFill>
@@ -12260,7 +11931,7 @@
               <a:spcBef>
                 <a:spcPts val="500"/>
               </a:spcBef>
-              <a:buFont typeface="Arial" panose="020B0604020202020204" pitchFamily="34" charset="0"/>
+              <a:buFont typeface="Arial" panose="020B0604020202090204" pitchFamily="34" charset="0"/>
               <a:buChar char="•"/>
               <a:defRPr sz="1800" kern="1200">
                 <a:solidFill>
@@ -12458,6 +12129,13 @@
               </a:rPr>
               <a:t>目录</a:t>
             </a:r>
+            <a:endParaRPr lang="zh-CN" altLang="en-US" sz="3200" spc="300" dirty="0">
+              <a:solidFill>
+                <a:schemeClr val="tx2"/>
+              </a:solidFill>
+              <a:latin typeface="+mj-ea"/>
+              <a:ea typeface="+mj-ea"/>
+            </a:endParaRPr>
           </a:p>
         </p:txBody>
       </p:sp>
@@ -12498,16 +12176,8 @@
       </p:cxnSp>
       <p:sp>
         <p:nvSpPr>
-          <p:cNvPr id="16" name="文本占位符 17">
-            <a:extLst>
-              <a:ext uri="{FF2B5EF4-FFF2-40B4-BE49-F238E27FC236}">
-                <a16:creationId xmlns:a16="http://schemas.microsoft.com/office/drawing/2014/main" id="{A0752A0D-90D2-4CCC-B99E-F29D2C8B9FA9}"/>
-              </a:ext>
-            </a:extLst>
-          </p:cNvPr>
-          <p:cNvSpPr txBox="1">
-            <a:spLocks/>
-          </p:cNvSpPr>
+          <p:cNvPr id="16" name="文本占位符 17"/>
+          <p:cNvSpPr txBox="1"/>
           <p:nvPr/>
         </p:nvSpPr>
         <p:spPr>
@@ -12555,16 +12225,8 @@
       </p:sp>
       <p:sp>
         <p:nvSpPr>
-          <p:cNvPr id="17" name="文本占位符 17">
-            <a:extLst>
-              <a:ext uri="{FF2B5EF4-FFF2-40B4-BE49-F238E27FC236}">
-                <a16:creationId xmlns:a16="http://schemas.microsoft.com/office/drawing/2014/main" id="{C67031B1-7419-4466-82EF-6AA4CD04F4E2}"/>
-              </a:ext>
-            </a:extLst>
-          </p:cNvPr>
-          <p:cNvSpPr txBox="1">
-            <a:spLocks/>
-          </p:cNvSpPr>
+          <p:cNvPr id="17" name="文本占位符 17"/>
+          <p:cNvSpPr txBox="1"/>
           <p:nvPr/>
         </p:nvSpPr>
         <p:spPr>
@@ -12612,16 +12274,8 @@
       </p:sp>
       <p:sp>
         <p:nvSpPr>
-          <p:cNvPr id="18" name="文本占位符 51">
-            <a:extLst>
-              <a:ext uri="{FF2B5EF4-FFF2-40B4-BE49-F238E27FC236}">
-                <a16:creationId xmlns:a16="http://schemas.microsoft.com/office/drawing/2014/main" id="{EEE62CAB-7724-45EC-AA9B-9BD23C89AB4C}"/>
-              </a:ext>
-            </a:extLst>
-          </p:cNvPr>
-          <p:cNvSpPr txBox="1">
-            <a:spLocks/>
-          </p:cNvSpPr>
+          <p:cNvPr id="18" name="文本占位符 51"/>
+          <p:cNvSpPr txBox="1"/>
           <p:nvPr/>
         </p:nvSpPr>
         <p:spPr>
@@ -12651,7 +12305,7 @@
               <a:spcBef>
                 <a:spcPts val="1000"/>
               </a:spcBef>
-              <a:buFont typeface="Arial" panose="020B0604020202020204" pitchFamily="34" charset="0"/>
+              <a:buFont typeface="Arial" panose="020B0604020202090204" pitchFamily="34" charset="0"/>
               <a:buNone/>
               <a:defRPr lang="zh-CN" altLang="en-US" sz="3600" b="0" kern="1200" baseline="0" dirty="0">
                 <a:solidFill>
@@ -12669,7 +12323,7 @@
               <a:spcBef>
                 <a:spcPts val="500"/>
               </a:spcBef>
-              <a:buFont typeface="Arial" panose="020B0604020202020204" pitchFamily="34" charset="0"/>
+              <a:buFont typeface="Arial" panose="020B0604020202090204" pitchFamily="34" charset="0"/>
               <a:buNone/>
               <a:defRPr sz="2400" kern="1200">
                 <a:solidFill>
@@ -12687,7 +12341,7 @@
               <a:spcBef>
                 <a:spcPts val="500"/>
               </a:spcBef>
-              <a:buFont typeface="Arial" panose="020B0604020202020204" pitchFamily="34" charset="0"/>
+              <a:buFont typeface="Arial" panose="020B0604020202090204" pitchFamily="34" charset="0"/>
               <a:buChar char="•"/>
               <a:defRPr sz="2000" kern="1200">
                 <a:solidFill>
@@ -12705,7 +12359,7 @@
               <a:spcBef>
                 <a:spcPts val="500"/>
               </a:spcBef>
-              <a:buFont typeface="Arial" panose="020B0604020202020204" pitchFamily="34" charset="0"/>
+              <a:buFont typeface="Arial" panose="020B0604020202090204" pitchFamily="34" charset="0"/>
               <a:buChar char="•"/>
               <a:defRPr sz="1800" kern="1200">
                 <a:solidFill>
@@ -12723,7 +12377,7 @@
               <a:spcBef>
                 <a:spcPts val="500"/>
               </a:spcBef>
-              <a:buFont typeface="Arial" panose="020B0604020202020204" pitchFamily="34" charset="0"/>
+              <a:buFont typeface="Arial" panose="020B0604020202090204" pitchFamily="34" charset="0"/>
               <a:buChar char="•"/>
               <a:defRPr sz="1800" kern="1200">
                 <a:solidFill>
@@ -12741,7 +12395,7 @@
               <a:spcBef>
                 <a:spcPts val="500"/>
               </a:spcBef>
-              <a:buFont typeface="Arial" panose="020B0604020202020204" pitchFamily="34" charset="0"/>
+              <a:buFont typeface="Arial" panose="020B0604020202090204" pitchFamily="34" charset="0"/>
               <a:buChar char="•"/>
               <a:defRPr sz="1800" kern="1200">
                 <a:solidFill>
@@ -12759,7 +12413,7 @@
               <a:spcBef>
                 <a:spcPts val="500"/>
               </a:spcBef>
-              <a:buFont typeface="Arial" panose="020B0604020202020204" pitchFamily="34" charset="0"/>
+              <a:buFont typeface="Arial" panose="020B0604020202090204" pitchFamily="34" charset="0"/>
               <a:buChar char="•"/>
               <a:defRPr sz="1800" kern="1200">
                 <a:solidFill>
@@ -12777,7 +12431,7 @@
               <a:spcBef>
                 <a:spcPts val="500"/>
               </a:spcBef>
-              <a:buFont typeface="Arial" panose="020B0604020202020204" pitchFamily="34" charset="0"/>
+              <a:buFont typeface="Arial" panose="020B0604020202090204" pitchFamily="34" charset="0"/>
               <a:buChar char="•"/>
               <a:defRPr sz="1800" kern="1200">
                 <a:solidFill>
@@ -12795,7 +12449,7 @@
               <a:spcBef>
                 <a:spcPts val="500"/>
               </a:spcBef>
-              <a:buFont typeface="Arial" panose="020B0604020202020204" pitchFamily="34" charset="0"/>
+              <a:buFont typeface="Arial" panose="020B0604020202090204" pitchFamily="34" charset="0"/>
               <a:buChar char="•"/>
               <a:defRPr sz="1800" kern="1200">
                 <a:solidFill>
@@ -12822,16 +12476,8 @@
       </p:sp>
       <p:sp>
         <p:nvSpPr>
-          <p:cNvPr id="19" name="文本占位符 51">
-            <a:extLst>
-              <a:ext uri="{FF2B5EF4-FFF2-40B4-BE49-F238E27FC236}">
-                <a16:creationId xmlns:a16="http://schemas.microsoft.com/office/drawing/2014/main" id="{29D0A47C-F530-4A78-97F2-B8B801C532CB}"/>
-              </a:ext>
-            </a:extLst>
-          </p:cNvPr>
-          <p:cNvSpPr txBox="1">
-            <a:spLocks/>
-          </p:cNvSpPr>
+          <p:cNvPr id="19" name="文本占位符 51"/>
+          <p:cNvSpPr txBox="1"/>
           <p:nvPr/>
         </p:nvSpPr>
         <p:spPr>
@@ -12861,7 +12507,7 @@
               <a:spcBef>
                 <a:spcPts val="1000"/>
               </a:spcBef>
-              <a:buFont typeface="Arial" panose="020B0604020202020204" pitchFamily="34" charset="0"/>
+              <a:buFont typeface="Arial" panose="020B0604020202090204" pitchFamily="34" charset="0"/>
               <a:buNone/>
               <a:defRPr lang="zh-CN" altLang="en-US" sz="3600" b="0" kern="1200" baseline="0" dirty="0">
                 <a:solidFill>
@@ -12879,7 +12525,7 @@
               <a:spcBef>
                 <a:spcPts val="500"/>
               </a:spcBef>
-              <a:buFont typeface="Arial" panose="020B0604020202020204" pitchFamily="34" charset="0"/>
+              <a:buFont typeface="Arial" panose="020B0604020202090204" pitchFamily="34" charset="0"/>
               <a:buNone/>
               <a:defRPr sz="2400" kern="1200">
                 <a:solidFill>
@@ -12897,7 +12543,7 @@
               <a:spcBef>
                 <a:spcPts val="500"/>
               </a:spcBef>
-              <a:buFont typeface="Arial" panose="020B0604020202020204" pitchFamily="34" charset="0"/>
+              <a:buFont typeface="Arial" panose="020B0604020202090204" pitchFamily="34" charset="0"/>
               <a:buChar char="•"/>
               <a:defRPr sz="2000" kern="1200">
                 <a:solidFill>
@@ -12915,7 +12561,7 @@
               <a:spcBef>
                 <a:spcPts val="500"/>
               </a:spcBef>
-              <a:buFont typeface="Arial" panose="020B0604020202020204" pitchFamily="34" charset="0"/>
+              <a:buFont typeface="Arial" panose="020B0604020202090204" pitchFamily="34" charset="0"/>
               <a:buChar char="•"/>
               <a:defRPr sz="1800" kern="1200">
                 <a:solidFill>
@@ -12933,7 +12579,7 @@
               <a:spcBef>
                 <a:spcPts val="500"/>
               </a:spcBef>
-              <a:buFont typeface="Arial" panose="020B0604020202020204" pitchFamily="34" charset="0"/>
+              <a:buFont typeface="Arial" panose="020B0604020202090204" pitchFamily="34" charset="0"/>
               <a:buChar char="•"/>
               <a:defRPr sz="1800" kern="1200">
                 <a:solidFill>
@@ -12951,7 +12597,7 @@
               <a:spcBef>
                 <a:spcPts val="500"/>
               </a:spcBef>
-              <a:buFont typeface="Arial" panose="020B0604020202020204" pitchFamily="34" charset="0"/>
+              <a:buFont typeface="Arial" panose="020B0604020202090204" pitchFamily="34" charset="0"/>
               <a:buChar char="•"/>
               <a:defRPr sz="1800" kern="1200">
                 <a:solidFill>
@@ -12969,7 +12615,7 @@
               <a:spcBef>
                 <a:spcPts val="500"/>
               </a:spcBef>
-              <a:buFont typeface="Arial" panose="020B0604020202020204" pitchFamily="34" charset="0"/>
+              <a:buFont typeface="Arial" panose="020B0604020202090204" pitchFamily="34" charset="0"/>
               <a:buChar char="•"/>
               <a:defRPr sz="1800" kern="1200">
                 <a:solidFill>
@@ -12987,7 +12633,7 @@
               <a:spcBef>
                 <a:spcPts val="500"/>
               </a:spcBef>
-              <a:buFont typeface="Arial" panose="020B0604020202020204" pitchFamily="34" charset="0"/>
+              <a:buFont typeface="Arial" panose="020B0604020202090204" pitchFamily="34" charset="0"/>
               <a:buChar char="•"/>
               <a:defRPr sz="1800" kern="1200">
                 <a:solidFill>
@@ -13005,7 +12651,7 @@
               <a:spcBef>
                 <a:spcPts val="500"/>
               </a:spcBef>
-              <a:buFont typeface="Arial" panose="020B0604020202020204" pitchFamily="34" charset="0"/>
+              <a:buFont typeface="Arial" panose="020B0604020202090204" pitchFamily="34" charset="0"/>
               <a:buChar char="•"/>
               <a:defRPr sz="1800" kern="1200">
                 <a:solidFill>
@@ -13032,13 +12678,7 @@
       </p:sp>
       <p:cxnSp>
         <p:nvCxnSpPr>
-          <p:cNvPr id="20" name="直接连接符 19">
-            <a:extLst>
-              <a:ext uri="{FF2B5EF4-FFF2-40B4-BE49-F238E27FC236}">
-                <a16:creationId xmlns:a16="http://schemas.microsoft.com/office/drawing/2014/main" id="{8381D476-04BD-4D5F-98CB-28AA6E2798EF}"/>
-              </a:ext>
-            </a:extLst>
-          </p:cNvPr>
+          <p:cNvPr id="20" name="直接连接符 19"/>
           <p:cNvCxnSpPr/>
           <p:nvPr/>
         </p:nvCxnSpPr>
@@ -13073,13 +12713,7 @@
       </p:cxnSp>
       <p:cxnSp>
         <p:nvCxnSpPr>
-          <p:cNvPr id="21" name="直接连接符 20">
-            <a:extLst>
-              <a:ext uri="{FF2B5EF4-FFF2-40B4-BE49-F238E27FC236}">
-                <a16:creationId xmlns:a16="http://schemas.microsoft.com/office/drawing/2014/main" id="{8A2320C3-8B72-4F4E-A86F-AD91457C4BF2}"/>
-              </a:ext>
-            </a:extLst>
-          </p:cNvPr>
+          <p:cNvPr id="21" name="直接连接符 20"/>
           <p:cNvCxnSpPr/>
           <p:nvPr/>
         </p:nvCxnSpPr>
@@ -13113,11 +12747,6 @@
         </p:style>
       </p:cxnSp>
     </p:spTree>
-    <p:extLst>
-      <p:ext uri="{BB962C8B-B14F-4D97-AF65-F5344CB8AC3E}">
-        <p14:creationId xmlns:p14="http://schemas.microsoft.com/office/powerpoint/2010/main" val="1396139222"/>
-      </p:ext>
-    </p:extLst>
   </p:cSld>
   <p:clrMapOvr>
     <a:masterClrMapping/>
@@ -13280,20 +12909,14 @@
       </p:grpSpPr>
       <p:pic>
         <p:nvPicPr>
-          <p:cNvPr id="3" name="图片 2">
-            <a:extLst>
-              <a:ext uri="{FF2B5EF4-FFF2-40B4-BE49-F238E27FC236}">
-                <a16:creationId xmlns:a16="http://schemas.microsoft.com/office/drawing/2014/main" id="{82EC4EFB-2623-461C-8937-F1183896BBA3}"/>
-              </a:ext>
-            </a:extLst>
-          </p:cNvPr>
+          <p:cNvPr id="3" name="图片 2"/>
           <p:cNvPicPr>
             <a:picLocks noChangeAspect="1"/>
           </p:cNvPicPr>
           <p:nvPr/>
         </p:nvPicPr>
         <p:blipFill>
-          <a:blip r:embed="rId3"/>
+          <a:blip r:embed="rId1"/>
           <a:stretch>
             <a:fillRect/>
           </a:stretch>
@@ -13416,6 +13039,10 @@
               </a:rPr>
               <a:t>热点：俄乌冲突</a:t>
             </a:r>
+            <a:endParaRPr lang="zh-CN" altLang="en-US" sz="3200" dirty="0">
+              <a:ea typeface="字魂58号-创中黑" panose="00000500000000000000" pitchFamily="2" charset="-122"/>
+              <a:sym typeface="字魂58号-创中黑" panose="00000500000000000000" pitchFamily="2" charset="-122"/>
+            </a:endParaRPr>
           </a:p>
           <a:p>
             <a:pPr algn="ctr"/>
@@ -15196,20 +14823,14 @@
       </p:grpSp>
       <p:pic>
         <p:nvPicPr>
-          <p:cNvPr id="5" name="图片 4">
-            <a:extLst>
-              <a:ext uri="{FF2B5EF4-FFF2-40B4-BE49-F238E27FC236}">
-                <a16:creationId xmlns:a16="http://schemas.microsoft.com/office/drawing/2014/main" id="{D758394A-0F58-417D-A291-654C03CD74BE}"/>
-              </a:ext>
-            </a:extLst>
-          </p:cNvPr>
+          <p:cNvPr id="5" name="图片 4"/>
           <p:cNvPicPr>
             <a:picLocks noChangeAspect="1"/>
           </p:cNvPicPr>
           <p:nvPr/>
         </p:nvPicPr>
         <p:blipFill>
-          <a:blip r:embed="rId4">
+          <a:blip r:embed="rId2">
             <a:extLst>
               <a:ext uri="{28A0092B-C50C-407E-A947-70E740481C1C}">
                 <a14:useLocalDpi xmlns:a14="http://schemas.microsoft.com/office/drawing/2010/main" val="0"/>
@@ -15231,22 +14852,17 @@
         </p:spPr>
       </p:pic>
     </p:spTree>
-    <p:extLst>
-      <p:ext uri="{BB962C8B-B14F-4D97-AF65-F5344CB8AC3E}">
-        <p14:creationId xmlns:p14="http://schemas.microsoft.com/office/powerpoint/2010/main" val="2154478074"/>
-      </p:ext>
-    </p:extLst>
   </p:cSld>
   <p:clrMapOvr>
     <a:masterClrMapping/>
   </p:clrMapOvr>
-  <mc:AlternateContent xmlns:mc="http://schemas.openxmlformats.org/markup-compatibility/2006" xmlns:p14="http://schemas.microsoft.com/office/powerpoint/2010/main">
-    <mc:Choice Requires="p14">
+  <mc:AlternateContent xmlns:mc="http://schemas.openxmlformats.org/markup-compatibility/2006">
+    <mc:Choice xmlns:p14="http://schemas.microsoft.com/office/powerpoint/2010/main" Requires="p14">
       <p:transition spd="slow" p14:dur="1500" advTm="3000">
         <p:split orient="vert"/>
       </p:transition>
     </mc:Choice>
-    <mc:Fallback xmlns="">
+    <mc:Fallback>
       <p:transition spd="slow" advTm="3000">
         <p:split orient="vert"/>
       </p:transition>
@@ -15406,20 +15022,14 @@
       </p:grpSpPr>
       <p:pic>
         <p:nvPicPr>
-          <p:cNvPr id="3" name="图片 2">
-            <a:extLst>
-              <a:ext uri="{FF2B5EF4-FFF2-40B4-BE49-F238E27FC236}">
-                <a16:creationId xmlns:a16="http://schemas.microsoft.com/office/drawing/2014/main" id="{82EC4EFB-2623-461C-8937-F1183896BBA3}"/>
-              </a:ext>
-            </a:extLst>
-          </p:cNvPr>
+          <p:cNvPr id="3" name="图片 2"/>
           <p:cNvPicPr>
             <a:picLocks noChangeAspect="1"/>
           </p:cNvPicPr>
           <p:nvPr/>
         </p:nvPicPr>
         <p:blipFill>
-          <a:blip r:embed="rId3"/>
+          <a:blip r:embed="rId1"/>
           <a:stretch>
             <a:fillRect/>
           </a:stretch>
@@ -15542,6 +15152,10 @@
               </a:rPr>
               <a:t>热点：俄乌冲突</a:t>
             </a:r>
+            <a:endParaRPr lang="zh-CN" altLang="en-US" sz="3200" dirty="0">
+              <a:ea typeface="字魂58号-创中黑" panose="00000500000000000000" pitchFamily="2" charset="-122"/>
+              <a:sym typeface="字魂58号-创中黑" panose="00000500000000000000" pitchFamily="2" charset="-122"/>
+            </a:endParaRPr>
           </a:p>
           <a:p>
             <a:pPr algn="ctr"/>
@@ -17322,20 +16936,14 @@
       </p:grpSp>
       <p:pic>
         <p:nvPicPr>
-          <p:cNvPr id="4" name="图片 3">
-            <a:extLst>
-              <a:ext uri="{FF2B5EF4-FFF2-40B4-BE49-F238E27FC236}">
-                <a16:creationId xmlns:a16="http://schemas.microsoft.com/office/drawing/2014/main" id="{9382A18F-5344-484B-B590-7962128093BD}"/>
-              </a:ext>
-            </a:extLst>
-          </p:cNvPr>
+          <p:cNvPr id="4" name="图片 3"/>
           <p:cNvPicPr>
             <a:picLocks noChangeAspect="1"/>
           </p:cNvPicPr>
           <p:nvPr/>
         </p:nvPicPr>
         <p:blipFill>
-          <a:blip r:embed="rId4">
+          <a:blip r:embed="rId2">
             <a:extLst>
               <a:ext uri="{28A0092B-C50C-407E-A947-70E740481C1C}">
                 <a14:useLocalDpi xmlns:a14="http://schemas.microsoft.com/office/drawing/2010/main" val="0"/>
@@ -17357,22 +16965,17 @@
         </p:spPr>
       </p:pic>
     </p:spTree>
-    <p:extLst>
-      <p:ext uri="{BB962C8B-B14F-4D97-AF65-F5344CB8AC3E}">
-        <p14:creationId xmlns:p14="http://schemas.microsoft.com/office/powerpoint/2010/main" val="1516763177"/>
-      </p:ext>
-    </p:extLst>
   </p:cSld>
   <p:clrMapOvr>
     <a:masterClrMapping/>
   </p:clrMapOvr>
-  <mc:AlternateContent xmlns:mc="http://schemas.openxmlformats.org/markup-compatibility/2006" xmlns:p14="http://schemas.microsoft.com/office/powerpoint/2010/main">
-    <mc:Choice Requires="p14">
+  <mc:AlternateContent xmlns:mc="http://schemas.openxmlformats.org/markup-compatibility/2006">
+    <mc:Choice xmlns:p14="http://schemas.microsoft.com/office/powerpoint/2010/main" Requires="p14">
       <p:transition spd="slow" p14:dur="1500" advTm="3000">
         <p:split orient="vert"/>
       </p:transition>
     </mc:Choice>
-    <mc:Fallback xmlns="">
+    <mc:Fallback>
       <p:transition spd="slow" advTm="3000">
         <p:split orient="vert"/>
       </p:transition>
@@ -17532,20 +17135,14 @@
       </p:grpSpPr>
       <p:pic>
         <p:nvPicPr>
-          <p:cNvPr id="3" name="图片 2">
-            <a:extLst>
-              <a:ext uri="{FF2B5EF4-FFF2-40B4-BE49-F238E27FC236}">
-                <a16:creationId xmlns:a16="http://schemas.microsoft.com/office/drawing/2014/main" id="{82EC4EFB-2623-461C-8937-F1183896BBA3}"/>
-              </a:ext>
-            </a:extLst>
-          </p:cNvPr>
+          <p:cNvPr id="3" name="图片 2"/>
           <p:cNvPicPr>
             <a:picLocks noChangeAspect="1"/>
           </p:cNvPicPr>
           <p:nvPr/>
         </p:nvPicPr>
         <p:blipFill>
-          <a:blip r:embed="rId3"/>
+          <a:blip r:embed="rId1"/>
           <a:stretch>
             <a:fillRect/>
           </a:stretch>
@@ -17668,6 +17265,10 @@
               </a:rPr>
               <a:t>热点：俄乌冲突</a:t>
             </a:r>
+            <a:endParaRPr lang="zh-CN" altLang="en-US" sz="3200" dirty="0">
+              <a:ea typeface="字魂58号-创中黑" panose="00000500000000000000" pitchFamily="2" charset="-122"/>
+              <a:sym typeface="字魂58号-创中黑" panose="00000500000000000000" pitchFamily="2" charset="-122"/>
+            </a:endParaRPr>
           </a:p>
           <a:p>
             <a:pPr algn="ctr"/>
@@ -19448,20 +19049,14 @@
       </p:grpSp>
       <p:pic>
         <p:nvPicPr>
-          <p:cNvPr id="4" name="图片 3">
-            <a:extLst>
-              <a:ext uri="{FF2B5EF4-FFF2-40B4-BE49-F238E27FC236}">
-                <a16:creationId xmlns:a16="http://schemas.microsoft.com/office/drawing/2014/main" id="{828EFA76-9733-4283-A735-B9CCA510B688}"/>
-              </a:ext>
-            </a:extLst>
-          </p:cNvPr>
+          <p:cNvPr id="4" name="图片 3"/>
           <p:cNvPicPr>
             <a:picLocks noChangeAspect="1"/>
           </p:cNvPicPr>
           <p:nvPr/>
         </p:nvPicPr>
         <p:blipFill>
-          <a:blip r:embed="rId4">
+          <a:blip r:embed="rId2">
             <a:extLst>
               <a:ext uri="{28A0092B-C50C-407E-A947-70E740481C1C}">
                 <a14:useLocalDpi xmlns:a14="http://schemas.microsoft.com/office/drawing/2010/main" val="0"/>
@@ -19483,22 +19078,17 @@
         </p:spPr>
       </p:pic>
     </p:spTree>
-    <p:extLst>
-      <p:ext uri="{BB962C8B-B14F-4D97-AF65-F5344CB8AC3E}">
-        <p14:creationId xmlns:p14="http://schemas.microsoft.com/office/powerpoint/2010/main" val="493015723"/>
-      </p:ext>
-    </p:extLst>
   </p:cSld>
   <p:clrMapOvr>
     <a:masterClrMapping/>
   </p:clrMapOvr>
-  <mc:AlternateContent xmlns:mc="http://schemas.openxmlformats.org/markup-compatibility/2006" xmlns:p14="http://schemas.microsoft.com/office/powerpoint/2010/main">
-    <mc:Choice Requires="p14">
+  <mc:AlternateContent xmlns:mc="http://schemas.openxmlformats.org/markup-compatibility/2006">
+    <mc:Choice xmlns:p14="http://schemas.microsoft.com/office/powerpoint/2010/main" Requires="p14">
       <p:transition spd="slow" p14:dur="1500" advTm="3000">
         <p:split orient="vert"/>
       </p:transition>
     </mc:Choice>
-    <mc:Fallback xmlns="">
+    <mc:Fallback>
       <p:transition spd="slow" advTm="3000">
         <p:split orient="vert"/>
       </p:transition>
@@ -19658,20 +19248,14 @@
       </p:grpSpPr>
       <p:pic>
         <p:nvPicPr>
-          <p:cNvPr id="25" name="图片 24">
-            <a:extLst>
-              <a:ext uri="{FF2B5EF4-FFF2-40B4-BE49-F238E27FC236}">
-                <a16:creationId xmlns:a16="http://schemas.microsoft.com/office/drawing/2014/main" id="{1E54E366-8ADC-4174-A913-85E2534D1678}"/>
-              </a:ext>
-            </a:extLst>
-          </p:cNvPr>
+          <p:cNvPr id="25" name="图片 24"/>
           <p:cNvPicPr>
             <a:picLocks noChangeAspect="1"/>
           </p:cNvPicPr>
           <p:nvPr/>
         </p:nvPicPr>
         <p:blipFill>
-          <a:blip r:embed="rId3"/>
+          <a:blip r:embed="rId1"/>
           <a:stretch>
             <a:fillRect/>
           </a:stretch>
@@ -25274,7 +24858,7 @@
               <a:spcBef>
                 <a:spcPct val="20000"/>
               </a:spcBef>
-              <a:buFont typeface="Arial" panose="020B0604020202020204" pitchFamily="34" charset="0"/>
+              <a:buFont typeface="Arial" panose="020B0604020202090204" pitchFamily="34" charset="0"/>
               <a:buChar char="•"/>
               <a:defRPr sz="2000" kern="1200">
                 <a:solidFill>
@@ -25289,7 +24873,7 @@
               <a:spcBef>
                 <a:spcPct val="20000"/>
               </a:spcBef>
-              <a:buFont typeface="Arial" panose="020B0604020202020204" pitchFamily="34" charset="0"/>
+              <a:buFont typeface="Arial" panose="020B0604020202090204" pitchFamily="34" charset="0"/>
               <a:buChar char="•"/>
               <a:defRPr sz="2000" kern="1200">
                 <a:solidFill>
@@ -25304,7 +24888,7 @@
               <a:spcBef>
                 <a:spcPct val="20000"/>
               </a:spcBef>
-              <a:buFont typeface="Arial" panose="020B0604020202020204" pitchFamily="34" charset="0"/>
+              <a:buFont typeface="Arial" panose="020B0604020202090204" pitchFamily="34" charset="0"/>
               <a:buChar char="•"/>
               <a:defRPr sz="2000" kern="1200">
                 <a:solidFill>
@@ -25319,7 +24903,7 @@
               <a:spcBef>
                 <a:spcPct val="20000"/>
               </a:spcBef>
-              <a:buFont typeface="Arial" panose="020B0604020202020204" pitchFamily="34" charset="0"/>
+              <a:buFont typeface="Arial" panose="020B0604020202090204" pitchFamily="34" charset="0"/>
               <a:buChar char="•"/>
               <a:defRPr sz="2000" kern="1200">
                 <a:solidFill>
@@ -25345,7 +24929,7 @@
               <a:rPr lang="zh-CN" altLang="en-US" sz="1400" dirty="0">
                 <a:latin typeface="字魂58号-创中黑" panose="00000500000000000000" pitchFamily="2" charset="-122"/>
                 <a:ea typeface="字魂58号-创中黑" panose="00000500000000000000" pitchFamily="2" charset="-122"/>
-                <a:cs typeface="华文黑体" pitchFamily="2" charset="-122"/>
+                <a:cs typeface="华文黑体" panose="02010600040101010101" pitchFamily="2" charset="-122"/>
                 <a:sym typeface="字魂58号-创中黑" panose="00000500000000000000" pitchFamily="2" charset="-122"/>
               </a:rPr>
               <a:t>添加标题</a:t>
@@ -25353,7 +24937,7 @@
             <a:endParaRPr lang="en-US" altLang="zh-CN" sz="1400" dirty="0">
               <a:latin typeface="字魂58号-创中黑" panose="00000500000000000000" pitchFamily="2" charset="-122"/>
               <a:ea typeface="字魂58号-创中黑" panose="00000500000000000000" pitchFamily="2" charset="-122"/>
-              <a:cs typeface="华文黑体" pitchFamily="2" charset="-122"/>
+              <a:cs typeface="华文黑体" panose="02010600040101010101" pitchFamily="2" charset="-122"/>
               <a:sym typeface="字魂58号-创中黑" panose="00000500000000000000" pitchFamily="2" charset="-122"/>
             </a:endParaRPr>
           </a:p>
@@ -25400,6 +24984,11 @@
               </a:rPr>
               <a:t>. </a:t>
             </a:r>
+            <a:endParaRPr lang="en-US" sz="1100" dirty="0">
+              <a:latin typeface="字魂58号-创中黑" panose="00000500000000000000" pitchFamily="2" charset="-122"/>
+              <a:ea typeface="字魂58号-创中黑" panose="00000500000000000000" pitchFamily="2" charset="-122"/>
+              <a:sym typeface="字魂58号-创中黑" panose="00000500000000000000" pitchFamily="2" charset="-122"/>
+            </a:endParaRPr>
           </a:p>
         </p:txBody>
       </p:sp>
@@ -25532,7 +25121,7 @@
               <a:spcBef>
                 <a:spcPct val="20000"/>
               </a:spcBef>
-              <a:buFont typeface="Arial" panose="020B0604020202020204" pitchFamily="34" charset="0"/>
+              <a:buFont typeface="Arial" panose="020B0604020202090204" pitchFamily="34" charset="0"/>
               <a:buChar char="•"/>
               <a:defRPr sz="2000" kern="1200">
                 <a:solidFill>
@@ -25547,7 +25136,7 @@
               <a:spcBef>
                 <a:spcPct val="20000"/>
               </a:spcBef>
-              <a:buFont typeface="Arial" panose="020B0604020202020204" pitchFamily="34" charset="0"/>
+              <a:buFont typeface="Arial" panose="020B0604020202090204" pitchFamily="34" charset="0"/>
               <a:buChar char="•"/>
               <a:defRPr sz="2000" kern="1200">
                 <a:solidFill>
@@ -25562,7 +25151,7 @@
               <a:spcBef>
                 <a:spcPct val="20000"/>
               </a:spcBef>
-              <a:buFont typeface="Arial" panose="020B0604020202020204" pitchFamily="34" charset="0"/>
+              <a:buFont typeface="Arial" panose="020B0604020202090204" pitchFamily="34" charset="0"/>
               <a:buChar char="•"/>
               <a:defRPr sz="2000" kern="1200">
                 <a:solidFill>
@@ -25577,7 +25166,7 @@
               <a:spcBef>
                 <a:spcPct val="20000"/>
               </a:spcBef>
-              <a:buFont typeface="Arial" panose="020B0604020202020204" pitchFamily="34" charset="0"/>
+              <a:buFont typeface="Arial" panose="020B0604020202090204" pitchFamily="34" charset="0"/>
               <a:buChar char="•"/>
               <a:defRPr sz="2000" kern="1200">
                 <a:solidFill>
@@ -25603,7 +25192,7 @@
               <a:rPr lang="zh-CN" altLang="en-US" sz="1400" dirty="0">
                 <a:latin typeface="字魂58号-创中黑" panose="00000500000000000000" pitchFamily="2" charset="-122"/>
                 <a:ea typeface="字魂58号-创中黑" panose="00000500000000000000" pitchFamily="2" charset="-122"/>
-                <a:cs typeface="华文黑体" pitchFamily="2" charset="-122"/>
+                <a:cs typeface="华文黑体" panose="02010600040101010101" pitchFamily="2" charset="-122"/>
                 <a:sym typeface="字魂58号-创中黑" panose="00000500000000000000" pitchFamily="2" charset="-122"/>
               </a:rPr>
               <a:t>添加标题</a:t>
@@ -25611,7 +25200,7 @@
             <a:endParaRPr lang="en-US" altLang="zh-CN" sz="1400" dirty="0">
               <a:latin typeface="字魂58号-创中黑" panose="00000500000000000000" pitchFamily="2" charset="-122"/>
               <a:ea typeface="字魂58号-创中黑" panose="00000500000000000000" pitchFamily="2" charset="-122"/>
-              <a:cs typeface="华文黑体" pitchFamily="2" charset="-122"/>
+              <a:cs typeface="华文黑体" panose="02010600040101010101" pitchFamily="2" charset="-122"/>
               <a:sym typeface="字魂58号-创中黑" panose="00000500000000000000" pitchFamily="2" charset="-122"/>
             </a:endParaRPr>
           </a:p>
@@ -25658,6 +25247,11 @@
               </a:rPr>
               <a:t>. </a:t>
             </a:r>
+            <a:endParaRPr lang="en-US" sz="1100" dirty="0">
+              <a:latin typeface="字魂58号-创中黑" panose="00000500000000000000" pitchFamily="2" charset="-122"/>
+              <a:ea typeface="字魂58号-创中黑" panose="00000500000000000000" pitchFamily="2" charset="-122"/>
+              <a:sym typeface="字魂58号-创中黑" panose="00000500000000000000" pitchFamily="2" charset="-122"/>
+            </a:endParaRPr>
           </a:p>
         </p:txBody>
       </p:sp>
@@ -25790,7 +25384,7 @@
               <a:spcBef>
                 <a:spcPct val="20000"/>
               </a:spcBef>
-              <a:buFont typeface="Arial" panose="020B0604020202020204" pitchFamily="34" charset="0"/>
+              <a:buFont typeface="Arial" panose="020B0604020202090204" pitchFamily="34" charset="0"/>
               <a:buChar char="•"/>
               <a:defRPr sz="2000" kern="1200">
                 <a:solidFill>
@@ -25805,7 +25399,7 @@
               <a:spcBef>
                 <a:spcPct val="20000"/>
               </a:spcBef>
-              <a:buFont typeface="Arial" panose="020B0604020202020204" pitchFamily="34" charset="0"/>
+              <a:buFont typeface="Arial" panose="020B0604020202090204" pitchFamily="34" charset="0"/>
               <a:buChar char="•"/>
               <a:defRPr sz="2000" kern="1200">
                 <a:solidFill>
@@ -25820,7 +25414,7 @@
               <a:spcBef>
                 <a:spcPct val="20000"/>
               </a:spcBef>
-              <a:buFont typeface="Arial" panose="020B0604020202020204" pitchFamily="34" charset="0"/>
+              <a:buFont typeface="Arial" panose="020B0604020202090204" pitchFamily="34" charset="0"/>
               <a:buChar char="•"/>
               <a:defRPr sz="2000" kern="1200">
                 <a:solidFill>
@@ -25835,7 +25429,7 @@
               <a:spcBef>
                 <a:spcPct val="20000"/>
               </a:spcBef>
-              <a:buFont typeface="Arial" panose="020B0604020202020204" pitchFamily="34" charset="0"/>
+              <a:buFont typeface="Arial" panose="020B0604020202090204" pitchFamily="34" charset="0"/>
               <a:buChar char="•"/>
               <a:defRPr sz="2000" kern="1200">
                 <a:solidFill>
@@ -25861,7 +25455,7 @@
               <a:rPr lang="zh-CN" altLang="en-US" sz="1400" dirty="0">
                 <a:latin typeface="字魂58号-创中黑" panose="00000500000000000000" pitchFamily="2" charset="-122"/>
                 <a:ea typeface="字魂58号-创中黑" panose="00000500000000000000" pitchFamily="2" charset="-122"/>
-                <a:cs typeface="华文黑体" pitchFamily="2" charset="-122"/>
+                <a:cs typeface="华文黑体" panose="02010600040101010101" pitchFamily="2" charset="-122"/>
                 <a:sym typeface="字魂58号-创中黑" panose="00000500000000000000" pitchFamily="2" charset="-122"/>
               </a:rPr>
               <a:t>添加标题</a:t>
@@ -25869,7 +25463,7 @@
             <a:endParaRPr lang="en-US" altLang="zh-CN" sz="1400" dirty="0">
               <a:latin typeface="字魂58号-创中黑" panose="00000500000000000000" pitchFamily="2" charset="-122"/>
               <a:ea typeface="字魂58号-创中黑" panose="00000500000000000000" pitchFamily="2" charset="-122"/>
-              <a:cs typeface="华文黑体" pitchFamily="2" charset="-122"/>
+              <a:cs typeface="华文黑体" panose="02010600040101010101" pitchFamily="2" charset="-122"/>
               <a:sym typeface="字魂58号-创中黑" panose="00000500000000000000" pitchFamily="2" charset="-122"/>
             </a:endParaRPr>
           </a:p>
@@ -25916,6 +25510,11 @@
               </a:rPr>
               <a:t>. </a:t>
             </a:r>
+            <a:endParaRPr lang="en-US" sz="1100" dirty="0">
+              <a:latin typeface="字魂58号-创中黑" panose="00000500000000000000" pitchFamily="2" charset="-122"/>
+              <a:ea typeface="字魂58号-创中黑" panose="00000500000000000000" pitchFamily="2" charset="-122"/>
+              <a:sym typeface="字魂58号-创中黑" panose="00000500000000000000" pitchFamily="2" charset="-122"/>
+            </a:endParaRPr>
           </a:p>
         </p:txBody>
       </p:sp>
@@ -26028,21 +25627,18 @@
               </a:rPr>
               <a:t>回顾</a:t>
             </a:r>
+            <a:endParaRPr lang="zh-CN" altLang="en-US" sz="3200" dirty="0">
+              <a:latin typeface="字魂58号-创中黑" panose="00000500000000000000" pitchFamily="2" charset="-122"/>
+              <a:ea typeface="字魂58号-创中黑" panose="00000500000000000000" pitchFamily="2" charset="-122"/>
+              <a:sym typeface="字魂58号-创中黑" panose="00000500000000000000" pitchFamily="2" charset="-122"/>
+            </a:endParaRPr>
           </a:p>
         </p:txBody>
       </p:sp>
       <p:sp>
         <p:nvSpPr>
-          <p:cNvPr id="24" name="内容占位符 2">
-            <a:extLst>
-              <a:ext uri="{FF2B5EF4-FFF2-40B4-BE49-F238E27FC236}">
-                <a16:creationId xmlns:a16="http://schemas.microsoft.com/office/drawing/2014/main" id="{472B058B-8832-4491-8C15-B05B769C1AA7}"/>
-              </a:ext>
-            </a:extLst>
-          </p:cNvPr>
-          <p:cNvSpPr txBox="1">
-            <a:spLocks/>
-          </p:cNvSpPr>
+          <p:cNvPr id="24" name="内容占位符 2"/>
+          <p:cNvSpPr txBox="1"/>
           <p:nvPr/>
         </p:nvSpPr>
         <p:spPr>
@@ -26064,7 +25660,7 @@
               <a:spcBef>
                 <a:spcPts val="1000"/>
               </a:spcBef>
-              <a:buFont typeface="Arial" panose="020B0604020202020204" pitchFamily="34" charset="0"/>
+              <a:buFont typeface="Arial" panose="020B0604020202090204" pitchFamily="34" charset="0"/>
               <a:buChar char="•"/>
               <a:defRPr sz="2800" kern="1200">
                 <a:solidFill>
@@ -26082,7 +25678,7 @@
               <a:spcBef>
                 <a:spcPts val="500"/>
               </a:spcBef>
-              <a:buFont typeface="Arial" panose="020B0604020202020204" pitchFamily="34" charset="0"/>
+              <a:buFont typeface="Arial" panose="020B0604020202090204" pitchFamily="34" charset="0"/>
               <a:buChar char="•"/>
               <a:defRPr sz="2400" kern="1200">
                 <a:solidFill>
@@ -26100,7 +25696,7 @@
               <a:spcBef>
                 <a:spcPts val="500"/>
               </a:spcBef>
-              <a:buFont typeface="Arial" panose="020B0604020202020204" pitchFamily="34" charset="0"/>
+              <a:buFont typeface="Arial" panose="020B0604020202090204" pitchFamily="34" charset="0"/>
               <a:buChar char="•"/>
               <a:defRPr sz="2000" kern="1200">
                 <a:solidFill>
@@ -26118,7 +25714,7 @@
               <a:spcBef>
                 <a:spcPts val="500"/>
               </a:spcBef>
-              <a:buFont typeface="Arial" panose="020B0604020202020204" pitchFamily="34" charset="0"/>
+              <a:buFont typeface="Arial" panose="020B0604020202090204" pitchFamily="34" charset="0"/>
               <a:buChar char="•"/>
               <a:defRPr sz="1800" kern="1200">
                 <a:solidFill>
@@ -26136,7 +25732,7 @@
               <a:spcBef>
                 <a:spcPts val="500"/>
               </a:spcBef>
-              <a:buFont typeface="Arial" panose="020B0604020202020204" pitchFamily="34" charset="0"/>
+              <a:buFont typeface="Arial" panose="020B0604020202090204" pitchFamily="34" charset="0"/>
               <a:buChar char="•"/>
               <a:defRPr sz="1800" kern="1200">
                 <a:solidFill>
@@ -26154,7 +25750,7 @@
               <a:spcBef>
                 <a:spcPts val="500"/>
               </a:spcBef>
-              <a:buFont typeface="Arial" panose="020B0604020202020204" pitchFamily="34" charset="0"/>
+              <a:buFont typeface="Arial" panose="020B0604020202090204" pitchFamily="34" charset="0"/>
               <a:buChar char="•"/>
               <a:defRPr sz="1800" kern="1200">
                 <a:solidFill>
@@ -26172,7 +25768,7 @@
               <a:spcBef>
                 <a:spcPts val="500"/>
               </a:spcBef>
-              <a:buFont typeface="Arial" panose="020B0604020202020204" pitchFamily="34" charset="0"/>
+              <a:buFont typeface="Arial" panose="020B0604020202090204" pitchFamily="34" charset="0"/>
               <a:buChar char="•"/>
               <a:defRPr sz="1800" kern="1200">
                 <a:solidFill>
@@ -26190,7 +25786,7 @@
               <a:spcBef>
                 <a:spcPts val="500"/>
               </a:spcBef>
-              <a:buFont typeface="Arial" panose="020B0604020202020204" pitchFamily="34" charset="0"/>
+              <a:buFont typeface="Arial" panose="020B0604020202090204" pitchFamily="34" charset="0"/>
               <a:buChar char="•"/>
               <a:defRPr sz="1800" kern="1200">
                 <a:solidFill>
@@ -26208,7 +25804,7 @@
               <a:spcBef>
                 <a:spcPts val="500"/>
               </a:spcBef>
-              <a:buFont typeface="Arial" panose="020B0604020202020204" pitchFamily="34" charset="0"/>
+              <a:buFont typeface="Arial" panose="020B0604020202090204" pitchFamily="34" charset="0"/>
               <a:buChar char="•"/>
               <a:defRPr sz="1800" kern="1200">
                 <a:solidFill>
@@ -26261,13 +25857,13 @@
   <p:clrMapOvr>
     <a:masterClrMapping/>
   </p:clrMapOvr>
-  <mc:AlternateContent xmlns:mc="http://schemas.openxmlformats.org/markup-compatibility/2006" xmlns:p14="http://schemas.microsoft.com/office/powerpoint/2010/main">
-    <mc:Choice Requires="p14">
+  <mc:AlternateContent xmlns:mc="http://schemas.openxmlformats.org/markup-compatibility/2006">
+    <mc:Choice xmlns:p14="http://schemas.microsoft.com/office/powerpoint/2010/main" Requires="p14">
       <p:transition spd="slow" p14:dur="1500" advTm="3000">
         <p:split orient="vert"/>
       </p:transition>
     </mc:Choice>
-    <mc:Fallback xmlns="">
+    <mc:Fallback>
       <p:transition spd="slow" advTm="3000">
         <p:split orient="vert"/>
       </p:transition>
@@ -26925,20 +26521,14 @@
       </p:grpSpPr>
       <p:pic>
         <p:nvPicPr>
-          <p:cNvPr id="25" name="图片 24">
-            <a:extLst>
-              <a:ext uri="{FF2B5EF4-FFF2-40B4-BE49-F238E27FC236}">
-                <a16:creationId xmlns:a16="http://schemas.microsoft.com/office/drawing/2014/main" id="{1E54E366-8ADC-4174-A913-85E2534D1678}"/>
-              </a:ext>
-            </a:extLst>
-          </p:cNvPr>
+          <p:cNvPr id="25" name="图片 24"/>
           <p:cNvPicPr>
             <a:picLocks noChangeAspect="1"/>
           </p:cNvPicPr>
           <p:nvPr/>
         </p:nvPicPr>
         <p:blipFill>
-          <a:blip r:embed="rId3"/>
+          <a:blip r:embed="rId1"/>
           <a:stretch>
             <a:fillRect/>
           </a:stretch>
@@ -32541,7 +32131,7 @@
               <a:spcBef>
                 <a:spcPct val="20000"/>
               </a:spcBef>
-              <a:buFont typeface="Arial" panose="020B0604020202020204" pitchFamily="34" charset="0"/>
+              <a:buFont typeface="Arial" panose="020B0604020202090204" pitchFamily="34" charset="0"/>
               <a:buChar char="•"/>
               <a:defRPr sz="2000" kern="1200">
                 <a:solidFill>
@@ -32556,7 +32146,7 @@
               <a:spcBef>
                 <a:spcPct val="20000"/>
               </a:spcBef>
-              <a:buFont typeface="Arial" panose="020B0604020202020204" pitchFamily="34" charset="0"/>
+              <a:buFont typeface="Arial" panose="020B0604020202090204" pitchFamily="34" charset="0"/>
               <a:buChar char="•"/>
               <a:defRPr sz="2000" kern="1200">
                 <a:solidFill>
@@ -32571,7 +32161,7 @@
               <a:spcBef>
                 <a:spcPct val="20000"/>
               </a:spcBef>
-              <a:buFont typeface="Arial" panose="020B0604020202020204" pitchFamily="34" charset="0"/>
+              <a:buFont typeface="Arial" panose="020B0604020202090204" pitchFamily="34" charset="0"/>
               <a:buChar char="•"/>
               <a:defRPr sz="2000" kern="1200">
                 <a:solidFill>
@@ -32586,7 +32176,7 @@
               <a:spcBef>
                 <a:spcPct val="20000"/>
               </a:spcBef>
-              <a:buFont typeface="Arial" panose="020B0604020202020204" pitchFamily="34" charset="0"/>
+              <a:buFont typeface="Arial" panose="020B0604020202090204" pitchFamily="34" charset="0"/>
               <a:buChar char="•"/>
               <a:defRPr sz="2000" kern="1200">
                 <a:solidFill>
@@ -32612,7 +32202,7 @@
               <a:rPr lang="zh-CN" altLang="en-US" sz="1400" dirty="0">
                 <a:latin typeface="字魂58号-创中黑" panose="00000500000000000000" pitchFamily="2" charset="-122"/>
                 <a:ea typeface="字魂58号-创中黑" panose="00000500000000000000" pitchFamily="2" charset="-122"/>
-                <a:cs typeface="华文黑体" pitchFamily="2" charset="-122"/>
+                <a:cs typeface="华文黑体" panose="02010600040101010101" pitchFamily="2" charset="-122"/>
                 <a:sym typeface="字魂58号-创中黑" panose="00000500000000000000" pitchFamily="2" charset="-122"/>
               </a:rPr>
               <a:t>添加标题</a:t>
@@ -32620,7 +32210,7 @@
             <a:endParaRPr lang="en-US" altLang="zh-CN" sz="1400" dirty="0">
               <a:latin typeface="字魂58号-创中黑" panose="00000500000000000000" pitchFamily="2" charset="-122"/>
               <a:ea typeface="字魂58号-创中黑" panose="00000500000000000000" pitchFamily="2" charset="-122"/>
-              <a:cs typeface="华文黑体" pitchFamily="2" charset="-122"/>
+              <a:cs typeface="华文黑体" panose="02010600040101010101" pitchFamily="2" charset="-122"/>
               <a:sym typeface="字魂58号-创中黑" panose="00000500000000000000" pitchFamily="2" charset="-122"/>
             </a:endParaRPr>
           </a:p>
@@ -32667,6 +32257,11 @@
               </a:rPr>
               <a:t>. </a:t>
             </a:r>
+            <a:endParaRPr lang="en-US" sz="1100" dirty="0">
+              <a:latin typeface="字魂58号-创中黑" panose="00000500000000000000" pitchFamily="2" charset="-122"/>
+              <a:ea typeface="字魂58号-创中黑" panose="00000500000000000000" pitchFamily="2" charset="-122"/>
+              <a:sym typeface="字魂58号-创中黑" panose="00000500000000000000" pitchFamily="2" charset="-122"/>
+            </a:endParaRPr>
           </a:p>
         </p:txBody>
       </p:sp>
@@ -32799,7 +32394,7 @@
               <a:spcBef>
                 <a:spcPct val="20000"/>
               </a:spcBef>
-              <a:buFont typeface="Arial" panose="020B0604020202020204" pitchFamily="34" charset="0"/>
+              <a:buFont typeface="Arial" panose="020B0604020202090204" pitchFamily="34" charset="0"/>
               <a:buChar char="•"/>
               <a:defRPr sz="2000" kern="1200">
                 <a:solidFill>
@@ -32814,7 +32409,7 @@
               <a:spcBef>
                 <a:spcPct val="20000"/>
               </a:spcBef>
-              <a:buFont typeface="Arial" panose="020B0604020202020204" pitchFamily="34" charset="0"/>
+              <a:buFont typeface="Arial" panose="020B0604020202090204" pitchFamily="34" charset="0"/>
               <a:buChar char="•"/>
               <a:defRPr sz="2000" kern="1200">
                 <a:solidFill>
@@ -32829,7 +32424,7 @@
               <a:spcBef>
                 <a:spcPct val="20000"/>
               </a:spcBef>
-              <a:buFont typeface="Arial" panose="020B0604020202020204" pitchFamily="34" charset="0"/>
+              <a:buFont typeface="Arial" panose="020B0604020202090204" pitchFamily="34" charset="0"/>
               <a:buChar char="•"/>
               <a:defRPr sz="2000" kern="1200">
                 <a:solidFill>
@@ -32844,7 +32439,7 @@
               <a:spcBef>
                 <a:spcPct val="20000"/>
               </a:spcBef>
-              <a:buFont typeface="Arial" panose="020B0604020202020204" pitchFamily="34" charset="0"/>
+              <a:buFont typeface="Arial" panose="020B0604020202090204" pitchFamily="34" charset="0"/>
               <a:buChar char="•"/>
               <a:defRPr sz="2000" kern="1200">
                 <a:solidFill>
@@ -32870,7 +32465,7 @@
               <a:rPr lang="zh-CN" altLang="en-US" sz="1400" dirty="0">
                 <a:latin typeface="字魂58号-创中黑" panose="00000500000000000000" pitchFamily="2" charset="-122"/>
                 <a:ea typeface="字魂58号-创中黑" panose="00000500000000000000" pitchFamily="2" charset="-122"/>
-                <a:cs typeface="华文黑体" pitchFamily="2" charset="-122"/>
+                <a:cs typeface="华文黑体" panose="02010600040101010101" pitchFamily="2" charset="-122"/>
                 <a:sym typeface="字魂58号-创中黑" panose="00000500000000000000" pitchFamily="2" charset="-122"/>
               </a:rPr>
               <a:t>添加标题</a:t>
@@ -32878,7 +32473,7 @@
             <a:endParaRPr lang="en-US" altLang="zh-CN" sz="1400" dirty="0">
               <a:latin typeface="字魂58号-创中黑" panose="00000500000000000000" pitchFamily="2" charset="-122"/>
               <a:ea typeface="字魂58号-创中黑" panose="00000500000000000000" pitchFamily="2" charset="-122"/>
-              <a:cs typeface="华文黑体" pitchFamily="2" charset="-122"/>
+              <a:cs typeface="华文黑体" panose="02010600040101010101" pitchFamily="2" charset="-122"/>
               <a:sym typeface="字魂58号-创中黑" panose="00000500000000000000" pitchFamily="2" charset="-122"/>
             </a:endParaRPr>
           </a:p>
@@ -32925,6 +32520,11 @@
               </a:rPr>
               <a:t>. </a:t>
             </a:r>
+            <a:endParaRPr lang="en-US" sz="1100" dirty="0">
+              <a:latin typeface="字魂58号-创中黑" panose="00000500000000000000" pitchFamily="2" charset="-122"/>
+              <a:ea typeface="字魂58号-创中黑" panose="00000500000000000000" pitchFamily="2" charset="-122"/>
+              <a:sym typeface="字魂58号-创中黑" panose="00000500000000000000" pitchFamily="2" charset="-122"/>
+            </a:endParaRPr>
           </a:p>
         </p:txBody>
       </p:sp>
@@ -33057,7 +32657,7 @@
               <a:spcBef>
                 <a:spcPct val="20000"/>
               </a:spcBef>
-              <a:buFont typeface="Arial" panose="020B0604020202020204" pitchFamily="34" charset="0"/>
+              <a:buFont typeface="Arial" panose="020B0604020202090204" pitchFamily="34" charset="0"/>
               <a:buChar char="•"/>
               <a:defRPr sz="2000" kern="1200">
                 <a:solidFill>
@@ -33072,7 +32672,7 @@
               <a:spcBef>
                 <a:spcPct val="20000"/>
               </a:spcBef>
-              <a:buFont typeface="Arial" panose="020B0604020202020204" pitchFamily="34" charset="0"/>
+              <a:buFont typeface="Arial" panose="020B0604020202090204" pitchFamily="34" charset="0"/>
               <a:buChar char="•"/>
               <a:defRPr sz="2000" kern="1200">
                 <a:solidFill>
@@ -33087,7 +32687,7 @@
               <a:spcBef>
                 <a:spcPct val="20000"/>
               </a:spcBef>
-              <a:buFont typeface="Arial" panose="020B0604020202020204" pitchFamily="34" charset="0"/>
+              <a:buFont typeface="Arial" panose="020B0604020202090204" pitchFamily="34" charset="0"/>
               <a:buChar char="•"/>
               <a:defRPr sz="2000" kern="1200">
                 <a:solidFill>
@@ -33102,7 +32702,7 @@
               <a:spcBef>
                 <a:spcPct val="20000"/>
               </a:spcBef>
-              <a:buFont typeface="Arial" panose="020B0604020202020204" pitchFamily="34" charset="0"/>
+              <a:buFont typeface="Arial" panose="020B0604020202090204" pitchFamily="34" charset="0"/>
               <a:buChar char="•"/>
               <a:defRPr sz="2000" kern="1200">
                 <a:solidFill>
@@ -33128,7 +32728,7 @@
               <a:rPr lang="zh-CN" altLang="en-US" sz="1400" dirty="0">
                 <a:latin typeface="字魂58号-创中黑" panose="00000500000000000000" pitchFamily="2" charset="-122"/>
                 <a:ea typeface="字魂58号-创中黑" panose="00000500000000000000" pitchFamily="2" charset="-122"/>
-                <a:cs typeface="华文黑体" pitchFamily="2" charset="-122"/>
+                <a:cs typeface="华文黑体" panose="02010600040101010101" pitchFamily="2" charset="-122"/>
                 <a:sym typeface="字魂58号-创中黑" panose="00000500000000000000" pitchFamily="2" charset="-122"/>
               </a:rPr>
               <a:t>添加标题</a:t>
@@ -33136,7 +32736,7 @@
             <a:endParaRPr lang="en-US" altLang="zh-CN" sz="1400" dirty="0">
               <a:latin typeface="字魂58号-创中黑" panose="00000500000000000000" pitchFamily="2" charset="-122"/>
               <a:ea typeface="字魂58号-创中黑" panose="00000500000000000000" pitchFamily="2" charset="-122"/>
-              <a:cs typeface="华文黑体" pitchFamily="2" charset="-122"/>
+              <a:cs typeface="华文黑体" panose="02010600040101010101" pitchFamily="2" charset="-122"/>
               <a:sym typeface="字魂58号-创中黑" panose="00000500000000000000" pitchFamily="2" charset="-122"/>
             </a:endParaRPr>
           </a:p>
@@ -33183,6 +32783,11 @@
               </a:rPr>
               <a:t>. </a:t>
             </a:r>
+            <a:endParaRPr lang="en-US" sz="1100" dirty="0">
+              <a:latin typeface="字魂58号-创中黑" panose="00000500000000000000" pitchFamily="2" charset="-122"/>
+              <a:ea typeface="字魂58号-创中黑" panose="00000500000000000000" pitchFamily="2" charset="-122"/>
+              <a:sym typeface="字魂58号-创中黑" panose="00000500000000000000" pitchFamily="2" charset="-122"/>
+            </a:endParaRPr>
           </a:p>
         </p:txBody>
       </p:sp>
@@ -33261,16 +32866,8 @@
       </p:cxnSp>
       <p:sp>
         <p:nvSpPr>
-          <p:cNvPr id="26" name="标题 1">
-            <a:extLst>
-              <a:ext uri="{FF2B5EF4-FFF2-40B4-BE49-F238E27FC236}">
-                <a16:creationId xmlns:a16="http://schemas.microsoft.com/office/drawing/2014/main" id="{5CEF712D-BC1C-47E5-B8BC-61FD7848545A}"/>
-              </a:ext>
-            </a:extLst>
-          </p:cNvPr>
-          <p:cNvSpPr txBox="1">
-            <a:spLocks/>
-          </p:cNvSpPr>
+          <p:cNvPr id="26" name="标题 1"/>
+          <p:cNvSpPr txBox="1"/>
           <p:nvPr/>
         </p:nvSpPr>
         <p:spPr>
@@ -33325,22 +32922,17 @@
         </p:txBody>
       </p:sp>
     </p:spTree>
-    <p:extLst>
-      <p:ext uri="{BB962C8B-B14F-4D97-AF65-F5344CB8AC3E}">
-        <p14:creationId xmlns:p14="http://schemas.microsoft.com/office/powerpoint/2010/main" val="3121481543"/>
-      </p:ext>
-    </p:extLst>
   </p:cSld>
   <p:clrMapOvr>
     <a:masterClrMapping/>
   </p:clrMapOvr>
-  <mc:AlternateContent xmlns:mc="http://schemas.openxmlformats.org/markup-compatibility/2006" xmlns:p14="http://schemas.microsoft.com/office/powerpoint/2010/main">
-    <mc:Choice Requires="p14">
+  <mc:AlternateContent xmlns:mc="http://schemas.openxmlformats.org/markup-compatibility/2006">
+    <mc:Choice xmlns:p14="http://schemas.microsoft.com/office/powerpoint/2010/main" Requires="p14">
       <p:transition spd="slow" p14:dur="1500" advTm="3000">
         <p:split orient="vert"/>
       </p:transition>
     </mc:Choice>
-    <mc:Fallback xmlns="">
+    <mc:Fallback>
       <p:transition spd="slow" advTm="3000">
         <p:split orient="vert"/>
       </p:transition>
@@ -34052,7 +33644,6 @@
               <a:buSzTx/>
               <a:buFontTx/>
               <a:buNone/>
-              <a:tabLst/>
               <a:defRPr/>
             </a:pPr>
             <a:r>
@@ -34071,18 +33662,25 @@
               </a:rPr>
               <a:t>添加标题内容</a:t>
             </a:r>
+            <a:endParaRPr kumimoji="0" lang="zh-CN" altLang="en-US" sz="2000" b="0" i="0" u="none" strike="noStrike" kern="1200" cap="none" spc="0" normalizeH="0" baseline="0" noProof="0" dirty="0">
+              <a:ln>
+                <a:noFill/>
+              </a:ln>
+              <a:solidFill>
+                <a:prstClr val="white"/>
+              </a:solidFill>
+              <a:effectLst/>
+              <a:uLnTx/>
+              <a:uFillTx/>
+              <a:latin typeface="DIN-BlackItalic" pitchFamily="50" charset="0"/>
+              <a:cs typeface="+mn-cs"/>
+            </a:endParaRPr>
           </a:p>
         </p:txBody>
       </p:sp>
       <p:sp>
         <p:nvSpPr>
-          <p:cNvPr id="120" name="Shape 2022">
-            <a:extLst>
-              <a:ext uri="{FF2B5EF4-FFF2-40B4-BE49-F238E27FC236}">
-                <a16:creationId xmlns:a16="http://schemas.microsoft.com/office/drawing/2014/main" id="{38E2AE0F-D9A4-4DDF-ACD9-01629FEC5D3B}"/>
-              </a:ext>
-            </a:extLst>
-          </p:cNvPr>
+          <p:cNvPr id="120" name="Shape 2022"/>
           <p:cNvSpPr/>
           <p:nvPr/>
         </p:nvSpPr>
@@ -34124,10 +33722,9 @@
               <a:buSzTx/>
               <a:buFontTx/>
               <a:buNone/>
-              <a:tabLst/>
               <a:defRPr sz="3200"/>
             </a:pPr>
-            <a:endParaRPr kumimoji="0" sz="4267" b="0" i="0" u="none" strike="noStrike" kern="1200" cap="none" spc="0" normalizeH="0" baseline="0" noProof="0" dirty="0">
+            <a:endParaRPr kumimoji="0" sz="4265" b="0" i="0" u="none" strike="noStrike" kern="1200" cap="none" spc="0" normalizeH="0" baseline="0" noProof="0" dirty="0">
               <a:ln>
                 <a:noFill/>
               </a:ln>
@@ -34199,7 +33796,6 @@
               <a:buSzTx/>
               <a:buFontTx/>
               <a:buNone/>
-              <a:tabLst/>
               <a:defRPr/>
             </a:pPr>
             <a:r>
@@ -34218,18 +33814,25 @@
               </a:rPr>
               <a:t>添加标题内容</a:t>
             </a:r>
+            <a:endParaRPr kumimoji="0" lang="zh-CN" altLang="en-US" sz="2000" b="0" i="0" u="none" strike="noStrike" kern="1200" cap="none" spc="0" normalizeH="0" baseline="0" noProof="0" dirty="0">
+              <a:ln>
+                <a:noFill/>
+              </a:ln>
+              <a:solidFill>
+                <a:prstClr val="white"/>
+              </a:solidFill>
+              <a:effectLst/>
+              <a:uLnTx/>
+              <a:uFillTx/>
+              <a:latin typeface="DIN-BlackItalic" pitchFamily="50" charset="0"/>
+              <a:cs typeface="+mn-cs"/>
+            </a:endParaRPr>
           </a:p>
         </p:txBody>
       </p:sp>
       <p:sp>
         <p:nvSpPr>
-          <p:cNvPr id="123" name="Shape 2022">
-            <a:extLst>
-              <a:ext uri="{FF2B5EF4-FFF2-40B4-BE49-F238E27FC236}">
-                <a16:creationId xmlns:a16="http://schemas.microsoft.com/office/drawing/2014/main" id="{38E2AE0F-D9A4-4DDF-ACD9-01629FEC5D3B}"/>
-              </a:ext>
-            </a:extLst>
-          </p:cNvPr>
+          <p:cNvPr id="123" name="Shape 2022"/>
           <p:cNvSpPr/>
           <p:nvPr/>
         </p:nvSpPr>
@@ -34271,10 +33874,9 @@
               <a:buSzTx/>
               <a:buFontTx/>
               <a:buNone/>
-              <a:tabLst/>
               <a:defRPr sz="3200"/>
             </a:pPr>
-            <a:endParaRPr kumimoji="0" sz="4267" b="0" i="0" u="none" strike="noStrike" kern="1200" cap="none" spc="0" normalizeH="0" baseline="0" noProof="0" dirty="0">
+            <a:endParaRPr kumimoji="0" sz="4265" b="0" i="0" u="none" strike="noStrike" kern="1200" cap="none" spc="0" normalizeH="0" baseline="0" noProof="0" dirty="0">
               <a:ln>
                 <a:noFill/>
               </a:ln>
@@ -34292,13 +33894,7 @@
       </p:sp>
       <p:sp>
         <p:nvSpPr>
-          <p:cNvPr id="15" name="矩形: 圆角 2">
-            <a:extLst>
-              <a:ext uri="{FF2B5EF4-FFF2-40B4-BE49-F238E27FC236}">
-                <a16:creationId xmlns:a16="http://schemas.microsoft.com/office/drawing/2014/main" id="{E10AEAD4-965B-4E77-8680-333D56E02038}"/>
-              </a:ext>
-            </a:extLst>
-          </p:cNvPr>
+          <p:cNvPr id="15" name="矩形: 圆角 2"/>
           <p:cNvSpPr/>
           <p:nvPr/>
         </p:nvSpPr>
@@ -34338,9 +33934,6 @@
         </p:style>
         <p:txBody>
           <a:bodyPr rot="0" spcFirstLastPara="0" vertOverflow="overflow" horzOverflow="overflow" vert="horz" wrap="square" lIns="91440" tIns="45720" rIns="91440" bIns="45720" numCol="1" spcCol="0" rtlCol="0" fromWordArt="0" anchor="ctr" anchorCtr="0" forceAA="0" compatLnSpc="1">
-            <a:prstTxWarp prst="textNoShape">
-              <a:avLst/>
-            </a:prstTxWarp>
             <a:noAutofit/>
           </a:bodyPr>
           <a:lstStyle/>
@@ -34359,7 +33952,6 @@
               <a:buSzTx/>
               <a:buFontTx/>
               <a:buNone/>
-              <a:tabLst/>
               <a:defRPr/>
             </a:pPr>
             <a:endParaRPr kumimoji="0" lang="zh-CN" altLang="en-US" sz="1800" b="0" i="0" u="none" strike="noStrike" kern="1200" cap="none" spc="0" normalizeH="0" baseline="0" noProof="0" dirty="0">
@@ -34381,13 +33973,7 @@
       </p:sp>
       <p:sp>
         <p:nvSpPr>
-          <p:cNvPr id="12" name="矩形 11">
-            <a:extLst>
-              <a:ext uri="{FF2B5EF4-FFF2-40B4-BE49-F238E27FC236}">
-                <a16:creationId xmlns:a16="http://schemas.microsoft.com/office/drawing/2014/main" id="{AEAA0800-950B-4F0A-970B-59C4101290AE}"/>
-              </a:ext>
-            </a:extLst>
-          </p:cNvPr>
+          <p:cNvPr id="12" name="矩形 11"/>
           <p:cNvSpPr/>
           <p:nvPr/>
         </p:nvSpPr>
@@ -34423,6 +34009,14 @@
               </a:rPr>
               <a:t>THANK YOU</a:t>
             </a:r>
+            <a:endParaRPr lang="en-US" altLang="zh-CN" sz="4000" dirty="0">
+              <a:solidFill>
+                <a:schemeClr val="tx2"/>
+              </a:solidFill>
+              <a:latin typeface="DengXian Light" panose="02010600030101010101" pitchFamily="2" charset="-122"/>
+              <a:ea typeface="DengXian Light" panose="02010600030101010101" pitchFamily="2" charset="-122"/>
+              <a:cs typeface="Open Sans Light" panose="020B0306030504020204" pitchFamily="34" charset="0"/>
+            </a:endParaRPr>
           </a:p>
           <a:p>
             <a:pPr>
@@ -34442,11 +34036,6 @@
         </p:txBody>
       </p:sp>
     </p:spTree>
-    <p:extLst>
-      <p:ext uri="{BB962C8B-B14F-4D97-AF65-F5344CB8AC3E}">
-        <p14:creationId xmlns:p14="http://schemas.microsoft.com/office/powerpoint/2010/main" val="2266232967"/>
-      </p:ext>
-    </p:extLst>
   </p:cSld>
   <p:clrMapOvr>
     <a:masterClrMapping/>
@@ -34473,16 +34062,8 @@
       </p:grpSpPr>
       <p:sp>
         <p:nvSpPr>
-          <p:cNvPr id="55" name="文本占位符 24">
-            <a:extLst>
-              <a:ext uri="{FF2B5EF4-FFF2-40B4-BE49-F238E27FC236}">
-                <a16:creationId xmlns:a16="http://schemas.microsoft.com/office/drawing/2014/main" id="{CD455566-3954-4AC5-9889-41073E773D9D}"/>
-              </a:ext>
-            </a:extLst>
-          </p:cNvPr>
-          <p:cNvSpPr txBox="1">
-            <a:spLocks/>
-          </p:cNvSpPr>
+          <p:cNvPr id="55" name="文本占位符 24"/>
+          <p:cNvSpPr txBox="1"/>
           <p:nvPr/>
         </p:nvSpPr>
         <p:spPr>
@@ -34530,21 +34111,19 @@
               </a:rPr>
               <a:t>项目简介</a:t>
             </a:r>
+            <a:endParaRPr lang="zh-CN" altLang="en-US" sz="5400" dirty="0">
+              <a:solidFill>
+                <a:schemeClr val="tx2"/>
+              </a:solidFill>
+              <a:effectLst/>
+            </a:endParaRPr>
           </a:p>
         </p:txBody>
       </p:sp>
       <p:sp>
         <p:nvSpPr>
-          <p:cNvPr id="7" name="文本占位符 51">
-            <a:extLst>
-              <a:ext uri="{FF2B5EF4-FFF2-40B4-BE49-F238E27FC236}">
-                <a16:creationId xmlns:a16="http://schemas.microsoft.com/office/drawing/2014/main" id="{AB68936D-40B7-448F-A5B0-1FFCC95446AF}"/>
-              </a:ext>
-            </a:extLst>
-          </p:cNvPr>
-          <p:cNvSpPr txBox="1">
-            <a:spLocks/>
-          </p:cNvSpPr>
+          <p:cNvPr id="7" name="文本占位符 51"/>
+          <p:cNvSpPr txBox="1"/>
           <p:nvPr/>
         </p:nvSpPr>
         <p:spPr>
@@ -34574,7 +34153,7 @@
               <a:spcBef>
                 <a:spcPts val="1000"/>
               </a:spcBef>
-              <a:buFont typeface="Arial" panose="020B0604020202020204" pitchFamily="34" charset="0"/>
+              <a:buFont typeface="Arial" panose="020B0604020202090204" pitchFamily="34" charset="0"/>
               <a:buNone/>
               <a:defRPr lang="zh-CN" altLang="en-US" sz="3600" b="0" kern="1200" baseline="0" dirty="0">
                 <a:solidFill>
@@ -34592,7 +34171,7 @@
               <a:spcBef>
                 <a:spcPts val="500"/>
               </a:spcBef>
-              <a:buFont typeface="Arial" panose="020B0604020202020204" pitchFamily="34" charset="0"/>
+              <a:buFont typeface="Arial" panose="020B0604020202090204" pitchFamily="34" charset="0"/>
               <a:buNone/>
               <a:defRPr sz="2400" kern="1200">
                 <a:solidFill>
@@ -34610,7 +34189,7 @@
               <a:spcBef>
                 <a:spcPts val="500"/>
               </a:spcBef>
-              <a:buFont typeface="Arial" panose="020B0604020202020204" pitchFamily="34" charset="0"/>
+              <a:buFont typeface="Arial" panose="020B0604020202090204" pitchFamily="34" charset="0"/>
               <a:buChar char="•"/>
               <a:defRPr sz="2000" kern="1200">
                 <a:solidFill>
@@ -34628,7 +34207,7 @@
               <a:spcBef>
                 <a:spcPts val="500"/>
               </a:spcBef>
-              <a:buFont typeface="Arial" panose="020B0604020202020204" pitchFamily="34" charset="0"/>
+              <a:buFont typeface="Arial" panose="020B0604020202090204" pitchFamily="34" charset="0"/>
               <a:buChar char="•"/>
               <a:defRPr sz="1800" kern="1200">
                 <a:solidFill>
@@ -34646,7 +34225,7 @@
               <a:spcBef>
                 <a:spcPts val="500"/>
               </a:spcBef>
-              <a:buFont typeface="Arial" panose="020B0604020202020204" pitchFamily="34" charset="0"/>
+              <a:buFont typeface="Arial" panose="020B0604020202090204" pitchFamily="34" charset="0"/>
               <a:buChar char="•"/>
               <a:defRPr sz="1800" kern="1200">
                 <a:solidFill>
@@ -34664,7 +34243,7 @@
               <a:spcBef>
                 <a:spcPts val="500"/>
               </a:spcBef>
-              <a:buFont typeface="Arial" panose="020B0604020202020204" pitchFamily="34" charset="0"/>
+              <a:buFont typeface="Arial" panose="020B0604020202090204" pitchFamily="34" charset="0"/>
               <a:buChar char="•"/>
               <a:defRPr sz="1800" kern="1200">
                 <a:solidFill>
@@ -34682,7 +34261,7 @@
               <a:spcBef>
                 <a:spcPts val="500"/>
               </a:spcBef>
-              <a:buFont typeface="Arial" panose="020B0604020202020204" pitchFamily="34" charset="0"/>
+              <a:buFont typeface="Arial" panose="020B0604020202090204" pitchFamily="34" charset="0"/>
               <a:buChar char="•"/>
               <a:defRPr sz="1800" kern="1200">
                 <a:solidFill>
@@ -34700,7 +34279,7 @@
               <a:spcBef>
                 <a:spcPts val="500"/>
               </a:spcBef>
-              <a:buFont typeface="Arial" panose="020B0604020202020204" pitchFamily="34" charset="0"/>
+              <a:buFont typeface="Arial" panose="020B0604020202090204" pitchFamily="34" charset="0"/>
               <a:buChar char="•"/>
               <a:defRPr sz="1800" kern="1200">
                 <a:solidFill>
@@ -34718,7 +34297,7 @@
               <a:spcBef>
                 <a:spcPts val="500"/>
               </a:spcBef>
-              <a:buFont typeface="Arial" panose="020B0604020202020204" pitchFamily="34" charset="0"/>
+              <a:buFont typeface="Arial" panose="020B0604020202090204" pitchFamily="34" charset="0"/>
               <a:buChar char="•"/>
               <a:defRPr sz="1800" kern="1200">
                 <a:solidFill>
@@ -34779,11 +34358,6 @@
         </p:style>
       </p:cxnSp>
     </p:spTree>
-    <p:extLst>
-      <p:ext uri="{BB962C8B-B14F-4D97-AF65-F5344CB8AC3E}">
-        <p14:creationId xmlns:p14="http://schemas.microsoft.com/office/powerpoint/2010/main" val="1402460419"/>
-      </p:ext>
-    </p:extLst>
   </p:cSld>
   <p:clrMapOvr>
     <a:masterClrMapping/>
@@ -34861,6 +34435,12 @@
               </a:rPr>
               <a:t>添加标内容</a:t>
             </a:r>
+            <a:endParaRPr lang="zh-CN" altLang="en-US" sz="2000" dirty="0">
+              <a:solidFill>
+                <a:schemeClr val="bg1"/>
+              </a:solidFill>
+              <a:effectLst/>
+            </a:endParaRPr>
           </a:p>
         </p:txBody>
       </p:sp>
@@ -34916,6 +34496,12 @@
               </a:rPr>
               <a:t>添加标内容</a:t>
             </a:r>
+            <a:endParaRPr lang="zh-CN" altLang="en-US" sz="2000" dirty="0">
+              <a:solidFill>
+                <a:schemeClr val="bg1"/>
+              </a:solidFill>
+              <a:effectLst/>
+            </a:endParaRPr>
           </a:p>
         </p:txBody>
       </p:sp>
@@ -34971,18 +34557,18 @@
               </a:rPr>
               <a:t>添加标题内容</a:t>
             </a:r>
+            <a:endParaRPr lang="zh-CN" altLang="en-US" sz="2000" dirty="0">
+              <a:solidFill>
+                <a:schemeClr val="bg1"/>
+              </a:solidFill>
+              <a:effectLst/>
+            </a:endParaRPr>
           </a:p>
         </p:txBody>
       </p:sp>
       <p:sp>
         <p:nvSpPr>
-          <p:cNvPr id="5" name="文本框 4">
-            <a:extLst>
-              <a:ext uri="{FF2B5EF4-FFF2-40B4-BE49-F238E27FC236}">
-                <a16:creationId xmlns:a16="http://schemas.microsoft.com/office/drawing/2014/main" id="{840D18FB-141E-4AB2-935C-2D2DB8465985}"/>
-              </a:ext>
-            </a:extLst>
-          </p:cNvPr>
+          <p:cNvPr id="5" name="文本框 4"/>
           <p:cNvSpPr txBox="1"/>
           <p:nvPr/>
         </p:nvSpPr>
@@ -35019,21 +34605,14 @@
               <a:rPr lang="zh-CN" altLang="en-US" sz="2800" dirty="0"/>
               <a:t>数据可视化分析</a:t>
             </a:r>
+            <a:endParaRPr lang="zh-CN" altLang="en-US" sz="2800" dirty="0"/>
           </a:p>
         </p:txBody>
       </p:sp>
       <p:sp>
         <p:nvSpPr>
-          <p:cNvPr id="9" name="内容占位符 2">
-            <a:extLst>
-              <a:ext uri="{FF2B5EF4-FFF2-40B4-BE49-F238E27FC236}">
-                <a16:creationId xmlns:a16="http://schemas.microsoft.com/office/drawing/2014/main" id="{6A71BF94-C49D-4672-995F-D4B7D0E23DB6}"/>
-              </a:ext>
-            </a:extLst>
-          </p:cNvPr>
-          <p:cNvSpPr txBox="1">
-            <a:spLocks/>
-          </p:cNvSpPr>
+          <p:cNvPr id="9" name="内容占位符 2"/>
+          <p:cNvSpPr txBox="1"/>
           <p:nvPr/>
         </p:nvSpPr>
         <p:spPr>
@@ -35055,7 +34634,7 @@
               <a:spcBef>
                 <a:spcPts val="1000"/>
               </a:spcBef>
-              <a:buFont typeface="Arial" panose="020B0604020202020204" pitchFamily="34" charset="0"/>
+              <a:buFont typeface="Arial" panose="020B0604020202090204" pitchFamily="34" charset="0"/>
               <a:buChar char="•"/>
               <a:defRPr sz="2800" kern="1200">
                 <a:solidFill>
@@ -35073,7 +34652,7 @@
               <a:spcBef>
                 <a:spcPts val="500"/>
               </a:spcBef>
-              <a:buFont typeface="Arial" panose="020B0604020202020204" pitchFamily="34" charset="0"/>
+              <a:buFont typeface="Arial" panose="020B0604020202090204" pitchFamily="34" charset="0"/>
               <a:buChar char="•"/>
               <a:defRPr sz="2400" kern="1200">
                 <a:solidFill>
@@ -35091,7 +34670,7 @@
               <a:spcBef>
                 <a:spcPts val="500"/>
               </a:spcBef>
-              <a:buFont typeface="Arial" panose="020B0604020202020204" pitchFamily="34" charset="0"/>
+              <a:buFont typeface="Arial" panose="020B0604020202090204" pitchFamily="34" charset="0"/>
               <a:buChar char="•"/>
               <a:defRPr sz="2000" kern="1200">
                 <a:solidFill>
@@ -35109,7 +34688,7 @@
               <a:spcBef>
                 <a:spcPts val="500"/>
               </a:spcBef>
-              <a:buFont typeface="Arial" panose="020B0604020202020204" pitchFamily="34" charset="0"/>
+              <a:buFont typeface="Arial" panose="020B0604020202090204" pitchFamily="34" charset="0"/>
               <a:buChar char="•"/>
               <a:defRPr sz="1800" kern="1200">
                 <a:solidFill>
@@ -35127,7 +34706,7 @@
               <a:spcBef>
                 <a:spcPts val="500"/>
               </a:spcBef>
-              <a:buFont typeface="Arial" panose="020B0604020202020204" pitchFamily="34" charset="0"/>
+              <a:buFont typeface="Arial" panose="020B0604020202090204" pitchFamily="34" charset="0"/>
               <a:buChar char="•"/>
               <a:defRPr sz="1800" kern="1200">
                 <a:solidFill>
@@ -35145,7 +34724,7 @@
               <a:spcBef>
                 <a:spcPts val="500"/>
               </a:spcBef>
-              <a:buFont typeface="Arial" panose="020B0604020202020204" pitchFamily="34" charset="0"/>
+              <a:buFont typeface="Arial" panose="020B0604020202090204" pitchFamily="34" charset="0"/>
               <a:buChar char="•"/>
               <a:defRPr sz="1800" kern="1200">
                 <a:solidFill>
@@ -35163,7 +34742,7 @@
               <a:spcBef>
                 <a:spcPts val="500"/>
               </a:spcBef>
-              <a:buFont typeface="Arial" panose="020B0604020202020204" pitchFamily="34" charset="0"/>
+              <a:buFont typeface="Arial" panose="020B0604020202090204" pitchFamily="34" charset="0"/>
               <a:buChar char="•"/>
               <a:defRPr sz="1800" kern="1200">
                 <a:solidFill>
@@ -35181,7 +34760,7 @@
               <a:spcBef>
                 <a:spcPts val="500"/>
               </a:spcBef>
-              <a:buFont typeface="Arial" panose="020B0604020202020204" pitchFamily="34" charset="0"/>
+              <a:buFont typeface="Arial" panose="020B0604020202090204" pitchFamily="34" charset="0"/>
               <a:buChar char="•"/>
               <a:defRPr sz="1800" kern="1200">
                 <a:solidFill>
@@ -35199,7 +34778,7 @@
               <a:spcBef>
                 <a:spcPts val="500"/>
               </a:spcBef>
-              <a:buFont typeface="Arial" panose="020B0604020202020204" pitchFamily="34" charset="0"/>
+              <a:buFont typeface="Arial" panose="020B0604020202090204" pitchFamily="34" charset="0"/>
               <a:buChar char="•"/>
               <a:defRPr sz="1800" kern="1200">
                 <a:solidFill>
@@ -35232,11 +34811,11 @@
               <a:t>数据可视化分析：</a:t>
             </a:r>
             <a:r>
-              <a:rPr kumimoji="1" lang="en" altLang="zh-CN" dirty="0"/>
+              <a:rPr kumimoji="1" lang="en-GB" altLang="zh-CN" dirty="0"/>
               <a:t>matplotlib</a:t>
             </a:r>
             <a:r>
-              <a:rPr kumimoji="1" lang="zh-CN" altLang="en" dirty="0"/>
+              <a:rPr kumimoji="1" lang="zh-CN" altLang="en-GB" dirty="0"/>
               <a:t>库</a:t>
             </a:r>
             <a:r>
@@ -35251,15 +34830,11 @@
               <a:rPr kumimoji="1" lang="zh-CN" altLang="en-US" dirty="0"/>
               <a:t>库</a:t>
             </a:r>
+            <a:endParaRPr kumimoji="1" lang="zh-CN" altLang="en-US" dirty="0"/>
           </a:p>
         </p:txBody>
       </p:sp>
     </p:spTree>
-    <p:extLst>
-      <p:ext uri="{BB962C8B-B14F-4D97-AF65-F5344CB8AC3E}">
-        <p14:creationId xmlns:p14="http://schemas.microsoft.com/office/powerpoint/2010/main" val="327180090"/>
-      </p:ext>
-    </p:extLst>
   </p:cSld>
   <p:clrMapOvr>
     <a:masterClrMapping/>
@@ -35336,6 +34911,12 @@
               </a:rPr>
               <a:t>添加标内容</a:t>
             </a:r>
+            <a:endParaRPr lang="zh-CN" altLang="en-US" sz="2000" dirty="0">
+              <a:solidFill>
+                <a:schemeClr val="bg1"/>
+              </a:solidFill>
+              <a:effectLst/>
+            </a:endParaRPr>
           </a:p>
         </p:txBody>
       </p:sp>
@@ -35391,6 +34972,12 @@
               </a:rPr>
               <a:t>添加标内容</a:t>
             </a:r>
+            <a:endParaRPr lang="zh-CN" altLang="en-US" sz="2000" dirty="0">
+              <a:solidFill>
+                <a:schemeClr val="bg1"/>
+              </a:solidFill>
+              <a:effectLst/>
+            </a:endParaRPr>
           </a:p>
         </p:txBody>
       </p:sp>
@@ -35446,18 +35033,18 @@
               </a:rPr>
               <a:t>添加标题内容</a:t>
             </a:r>
+            <a:endParaRPr lang="zh-CN" altLang="en-US" sz="2000" dirty="0">
+              <a:solidFill>
+                <a:schemeClr val="bg1"/>
+              </a:solidFill>
+              <a:effectLst/>
+            </a:endParaRPr>
           </a:p>
         </p:txBody>
       </p:sp>
       <p:sp>
         <p:nvSpPr>
-          <p:cNvPr id="5" name="文本框 4">
-            <a:extLst>
-              <a:ext uri="{FF2B5EF4-FFF2-40B4-BE49-F238E27FC236}">
-                <a16:creationId xmlns:a16="http://schemas.microsoft.com/office/drawing/2014/main" id="{840D18FB-141E-4AB2-935C-2D2DB8465985}"/>
-              </a:ext>
-            </a:extLst>
-          </p:cNvPr>
+          <p:cNvPr id="5" name="文本框 4"/>
           <p:cNvSpPr txBox="1"/>
           <p:nvPr/>
         </p:nvSpPr>
@@ -35494,6 +35081,7 @@
               <a:rPr lang="zh-CN" altLang="en-US" sz="2800" dirty="0"/>
               <a:t>数据可视化分析</a:t>
             </a:r>
+            <a:endParaRPr lang="zh-CN" altLang="en-US" sz="2800" dirty="0"/>
           </a:p>
           <a:p>
             <a:pPr algn="ctr"/>
@@ -35503,16 +35091,8 @@
       </p:sp>
       <p:sp>
         <p:nvSpPr>
-          <p:cNvPr id="8" name="内容占位符 2">
-            <a:extLst>
-              <a:ext uri="{FF2B5EF4-FFF2-40B4-BE49-F238E27FC236}">
-                <a16:creationId xmlns:a16="http://schemas.microsoft.com/office/drawing/2014/main" id="{FCCD0129-3E53-47A0-A1BF-AF9925C46F38}"/>
-              </a:ext>
-            </a:extLst>
-          </p:cNvPr>
-          <p:cNvSpPr txBox="1">
-            <a:spLocks/>
-          </p:cNvSpPr>
+          <p:cNvPr id="8" name="内容占位符 2"/>
+          <p:cNvSpPr txBox="1"/>
           <p:nvPr/>
         </p:nvSpPr>
         <p:spPr>
@@ -35534,7 +35114,7 @@
               <a:spcBef>
                 <a:spcPts val="1000"/>
               </a:spcBef>
-              <a:buFont typeface="Arial" panose="020B0604020202020204" pitchFamily="34" charset="0"/>
+              <a:buFont typeface="Arial" panose="020B0604020202090204" pitchFamily="34" charset="0"/>
               <a:buChar char="•"/>
               <a:defRPr sz="2800" kern="1200">
                 <a:solidFill>
@@ -35552,7 +35132,7 @@
               <a:spcBef>
                 <a:spcPts val="500"/>
               </a:spcBef>
-              <a:buFont typeface="Arial" panose="020B0604020202020204" pitchFamily="34" charset="0"/>
+              <a:buFont typeface="Arial" panose="020B0604020202090204" pitchFamily="34" charset="0"/>
               <a:buChar char="•"/>
               <a:defRPr sz="2400" kern="1200">
                 <a:solidFill>
@@ -35570,7 +35150,7 @@
               <a:spcBef>
                 <a:spcPts val="500"/>
               </a:spcBef>
-              <a:buFont typeface="Arial" panose="020B0604020202020204" pitchFamily="34" charset="0"/>
+              <a:buFont typeface="Arial" panose="020B0604020202090204" pitchFamily="34" charset="0"/>
               <a:buChar char="•"/>
               <a:defRPr sz="2000" kern="1200">
                 <a:solidFill>
@@ -35588,7 +35168,7 @@
               <a:spcBef>
                 <a:spcPts val="500"/>
               </a:spcBef>
-              <a:buFont typeface="Arial" panose="020B0604020202020204" pitchFamily="34" charset="0"/>
+              <a:buFont typeface="Arial" panose="020B0604020202090204" pitchFamily="34" charset="0"/>
               <a:buChar char="•"/>
               <a:defRPr sz="1800" kern="1200">
                 <a:solidFill>
@@ -35606,7 +35186,7 @@
               <a:spcBef>
                 <a:spcPts val="500"/>
               </a:spcBef>
-              <a:buFont typeface="Arial" panose="020B0604020202020204" pitchFamily="34" charset="0"/>
+              <a:buFont typeface="Arial" panose="020B0604020202090204" pitchFamily="34" charset="0"/>
               <a:buChar char="•"/>
               <a:defRPr sz="1800" kern="1200">
                 <a:solidFill>
@@ -35624,7 +35204,7 @@
               <a:spcBef>
                 <a:spcPts val="500"/>
               </a:spcBef>
-              <a:buFont typeface="Arial" panose="020B0604020202020204" pitchFamily="34" charset="0"/>
+              <a:buFont typeface="Arial" panose="020B0604020202090204" pitchFamily="34" charset="0"/>
               <a:buChar char="•"/>
               <a:defRPr sz="1800" kern="1200">
                 <a:solidFill>
@@ -35642,7 +35222,7 @@
               <a:spcBef>
                 <a:spcPts val="500"/>
               </a:spcBef>
-              <a:buFont typeface="Arial" panose="020B0604020202020204" pitchFamily="34" charset="0"/>
+              <a:buFont typeface="Arial" panose="020B0604020202090204" pitchFamily="34" charset="0"/>
               <a:buChar char="•"/>
               <a:defRPr sz="1800" kern="1200">
                 <a:solidFill>
@@ -35660,7 +35240,7 @@
               <a:spcBef>
                 <a:spcPts val="500"/>
               </a:spcBef>
-              <a:buFont typeface="Arial" panose="020B0604020202020204" pitchFamily="34" charset="0"/>
+              <a:buFont typeface="Arial" panose="020B0604020202090204" pitchFamily="34" charset="0"/>
               <a:buChar char="•"/>
               <a:defRPr sz="1800" kern="1200">
                 <a:solidFill>
@@ -35678,7 +35258,7 @@
               <a:spcBef>
                 <a:spcPts val="500"/>
               </a:spcBef>
-              <a:buFont typeface="Arial" panose="020B0604020202020204" pitchFamily="34" charset="0"/>
+              <a:buFont typeface="Arial" panose="020B0604020202090204" pitchFamily="34" charset="0"/>
               <a:buChar char="•"/>
               <a:defRPr sz="1800" kern="1200">
                 <a:solidFill>
@@ -35697,13 +35277,13 @@
             </a:r>
             <a:r>
               <a:rPr kumimoji="1" lang="en-US" altLang="zh-CN">
-                <a:hlinkClick r:id="rId3"/>
+                <a:hlinkClick r:id="rId1"/>
               </a:rPr>
               <a:t>GitHub</a:t>
             </a:r>
             <a:r>
               <a:rPr kumimoji="1" lang="zh-CN" altLang="en-US">
-                <a:hlinkClick r:id="rId3"/>
+                <a:hlinkClick r:id="rId1"/>
               </a:rPr>
               <a:t>仓库</a:t>
             </a:r>
@@ -35712,11 +35292,6 @@
         </p:txBody>
       </p:sp>
     </p:spTree>
-    <p:extLst>
-      <p:ext uri="{BB962C8B-B14F-4D97-AF65-F5344CB8AC3E}">
-        <p14:creationId xmlns:p14="http://schemas.microsoft.com/office/powerpoint/2010/main" val="1444049542"/>
-      </p:ext>
-    </p:extLst>
   </p:cSld>
   <p:clrMapOvr>
     <a:masterClrMapping/>
@@ -35743,16 +35318,8 @@
       </p:grpSpPr>
       <p:sp>
         <p:nvSpPr>
-          <p:cNvPr id="55" name="文本占位符 24">
-            <a:extLst>
-              <a:ext uri="{FF2B5EF4-FFF2-40B4-BE49-F238E27FC236}">
-                <a16:creationId xmlns:a16="http://schemas.microsoft.com/office/drawing/2014/main" id="{CD455566-3954-4AC5-9889-41073E773D9D}"/>
-              </a:ext>
-            </a:extLst>
-          </p:cNvPr>
-          <p:cNvSpPr txBox="1">
-            <a:spLocks/>
-          </p:cNvSpPr>
+          <p:cNvPr id="55" name="文本占位符 24"/>
+          <p:cNvSpPr txBox="1"/>
           <p:nvPr/>
         </p:nvSpPr>
         <p:spPr>
@@ -35800,21 +35367,19 @@
               </a:rPr>
               <a:t>项目分工</a:t>
             </a:r>
+            <a:endParaRPr lang="zh-CN" altLang="en-US" sz="5400" dirty="0">
+              <a:solidFill>
+                <a:schemeClr val="tx2"/>
+              </a:solidFill>
+              <a:effectLst/>
+            </a:endParaRPr>
           </a:p>
         </p:txBody>
       </p:sp>
       <p:sp>
         <p:nvSpPr>
-          <p:cNvPr id="7" name="文本占位符 51">
-            <a:extLst>
-              <a:ext uri="{FF2B5EF4-FFF2-40B4-BE49-F238E27FC236}">
-                <a16:creationId xmlns:a16="http://schemas.microsoft.com/office/drawing/2014/main" id="{AB68936D-40B7-448F-A5B0-1FFCC95446AF}"/>
-              </a:ext>
-            </a:extLst>
-          </p:cNvPr>
-          <p:cNvSpPr txBox="1">
-            <a:spLocks/>
-          </p:cNvSpPr>
+          <p:cNvPr id="7" name="文本占位符 51"/>
+          <p:cNvSpPr txBox="1"/>
           <p:nvPr/>
         </p:nvSpPr>
         <p:spPr>
@@ -35844,7 +35409,7 @@
               <a:spcBef>
                 <a:spcPts val="1000"/>
               </a:spcBef>
-              <a:buFont typeface="Arial" panose="020B0604020202020204" pitchFamily="34" charset="0"/>
+              <a:buFont typeface="Arial" panose="020B0604020202090204" pitchFamily="34" charset="0"/>
               <a:buNone/>
               <a:defRPr lang="zh-CN" altLang="en-US" sz="3600" b="0" kern="1200" baseline="0" dirty="0">
                 <a:solidFill>
@@ -35862,7 +35427,7 @@
               <a:spcBef>
                 <a:spcPts val="500"/>
               </a:spcBef>
-              <a:buFont typeface="Arial" panose="020B0604020202020204" pitchFamily="34" charset="0"/>
+              <a:buFont typeface="Arial" panose="020B0604020202090204" pitchFamily="34" charset="0"/>
               <a:buNone/>
               <a:defRPr sz="2400" kern="1200">
                 <a:solidFill>
@@ -35880,7 +35445,7 @@
               <a:spcBef>
                 <a:spcPts val="500"/>
               </a:spcBef>
-              <a:buFont typeface="Arial" panose="020B0604020202020204" pitchFamily="34" charset="0"/>
+              <a:buFont typeface="Arial" panose="020B0604020202090204" pitchFamily="34" charset="0"/>
               <a:buChar char="•"/>
               <a:defRPr sz="2000" kern="1200">
                 <a:solidFill>
@@ -35898,7 +35463,7 @@
               <a:spcBef>
                 <a:spcPts val="500"/>
               </a:spcBef>
-              <a:buFont typeface="Arial" panose="020B0604020202020204" pitchFamily="34" charset="0"/>
+              <a:buFont typeface="Arial" panose="020B0604020202090204" pitchFamily="34" charset="0"/>
               <a:buChar char="•"/>
               <a:defRPr sz="1800" kern="1200">
                 <a:solidFill>
@@ -35916,7 +35481,7 @@
               <a:spcBef>
                 <a:spcPts val="500"/>
               </a:spcBef>
-              <a:buFont typeface="Arial" panose="020B0604020202020204" pitchFamily="34" charset="0"/>
+              <a:buFont typeface="Arial" panose="020B0604020202090204" pitchFamily="34" charset="0"/>
               <a:buChar char="•"/>
               <a:defRPr sz="1800" kern="1200">
                 <a:solidFill>
@@ -35934,7 +35499,7 @@
               <a:spcBef>
                 <a:spcPts val="500"/>
               </a:spcBef>
-              <a:buFont typeface="Arial" panose="020B0604020202020204" pitchFamily="34" charset="0"/>
+              <a:buFont typeface="Arial" panose="020B0604020202090204" pitchFamily="34" charset="0"/>
               <a:buChar char="•"/>
               <a:defRPr sz="1800" kern="1200">
                 <a:solidFill>
@@ -35952,7 +35517,7 @@
               <a:spcBef>
                 <a:spcPts val="500"/>
               </a:spcBef>
-              <a:buFont typeface="Arial" panose="020B0604020202020204" pitchFamily="34" charset="0"/>
+              <a:buFont typeface="Arial" panose="020B0604020202090204" pitchFamily="34" charset="0"/>
               <a:buChar char="•"/>
               <a:defRPr sz="1800" kern="1200">
                 <a:solidFill>
@@ -35970,7 +35535,7 @@
               <a:spcBef>
                 <a:spcPts val="500"/>
               </a:spcBef>
-              <a:buFont typeface="Arial" panose="020B0604020202020204" pitchFamily="34" charset="0"/>
+              <a:buFont typeface="Arial" panose="020B0604020202090204" pitchFamily="34" charset="0"/>
               <a:buChar char="•"/>
               <a:defRPr sz="1800" kern="1200">
                 <a:solidFill>
@@ -35988,7 +35553,7 @@
               <a:spcBef>
                 <a:spcPts val="500"/>
               </a:spcBef>
-              <a:buFont typeface="Arial" panose="020B0604020202020204" pitchFamily="34" charset="0"/>
+              <a:buFont typeface="Arial" panose="020B0604020202090204" pitchFamily="34" charset="0"/>
               <a:buChar char="•"/>
               <a:defRPr sz="1800" kern="1200">
                 <a:solidFill>
@@ -36049,11 +35614,6 @@
         </p:style>
       </p:cxnSp>
     </p:spTree>
-    <p:extLst>
-      <p:ext uri="{BB962C8B-B14F-4D97-AF65-F5344CB8AC3E}">
-        <p14:creationId xmlns:p14="http://schemas.microsoft.com/office/powerpoint/2010/main" val="2847763889"/>
-      </p:ext>
-    </p:extLst>
   </p:cSld>
   <p:clrMapOvr>
     <a:masterClrMapping/>
@@ -36131,6 +35691,12 @@
               </a:rPr>
               <a:t>添加标内容</a:t>
             </a:r>
+            <a:endParaRPr lang="zh-CN" altLang="en-US" sz="2000" dirty="0">
+              <a:solidFill>
+                <a:schemeClr val="bg1"/>
+              </a:solidFill>
+              <a:effectLst/>
+            </a:endParaRPr>
           </a:p>
         </p:txBody>
       </p:sp>
@@ -36186,6 +35752,12 @@
               </a:rPr>
               <a:t>添加标内容</a:t>
             </a:r>
+            <a:endParaRPr lang="zh-CN" altLang="en-US" sz="2000" dirty="0">
+              <a:solidFill>
+                <a:schemeClr val="bg1"/>
+              </a:solidFill>
+              <a:effectLst/>
+            </a:endParaRPr>
           </a:p>
         </p:txBody>
       </p:sp>
@@ -36241,18 +35813,18 @@
               </a:rPr>
               <a:t>添加标题内容</a:t>
             </a:r>
+            <a:endParaRPr lang="zh-CN" altLang="en-US" sz="2000" dirty="0">
+              <a:solidFill>
+                <a:schemeClr val="bg1"/>
+              </a:solidFill>
+              <a:effectLst/>
+            </a:endParaRPr>
           </a:p>
         </p:txBody>
       </p:sp>
       <p:sp>
         <p:nvSpPr>
-          <p:cNvPr id="5" name="文本框 4">
-            <a:extLst>
-              <a:ext uri="{FF2B5EF4-FFF2-40B4-BE49-F238E27FC236}">
-                <a16:creationId xmlns:a16="http://schemas.microsoft.com/office/drawing/2014/main" id="{840D18FB-141E-4AB2-935C-2D2DB8465985}"/>
-              </a:ext>
-            </a:extLst>
-          </p:cNvPr>
+          <p:cNvPr id="5" name="文本框 4"/>
           <p:cNvSpPr txBox="1"/>
           <p:nvPr/>
         </p:nvSpPr>
@@ -36277,21 +35849,14 @@
               <a:rPr lang="zh-CN" altLang="en-US" sz="2800" dirty="0"/>
               <a:t>项目分工</a:t>
             </a:r>
+            <a:endParaRPr lang="zh-CN" altLang="en-US" sz="2800" dirty="0"/>
           </a:p>
         </p:txBody>
       </p:sp>
       <p:sp>
         <p:nvSpPr>
-          <p:cNvPr id="9" name="内容占位符 2">
-            <a:extLst>
-              <a:ext uri="{FF2B5EF4-FFF2-40B4-BE49-F238E27FC236}">
-                <a16:creationId xmlns:a16="http://schemas.microsoft.com/office/drawing/2014/main" id="{B16A44D7-C07A-4AEE-A05C-6C4CCFC0A166}"/>
-              </a:ext>
-            </a:extLst>
-          </p:cNvPr>
-          <p:cNvSpPr txBox="1">
-            <a:spLocks/>
-          </p:cNvSpPr>
+          <p:cNvPr id="9" name="内容占位符 2"/>
+          <p:cNvSpPr txBox="1"/>
           <p:nvPr/>
         </p:nvSpPr>
         <p:spPr>
@@ -36313,7 +35878,7 @@
               <a:spcBef>
                 <a:spcPts val="1000"/>
               </a:spcBef>
-              <a:buFont typeface="Arial" panose="020B0604020202020204" pitchFamily="34" charset="0"/>
+              <a:buFont typeface="Arial" panose="020B0604020202090204" pitchFamily="34" charset="0"/>
               <a:buChar char="•"/>
               <a:defRPr sz="2800" kern="1200">
                 <a:solidFill>
@@ -36331,7 +35896,7 @@
               <a:spcBef>
                 <a:spcPts val="500"/>
               </a:spcBef>
-              <a:buFont typeface="Arial" panose="020B0604020202020204" pitchFamily="34" charset="0"/>
+              <a:buFont typeface="Arial" panose="020B0604020202090204" pitchFamily="34" charset="0"/>
               <a:buChar char="•"/>
               <a:defRPr sz="2400" kern="1200">
                 <a:solidFill>
@@ -36349,7 +35914,7 @@
               <a:spcBef>
                 <a:spcPts val="500"/>
               </a:spcBef>
-              <a:buFont typeface="Arial" panose="020B0604020202020204" pitchFamily="34" charset="0"/>
+              <a:buFont typeface="Arial" panose="020B0604020202090204" pitchFamily="34" charset="0"/>
               <a:buChar char="•"/>
               <a:defRPr sz="2000" kern="1200">
                 <a:solidFill>
@@ -36367,7 +35932,7 @@
               <a:spcBef>
                 <a:spcPts val="500"/>
               </a:spcBef>
-              <a:buFont typeface="Arial" panose="020B0604020202020204" pitchFamily="34" charset="0"/>
+              <a:buFont typeface="Arial" panose="020B0604020202090204" pitchFamily="34" charset="0"/>
               <a:buChar char="•"/>
               <a:defRPr sz="1800" kern="1200">
                 <a:solidFill>
@@ -36385,7 +35950,7 @@
               <a:spcBef>
                 <a:spcPts val="500"/>
               </a:spcBef>
-              <a:buFont typeface="Arial" panose="020B0604020202020204" pitchFamily="34" charset="0"/>
+              <a:buFont typeface="Arial" panose="020B0604020202090204" pitchFamily="34" charset="0"/>
               <a:buChar char="•"/>
               <a:defRPr sz="1800" kern="1200">
                 <a:solidFill>
@@ -36403,7 +35968,7 @@
               <a:spcBef>
                 <a:spcPts val="500"/>
               </a:spcBef>
-              <a:buFont typeface="Arial" panose="020B0604020202020204" pitchFamily="34" charset="0"/>
+              <a:buFont typeface="Arial" panose="020B0604020202090204" pitchFamily="34" charset="0"/>
               <a:buChar char="•"/>
               <a:defRPr sz="1800" kern="1200">
                 <a:solidFill>
@@ -36421,7 +35986,7 @@
               <a:spcBef>
                 <a:spcPts val="500"/>
               </a:spcBef>
-              <a:buFont typeface="Arial" panose="020B0604020202020204" pitchFamily="34" charset="0"/>
+              <a:buFont typeface="Arial" panose="020B0604020202090204" pitchFamily="34" charset="0"/>
               <a:buChar char="•"/>
               <a:defRPr sz="1800" kern="1200">
                 <a:solidFill>
@@ -36439,7 +36004,7 @@
               <a:spcBef>
                 <a:spcPts val="500"/>
               </a:spcBef>
-              <a:buFont typeface="Arial" panose="020B0604020202020204" pitchFamily="34" charset="0"/>
+              <a:buFont typeface="Arial" panose="020B0604020202090204" pitchFamily="34" charset="0"/>
               <a:buChar char="•"/>
               <a:defRPr sz="1800" kern="1200">
                 <a:solidFill>
@@ -36457,7 +36022,7 @@
               <a:spcBef>
                 <a:spcPts val="500"/>
               </a:spcBef>
-              <a:buFont typeface="Arial" panose="020B0604020202020204" pitchFamily="34" charset="0"/>
+              <a:buFont typeface="Arial" panose="020B0604020202090204" pitchFamily="34" charset="0"/>
               <a:buChar char="•"/>
               <a:defRPr sz="1800" kern="1200">
                 <a:solidFill>
@@ -36495,15 +36060,11 @@
               <a:rPr kumimoji="1" lang="zh-CN" altLang="en-US" dirty="0"/>
               <a:t>张越：</a:t>
             </a:r>
+            <a:endParaRPr kumimoji="1" lang="zh-CN" altLang="en-US" dirty="0"/>
           </a:p>
         </p:txBody>
       </p:sp>
     </p:spTree>
-    <p:extLst>
-      <p:ext uri="{BB962C8B-B14F-4D97-AF65-F5344CB8AC3E}">
-        <p14:creationId xmlns:p14="http://schemas.microsoft.com/office/powerpoint/2010/main" val="426764296"/>
-      </p:ext>
-    </p:extLst>
   </p:cSld>
   <p:clrMapOvr>
     <a:masterClrMapping/>
@@ -36530,16 +36091,8 @@
       </p:grpSpPr>
       <p:sp>
         <p:nvSpPr>
-          <p:cNvPr id="55" name="文本占位符 24">
-            <a:extLst>
-              <a:ext uri="{FF2B5EF4-FFF2-40B4-BE49-F238E27FC236}">
-                <a16:creationId xmlns:a16="http://schemas.microsoft.com/office/drawing/2014/main" id="{CD455566-3954-4AC5-9889-41073E773D9D}"/>
-              </a:ext>
-            </a:extLst>
-          </p:cNvPr>
-          <p:cNvSpPr txBox="1">
-            <a:spLocks/>
-          </p:cNvSpPr>
+          <p:cNvPr id="55" name="文本占位符 24"/>
+          <p:cNvSpPr txBox="1"/>
           <p:nvPr/>
         </p:nvSpPr>
         <p:spPr>
@@ -36587,21 +36140,19 @@
               </a:rPr>
               <a:t>每周必看榜单统计</a:t>
             </a:r>
+            <a:endParaRPr lang="zh-CN" altLang="en-US" sz="5400" dirty="0">
+              <a:solidFill>
+                <a:schemeClr val="tx2"/>
+              </a:solidFill>
+              <a:effectLst/>
+            </a:endParaRPr>
           </a:p>
         </p:txBody>
       </p:sp>
       <p:sp>
         <p:nvSpPr>
-          <p:cNvPr id="8" name="文本占位符 51">
-            <a:extLst>
-              <a:ext uri="{FF2B5EF4-FFF2-40B4-BE49-F238E27FC236}">
-                <a16:creationId xmlns:a16="http://schemas.microsoft.com/office/drawing/2014/main" id="{AB68936D-40B7-448F-A5B0-1FFCC95446AF}"/>
-              </a:ext>
-            </a:extLst>
-          </p:cNvPr>
-          <p:cNvSpPr txBox="1">
-            <a:spLocks/>
-          </p:cNvSpPr>
+          <p:cNvPr id="8" name="文本占位符 51"/>
+          <p:cNvSpPr txBox="1"/>
           <p:nvPr/>
         </p:nvSpPr>
         <p:spPr>
@@ -36631,7 +36182,7 @@
               <a:spcBef>
                 <a:spcPts val="1000"/>
               </a:spcBef>
-              <a:buFont typeface="Arial" panose="020B0604020202020204" pitchFamily="34" charset="0"/>
+              <a:buFont typeface="Arial" panose="020B0604020202090204" pitchFamily="34" charset="0"/>
               <a:buNone/>
               <a:defRPr lang="zh-CN" altLang="en-US" sz="3600" b="0" kern="1200" baseline="0" dirty="0">
                 <a:solidFill>
@@ -36649,7 +36200,7 @@
               <a:spcBef>
                 <a:spcPts val="500"/>
               </a:spcBef>
-              <a:buFont typeface="Arial" panose="020B0604020202020204" pitchFamily="34" charset="0"/>
+              <a:buFont typeface="Arial" panose="020B0604020202090204" pitchFamily="34" charset="0"/>
               <a:buNone/>
               <a:defRPr sz="2400" kern="1200">
                 <a:solidFill>
@@ -36667,7 +36218,7 @@
               <a:spcBef>
                 <a:spcPts val="500"/>
               </a:spcBef>
-              <a:buFont typeface="Arial" panose="020B0604020202020204" pitchFamily="34" charset="0"/>
+              <a:buFont typeface="Arial" panose="020B0604020202090204" pitchFamily="34" charset="0"/>
               <a:buChar char="•"/>
               <a:defRPr sz="2000" kern="1200">
                 <a:solidFill>
@@ -36685,7 +36236,7 @@
               <a:spcBef>
                 <a:spcPts val="500"/>
               </a:spcBef>
-              <a:buFont typeface="Arial" panose="020B0604020202020204" pitchFamily="34" charset="0"/>
+              <a:buFont typeface="Arial" panose="020B0604020202090204" pitchFamily="34" charset="0"/>
               <a:buChar char="•"/>
               <a:defRPr sz="1800" kern="1200">
                 <a:solidFill>
@@ -36703,7 +36254,7 @@
               <a:spcBef>
                 <a:spcPts val="500"/>
               </a:spcBef>
-              <a:buFont typeface="Arial" panose="020B0604020202020204" pitchFamily="34" charset="0"/>
+              <a:buFont typeface="Arial" panose="020B0604020202090204" pitchFamily="34" charset="0"/>
               <a:buChar char="•"/>
               <a:defRPr sz="1800" kern="1200">
                 <a:solidFill>
@@ -36721,7 +36272,7 @@
               <a:spcBef>
                 <a:spcPts val="500"/>
               </a:spcBef>
-              <a:buFont typeface="Arial" panose="020B0604020202020204" pitchFamily="34" charset="0"/>
+              <a:buFont typeface="Arial" panose="020B0604020202090204" pitchFamily="34" charset="0"/>
               <a:buChar char="•"/>
               <a:defRPr sz="1800" kern="1200">
                 <a:solidFill>
@@ -36739,7 +36290,7 @@
               <a:spcBef>
                 <a:spcPts val="500"/>
               </a:spcBef>
-              <a:buFont typeface="Arial" panose="020B0604020202020204" pitchFamily="34" charset="0"/>
+              <a:buFont typeface="Arial" panose="020B0604020202090204" pitchFamily="34" charset="0"/>
               <a:buChar char="•"/>
               <a:defRPr sz="1800" kern="1200">
                 <a:solidFill>
@@ -36757,7 +36308,7 @@
               <a:spcBef>
                 <a:spcPts val="500"/>
               </a:spcBef>
-              <a:buFont typeface="Arial" panose="020B0604020202020204" pitchFamily="34" charset="0"/>
+              <a:buFont typeface="Arial" panose="020B0604020202090204" pitchFamily="34" charset="0"/>
               <a:buChar char="•"/>
               <a:defRPr sz="1800" kern="1200">
                 <a:solidFill>
@@ -36775,7 +36326,7 @@
               <a:spcBef>
                 <a:spcPts val="500"/>
               </a:spcBef>
-              <a:buFont typeface="Arial" panose="020B0604020202020204" pitchFamily="34" charset="0"/>
+              <a:buFont typeface="Arial" panose="020B0604020202090204" pitchFamily="34" charset="0"/>
               <a:buChar char="•"/>
               <a:defRPr sz="1800" kern="1200">
                 <a:solidFill>
@@ -36836,11 +36387,6 @@
         </p:style>
       </p:cxnSp>
     </p:spTree>
-    <p:extLst>
-      <p:ext uri="{BB962C8B-B14F-4D97-AF65-F5344CB8AC3E}">
-        <p14:creationId xmlns:p14="http://schemas.microsoft.com/office/powerpoint/2010/main" val="1907422169"/>
-      </p:ext>
-    </p:extLst>
   </p:cSld>
   <p:clrMapOvr>
     <a:masterClrMapping/>
@@ -36868,13 +36414,7 @@
       </p:grpSpPr>
       <p:sp>
         <p:nvSpPr>
-          <p:cNvPr id="4" name="文本框 3">
-            <a:extLst>
-              <a:ext uri="{FF2B5EF4-FFF2-40B4-BE49-F238E27FC236}">
-                <a16:creationId xmlns:a16="http://schemas.microsoft.com/office/drawing/2014/main" id="{74CCC5C3-AB2F-49C2-A5DE-68AE6ACBFB54}"/>
-              </a:ext>
-            </a:extLst>
-          </p:cNvPr>
+          <p:cNvPr id="4" name="文本框 3"/>
           <p:cNvSpPr txBox="1"/>
           <p:nvPr/>
         </p:nvSpPr>
@@ -36954,7 +36494,7 @@
             <a:r>
               <a:rPr lang="en-US" altLang="zh-CN" sz="1600" dirty="0">
                 <a:sym typeface="+mn-lt"/>
-                <a:hlinkClick r:id="rId3"/>
+                <a:hlinkClick r:id="rId1"/>
               </a:rPr>
               <a:t>https://api.bilibili.com/x/web-interface/popular/series/one?number=153</a:t>
             </a:r>
@@ -37008,13 +36548,7 @@
       </p:sp>
       <p:sp>
         <p:nvSpPr>
-          <p:cNvPr id="8" name="文本框 7">
-            <a:extLst>
-              <a:ext uri="{FF2B5EF4-FFF2-40B4-BE49-F238E27FC236}">
-                <a16:creationId xmlns:a16="http://schemas.microsoft.com/office/drawing/2014/main" id="{60F86EB7-522D-40E3-986A-D823226A7BAC}"/>
-              </a:ext>
-            </a:extLst>
-          </p:cNvPr>
+          <p:cNvPr id="8" name="文本框 7"/>
           <p:cNvSpPr txBox="1"/>
           <p:nvPr/>
         </p:nvSpPr>
@@ -37039,6 +36573,7 @@
               <a:rPr lang="zh-CN" altLang="en-US" sz="2800" dirty="0"/>
               <a:t>每周必看榜单统计</a:t>
             </a:r>
+            <a:endParaRPr lang="zh-CN" altLang="en-US" sz="2800" dirty="0"/>
           </a:p>
           <a:p>
             <a:pPr algn="ctr"/>
@@ -37048,20 +36583,14 @@
       </p:sp>
       <p:pic>
         <p:nvPicPr>
-          <p:cNvPr id="3" name="图片 2">
-            <a:extLst>
-              <a:ext uri="{FF2B5EF4-FFF2-40B4-BE49-F238E27FC236}">
-                <a16:creationId xmlns:a16="http://schemas.microsoft.com/office/drawing/2014/main" id="{454B667B-84F4-47E3-B7E8-166A52216843}"/>
-              </a:ext>
-            </a:extLst>
-          </p:cNvPr>
+          <p:cNvPr id="3" name="图片 2"/>
           <p:cNvPicPr>
             <a:picLocks noChangeAspect="1"/>
           </p:cNvPicPr>
           <p:nvPr/>
         </p:nvPicPr>
         <p:blipFill>
-          <a:blip r:embed="rId4"/>
+          <a:blip r:embed="rId2"/>
           <a:stretch>
             <a:fillRect/>
           </a:stretch>
@@ -37078,20 +36607,14 @@
       </p:pic>
       <p:pic>
         <p:nvPicPr>
-          <p:cNvPr id="9" name="图片 8">
-            <a:extLst>
-              <a:ext uri="{FF2B5EF4-FFF2-40B4-BE49-F238E27FC236}">
-                <a16:creationId xmlns:a16="http://schemas.microsoft.com/office/drawing/2014/main" id="{67D19837-976C-4FD9-A8F0-260E2C093477}"/>
-              </a:ext>
-            </a:extLst>
-          </p:cNvPr>
+          <p:cNvPr id="9" name="图片 8"/>
           <p:cNvPicPr>
             <a:picLocks noChangeAspect="1"/>
           </p:cNvPicPr>
           <p:nvPr/>
         </p:nvPicPr>
         <p:blipFill>
-          <a:blip r:embed="rId5"/>
+          <a:blip r:embed="rId3"/>
           <a:stretch>
             <a:fillRect/>
           </a:stretch>
@@ -37107,11 +36630,6 @@
         </p:spPr>
       </p:pic>
     </p:spTree>
-    <p:extLst>
-      <p:ext uri="{BB962C8B-B14F-4D97-AF65-F5344CB8AC3E}">
-        <p14:creationId xmlns:p14="http://schemas.microsoft.com/office/powerpoint/2010/main" val="259310212"/>
-      </p:ext>
-    </p:extLst>
   </p:cSld>
   <p:clrMapOvr>
     <a:masterClrMapping/>
@@ -37310,8 +36828,6 @@
       </a:bgFillStyleLst>
     </a:fmtScheme>
   </a:themeElements>
-  <a:objectDefaults/>
-  <a:extraClrSchemeLst/>
   <a:extLst>
     <a:ext uri="{05A4C25C-085E-4340-85A3-A5531E510DB2}">
       <thm15:themeFamily xmlns:thm15="http://schemas.microsoft.com/office/thememl/2012/main" name="Office Theme" id="{62F939B6-93AF-4DB8-9C6B-D6C7DFDC589F}" vid="{4A3C46E8-61CC-4603-A589-7422A47A8E4A}"/>
@@ -37598,8 +37114,6 @@
       </a:bgFillStyleLst>
     </a:fmtScheme>
   </a:themeElements>
-  <a:objectDefaults/>
-  <a:extraClrSchemeLst/>
   <a:extLst>
     <a:ext uri="{05A4C25C-085E-4340-85A3-A5531E510DB2}">
       <thm15:themeFamily xmlns:thm15="http://schemas.microsoft.com/office/thememl/2012/main" name="Office Theme" id="{62F939B6-93AF-4DB8-9C6B-D6C7DFDC589F}" vid="{4A3C46E8-61CC-4603-A589-7422A47A8E4A}"/>
@@ -37859,8 +37373,6 @@
       </a:bgFillStyleLst>
     </a:fmtScheme>
   </a:themeElements>
-  <a:objectDefaults/>
-  <a:extraClrSchemeLst/>
   <a:extLst>
     <a:ext uri="{05A4C25C-085E-4340-85A3-A5531E510DB2}">
       <thm15:themeFamily xmlns:thm15="http://schemas.microsoft.com/office/thememl/2012/main" name="Office Theme" id="{62F939B6-93AF-4DB8-9C6B-D6C7DFDC589F}" vid="{4A3C46E8-61CC-4603-A589-7422A47A8E4A}"/>
